--- a/day 4/SAC_Training Day 4.pptx
+++ b/day 4/SAC_Training Day 4.pptx
@@ -6,21 +6,23 @@
     <p:sldMasterId id="2147483660" r:id="rId2"/>
   </p:sldMasterIdLst>
   <p:notesMasterIdLst>
-    <p:notesMasterId r:id="rId15"/>
+    <p:notesMasterId r:id="rId17"/>
   </p:notesMasterIdLst>
   <p:sldIdLst>
     <p:sldId id="256" r:id="rId3"/>
     <p:sldId id="463" r:id="rId4"/>
-    <p:sldId id="426" r:id="rId5"/>
-    <p:sldId id="476" r:id="rId6"/>
-    <p:sldId id="427" r:id="rId7"/>
-    <p:sldId id="428" r:id="rId8"/>
-    <p:sldId id="429" r:id="rId9"/>
-    <p:sldId id="430" r:id="rId10"/>
-    <p:sldId id="431" r:id="rId11"/>
-    <p:sldId id="462" r:id="rId12"/>
-    <p:sldId id="399" r:id="rId13"/>
-    <p:sldId id="409" r:id="rId14"/>
+    <p:sldId id="477" r:id="rId5"/>
+    <p:sldId id="426" r:id="rId6"/>
+    <p:sldId id="478" r:id="rId7"/>
+    <p:sldId id="476" r:id="rId8"/>
+    <p:sldId id="427" r:id="rId9"/>
+    <p:sldId id="428" r:id="rId10"/>
+    <p:sldId id="429" r:id="rId11"/>
+    <p:sldId id="430" r:id="rId12"/>
+    <p:sldId id="431" r:id="rId13"/>
+    <p:sldId id="462" r:id="rId14"/>
+    <p:sldId id="399" r:id="rId15"/>
+    <p:sldId id="409" r:id="rId16"/>
   </p:sldIdLst>
   <p:sldSz cx="12192000" cy="6858000"/>
   <p:notesSz cx="6858000" cy="9144000"/>
@@ -209,7 +211,7 @@
           <a:p>
             <a:fld id="{4AF2A06D-4991-4208-8C88-4E8BAD69A8B8}" type="datetimeFigureOut">
               <a:rPr lang="en-US" smtClean="0"/>
-              <a:t>1/9/2022</a:t>
+              <a:t>3/17/2022</a:t>
             </a:fld>
             <a:endParaRPr lang="en-US"/>
           </a:p>
@@ -672,7 +674,7 @@
                 <a:tabLst/>
                 <a:defRPr/>
               </a:pPr>
-              <a:t>12</a:t>
+              <a:t>14</a:t>
             </a:fld>
             <a:endParaRPr kumimoji="0" lang="en-US" sz="1200" b="0" i="0" u="none" strike="noStrike" kern="1200" cap="none" spc="0" normalizeH="0" baseline="0" noProof="0">
               <a:ln>
@@ -833,7 +835,7 @@
           <a:p>
             <a:fld id="{E26E0DA5-0C76-4851-AA82-0B75261F9EB4}" type="datetimeFigureOut">
               <a:rPr lang="en-US" smtClean="0"/>
-              <a:t>1/9/2022</a:t>
+              <a:t>3/17/2022</a:t>
             </a:fld>
             <a:endParaRPr lang="en-US"/>
           </a:p>
@@ -1001,7 +1003,7 @@
           <a:p>
             <a:fld id="{E26E0DA5-0C76-4851-AA82-0B75261F9EB4}" type="datetimeFigureOut">
               <a:rPr lang="en-US" smtClean="0"/>
-              <a:t>1/9/2022</a:t>
+              <a:t>3/17/2022</a:t>
             </a:fld>
             <a:endParaRPr lang="en-US"/>
           </a:p>
@@ -1179,7 +1181,7 @@
           <a:p>
             <a:fld id="{E26E0DA5-0C76-4851-AA82-0B75261F9EB4}" type="datetimeFigureOut">
               <a:rPr lang="en-US" smtClean="0"/>
-              <a:t>1/9/2022</a:t>
+              <a:t>3/17/2022</a:t>
             </a:fld>
             <a:endParaRPr lang="en-US"/>
           </a:p>
@@ -1506,7 +1508,7 @@
             <a:fld id="{9578D6DB-6798-42D2-B9AD-FC6F1C72FC30}" type="datetimeFigureOut">
               <a:rPr lang="en-US" smtClean="0"/>
               <a:pPr/>
-              <a:t>1/9/2022</a:t>
+              <a:t>3/17/2022</a:t>
             </a:fld>
             <a:endParaRPr lang="en-US"/>
           </a:p>
@@ -1748,7 +1750,7 @@
             <a:fld id="{425404F2-BE9A-4460-8815-8F645183555F}" type="datetimeFigureOut">
               <a:rPr lang="en-US" smtClean="0"/>
               <a:pPr/>
-              <a:t>1/9/2022</a:t>
+              <a:t>3/17/2022</a:t>
             </a:fld>
             <a:endParaRPr lang="en-US"/>
           </a:p>
@@ -1876,7 +1878,7 @@
             <a:fld id="{425404F2-BE9A-4460-8815-8F645183555F}" type="datetimeFigureOut">
               <a:rPr lang="en-US" smtClean="0"/>
               <a:pPr/>
-              <a:t>1/9/2022</a:t>
+              <a:t>3/17/2022</a:t>
             </a:fld>
             <a:endParaRPr lang="en-US"/>
           </a:p>
@@ -2126,7 +2128,7 @@
             <a:fld id="{425404F2-BE9A-4460-8815-8F645183555F}" type="datetimeFigureOut">
               <a:rPr lang="en-US" smtClean="0"/>
               <a:pPr/>
-              <a:t>1/9/2022</a:t>
+              <a:t>3/17/2022</a:t>
             </a:fld>
             <a:endParaRPr lang="en-US"/>
           </a:p>
@@ -2296,7 +2298,7 @@
             <a:fld id="{425404F2-BE9A-4460-8815-8F645183555F}" type="datetimeFigureOut">
               <a:rPr lang="en-US" smtClean="0"/>
               <a:pPr/>
-              <a:t>1/9/2022</a:t>
+              <a:t>3/17/2022</a:t>
             </a:fld>
             <a:endParaRPr lang="en-US"/>
           </a:p>
@@ -2583,7 +2585,7 @@
             <a:fld id="{425404F2-BE9A-4460-8815-8F645183555F}" type="datetimeFigureOut">
               <a:rPr lang="en-US" smtClean="0"/>
               <a:pPr/>
-              <a:t>1/9/2022</a:t>
+              <a:t>3/17/2022</a:t>
             </a:fld>
             <a:endParaRPr lang="en-US"/>
           </a:p>
@@ -3004,7 +3006,7 @@
             <a:fld id="{425404F2-BE9A-4460-8815-8F645183555F}" type="datetimeFigureOut">
               <a:rPr lang="en-US" smtClean="0"/>
               <a:pPr/>
-              <a:t>1/9/2022</a:t>
+              <a:t>3/17/2022</a:t>
             </a:fld>
             <a:endParaRPr lang="en-US"/>
           </a:p>
@@ -3129,7 +3131,7 @@
             <a:fld id="{425404F2-BE9A-4460-8815-8F645183555F}" type="datetimeFigureOut">
               <a:rPr lang="en-US" smtClean="0"/>
               <a:pPr/>
-              <a:t>1/9/2022</a:t>
+              <a:t>3/17/2022</a:t>
             </a:fld>
             <a:endParaRPr lang="en-US"/>
           </a:p>
@@ -3355,7 +3357,7 @@
           <a:p>
             <a:fld id="{E26E0DA5-0C76-4851-AA82-0B75261F9EB4}" type="datetimeFigureOut">
               <a:rPr lang="en-US" smtClean="0"/>
-              <a:t>1/9/2022</a:t>
+              <a:t>3/17/2022</a:t>
             </a:fld>
             <a:endParaRPr lang="en-US"/>
           </a:p>
@@ -3479,7 +3481,7 @@
             <a:fld id="{425404F2-BE9A-4460-8815-8F645183555F}" type="datetimeFigureOut">
               <a:rPr lang="en-US" smtClean="0"/>
               <a:pPr/>
-              <a:t>1/9/2022</a:t>
+              <a:t>3/17/2022</a:t>
             </a:fld>
             <a:endParaRPr lang="en-US"/>
           </a:p>
@@ -4026,7 +4028,7 @@
             <a:fld id="{425404F2-BE9A-4460-8815-8F645183555F}" type="datetimeFigureOut">
               <a:rPr lang="en-US" smtClean="0"/>
               <a:pPr/>
-              <a:t>1/9/2022</a:t>
+              <a:t>3/17/2022</a:t>
             </a:fld>
             <a:endParaRPr lang="en-US"/>
           </a:p>
@@ -4174,7 +4176,7 @@
             <a:fld id="{425404F2-BE9A-4460-8815-8F645183555F}" type="datetimeFigureOut">
               <a:rPr lang="en-US" smtClean="0"/>
               <a:pPr/>
-              <a:t>1/9/2022</a:t>
+              <a:t>3/17/2022</a:t>
             </a:fld>
             <a:endParaRPr lang="en-US"/>
           </a:p>
@@ -4407,7 +4409,7 @@
             <a:fld id="{425404F2-BE9A-4460-8815-8F645183555F}" type="datetimeFigureOut">
               <a:rPr lang="en-US" smtClean="0"/>
               <a:pPr/>
-              <a:t>1/9/2022</a:t>
+              <a:t>3/17/2022</a:t>
             </a:fld>
             <a:endParaRPr lang="en-US"/>
           </a:p>
@@ -4645,7 +4647,7 @@
             <a:fld id="{425404F2-BE9A-4460-8815-8F645183555F}" type="datetimeFigureOut">
               <a:rPr lang="en-US" smtClean="0"/>
               <a:pPr/>
-              <a:t>1/9/2022</a:t>
+              <a:t>3/17/2022</a:t>
             </a:fld>
             <a:endParaRPr lang="en-US"/>
           </a:p>
@@ -4827,7 +4829,7 @@
             <a:fld id="{425404F2-BE9A-4460-8815-8F645183555F}" type="datetimeFigureOut">
               <a:rPr lang="en-US" smtClean="0"/>
               <a:pPr/>
-              <a:t>1/9/2022</a:t>
+              <a:t>3/17/2022</a:t>
             </a:fld>
             <a:endParaRPr lang="en-US"/>
           </a:p>
@@ -5104,7 +5106,7 @@
             <a:fld id="{425404F2-BE9A-4460-8815-8F645183555F}" type="datetimeFigureOut">
               <a:rPr lang="en-US" smtClean="0"/>
               <a:pPr/>
-              <a:t>1/9/2022</a:t>
+              <a:t>3/17/2022</a:t>
             </a:fld>
             <a:endParaRPr lang="en-US"/>
           </a:p>
@@ -5358,7 +5360,7 @@
             <a:fld id="{425404F2-BE9A-4460-8815-8F645183555F}" type="datetimeFigureOut">
               <a:rPr lang="en-US" smtClean="0"/>
               <a:pPr/>
-              <a:t>1/9/2022</a:t>
+              <a:t>3/17/2022</a:t>
             </a:fld>
             <a:endParaRPr lang="en-US"/>
           </a:p>
@@ -5528,7 +5530,7 @@
             <a:fld id="{425404F2-BE9A-4460-8815-8F645183555F}" type="datetimeFigureOut">
               <a:rPr lang="en-US" smtClean="0"/>
               <a:pPr/>
-              <a:t>1/9/2022</a:t>
+              <a:t>3/17/2022</a:t>
             </a:fld>
             <a:endParaRPr lang="en-US"/>
           </a:p>
@@ -5708,7 +5710,7 @@
             <a:fld id="{425404F2-BE9A-4460-8815-8F645183555F}" type="datetimeFigureOut">
               <a:rPr lang="en-US" smtClean="0"/>
               <a:pPr/>
-              <a:t>1/9/2022</a:t>
+              <a:t>3/17/2022</a:t>
             </a:fld>
             <a:endParaRPr lang="en-US"/>
           </a:p>
@@ -5954,7 +5956,7 @@
           <a:p>
             <a:fld id="{E26E0DA5-0C76-4851-AA82-0B75261F9EB4}" type="datetimeFigureOut">
               <a:rPr lang="en-US" smtClean="0"/>
-              <a:t>1/9/2022</a:t>
+              <a:t>3/17/2022</a:t>
             </a:fld>
             <a:endParaRPr lang="en-US"/>
           </a:p>
@@ -6183,7 +6185,7 @@
           <a:p>
             <a:fld id="{E26E0DA5-0C76-4851-AA82-0B75261F9EB4}" type="datetimeFigureOut">
               <a:rPr lang="en-US" smtClean="0"/>
-              <a:t>1/9/2022</a:t>
+              <a:t>3/17/2022</a:t>
             </a:fld>
             <a:endParaRPr lang="en-US"/>
           </a:p>
@@ -6547,7 +6549,7 @@
           <a:p>
             <a:fld id="{E26E0DA5-0C76-4851-AA82-0B75261F9EB4}" type="datetimeFigureOut">
               <a:rPr lang="en-US" smtClean="0"/>
-              <a:t>1/9/2022</a:t>
+              <a:t>3/17/2022</a:t>
             </a:fld>
             <a:endParaRPr lang="en-US"/>
           </a:p>
@@ -6664,7 +6666,7 @@
           <a:p>
             <a:fld id="{E26E0DA5-0C76-4851-AA82-0B75261F9EB4}" type="datetimeFigureOut">
               <a:rPr lang="en-US" smtClean="0"/>
-              <a:t>1/9/2022</a:t>
+              <a:t>3/17/2022</a:t>
             </a:fld>
             <a:endParaRPr lang="en-US"/>
           </a:p>
@@ -6759,7 +6761,7 @@
           <a:p>
             <a:fld id="{E26E0DA5-0C76-4851-AA82-0B75261F9EB4}" type="datetimeFigureOut">
               <a:rPr lang="en-US" smtClean="0"/>
-              <a:t>1/9/2022</a:t>
+              <a:t>3/17/2022</a:t>
             </a:fld>
             <a:endParaRPr lang="en-US"/>
           </a:p>
@@ -7034,7 +7036,7 @@
           <a:p>
             <a:fld id="{E26E0DA5-0C76-4851-AA82-0B75261F9EB4}" type="datetimeFigureOut">
               <a:rPr lang="en-US" smtClean="0"/>
-              <a:t>1/9/2022</a:t>
+              <a:t>3/17/2022</a:t>
             </a:fld>
             <a:endParaRPr lang="en-US"/>
           </a:p>
@@ -7286,7 +7288,7 @@
           <a:p>
             <a:fld id="{E26E0DA5-0C76-4851-AA82-0B75261F9EB4}" type="datetimeFigureOut">
               <a:rPr lang="en-US" smtClean="0"/>
-              <a:t>1/9/2022</a:t>
+              <a:t>3/17/2022</a:t>
             </a:fld>
             <a:endParaRPr lang="en-US"/>
           </a:p>
@@ -7497,7 +7499,7 @@
           <a:p>
             <a:fld id="{E26E0DA5-0C76-4851-AA82-0B75261F9EB4}" type="datetimeFigureOut">
               <a:rPr lang="en-US" smtClean="0"/>
-              <a:t>1/9/2022</a:t>
+              <a:t>3/17/2022</a:t>
             </a:fld>
             <a:endParaRPr lang="en-US"/>
           </a:p>
@@ -8054,7 +8056,7 @@
             <a:fld id="{425404F2-BE9A-4460-8815-8F645183555F}" type="datetimeFigureOut">
               <a:rPr lang="en-US" smtClean="0"/>
               <a:pPr/>
-              <a:t>1/9/2022</a:t>
+              <a:t>3/17/2022</a:t>
             </a:fld>
             <a:endParaRPr lang="en-US"/>
           </a:p>
@@ -8634,33 +8636,17 @@
                   <a:schemeClr val="bg1"/>
                 </a:solidFill>
               </a:rPr>
-              <a:t>Anurag </a:t>
-            </a:r>
-            <a:r>
-              <a:rPr lang="en-US" sz="3600" spc="-150" dirty="0" smtClean="0">
-                <a:solidFill>
-                  <a:schemeClr val="bg1"/>
-                </a:solidFill>
-              </a:rPr>
-              <a:t>Bajaj</a:t>
-            </a:r>
-          </a:p>
-          <a:p>
-            <a:r>
-              <a:rPr lang="en-US" sz="3600" spc="-150" dirty="0" smtClean="0">
-                <a:solidFill>
-                  <a:schemeClr val="bg1"/>
-                </a:solidFill>
-              </a:rPr>
-              <a:t>Day </a:t>
-            </a:r>
+              <a:t>Anurag Bajaj</a:t>
+            </a:r>
+          </a:p>
+          <a:p>
             <a:r>
               <a:rPr lang="en-US" sz="3600" spc="-150" dirty="0">
                 <a:solidFill>
                   <a:schemeClr val="bg1"/>
                 </a:solidFill>
               </a:rPr>
-              <a:t>4</a:t>
+              <a:t>Day 4</a:t>
             </a:r>
           </a:p>
         </p:txBody>
@@ -8709,1342 +8695,6 @@
       </p:grpSpPr>
       <p:sp>
         <p:nvSpPr>
-          <p:cNvPr id="2" name="Title 3">
-            <a:extLst>
-              <a:ext uri="{FF2B5EF4-FFF2-40B4-BE49-F238E27FC236}">
-                <a16:creationId xmlns:a16="http://schemas.microsoft.com/office/drawing/2014/main" id="{F07FC580-E2AB-4C55-8C95-D5E077A1D127}"/>
-              </a:ext>
-            </a:extLst>
-          </p:cNvPr>
-          <p:cNvSpPr txBox="1">
-            <a:spLocks/>
-          </p:cNvSpPr>
-          <p:nvPr/>
-        </p:nvSpPr>
-        <p:spPr>
-          <a:xfrm>
-            <a:off x="261764" y="188640"/>
-            <a:ext cx="11292008" cy="711081"/>
-          </a:xfrm>
-          <a:prstGeom prst="rect">
-            <a:avLst/>
-          </a:prstGeom>
-        </p:spPr>
-        <p:txBody>
-          <a:bodyPr/>
-          <a:lstStyle>
-            <a:lvl1pPr algn="l" defTabSz="914400" rtl="0" eaLnBrk="1" latinLnBrk="0" hangingPunct="1">
-              <a:lnSpc>
-                <a:spcPct val="90000"/>
-              </a:lnSpc>
-              <a:spcBef>
-                <a:spcPct val="0"/>
-              </a:spcBef>
-              <a:buNone/>
-              <a:defRPr sz="4400" kern="1200">
-                <a:solidFill>
-                  <a:schemeClr val="tx1"/>
-                </a:solidFill>
-                <a:latin typeface="+mj-lt"/>
-                <a:ea typeface="+mj-ea"/>
-                <a:cs typeface="+mj-cs"/>
-              </a:defRPr>
-            </a:lvl1pPr>
-          </a:lstStyle>
-          <a:p>
-            <a:endParaRPr lang="en-US" b="1" dirty="0"/>
-          </a:p>
-        </p:txBody>
-      </p:sp>
-      <p:sp>
-        <p:nvSpPr>
-          <p:cNvPr id="7" name="TextBox 6">
-            <a:extLst>
-              <a:ext uri="{FF2B5EF4-FFF2-40B4-BE49-F238E27FC236}">
-                <a16:creationId xmlns:a16="http://schemas.microsoft.com/office/drawing/2014/main" id="{17EB74BE-8011-4153-8F37-3BEF9C1F4CC0}"/>
-              </a:ext>
-            </a:extLst>
-          </p:cNvPr>
-          <p:cNvSpPr txBox="1"/>
-          <p:nvPr/>
-        </p:nvSpPr>
-        <p:spPr>
-          <a:xfrm>
-            <a:off x="3512128" y="2507734"/>
-            <a:ext cx="6174508" cy="1323439"/>
-          </a:xfrm>
-          <a:prstGeom prst="rect">
-            <a:avLst/>
-          </a:prstGeom>
-          <a:noFill/>
-        </p:spPr>
-        <p:txBody>
-          <a:bodyPr wrap="square">
-            <a:spAutoFit/>
-          </a:bodyPr>
-          <a:lstStyle/>
-          <a:p>
-            <a:r>
-              <a:rPr lang="en-US" sz="8000" b="1" dirty="0"/>
-              <a:t>End of Day 4</a:t>
-            </a:r>
-          </a:p>
-        </p:txBody>
-      </p:sp>
-    </p:spTree>
-    <p:extLst>
-      <p:ext uri="{BB962C8B-B14F-4D97-AF65-F5344CB8AC3E}">
-        <p14:creationId xmlns:p14="http://schemas.microsoft.com/office/powerpoint/2010/main" val="3867772902"/>
-      </p:ext>
-    </p:extLst>
-  </p:cSld>
-  <p:clrMapOvr>
-    <a:masterClrMapping/>
-  </p:clrMapOvr>
-</p:sld>
-</file>
-
-<file path=ppt/slides/slide11.xml><?xml version="1.0" encoding="utf-8"?>
-<p:sld xmlns:a="http://schemas.openxmlformats.org/drawingml/2006/main" xmlns:r="http://schemas.openxmlformats.org/officeDocument/2006/relationships" xmlns:p="http://schemas.openxmlformats.org/presentationml/2006/main">
-  <p:cSld>
-    <p:spTree>
-      <p:nvGrpSpPr>
-        <p:cNvPr id="1" name=""/>
-        <p:cNvGrpSpPr/>
-        <p:nvPr/>
-      </p:nvGrpSpPr>
-      <p:grpSpPr>
-        <a:xfrm>
-          <a:off x="0" y="0"/>
-          <a:ext cx="0" cy="0"/>
-          <a:chOff x="0" y="0"/>
-          <a:chExt cx="0" cy="0"/>
-        </a:xfrm>
-      </p:grpSpPr>
-      <p:pic>
-        <p:nvPicPr>
-          <p:cNvPr id="1028" name="Picture 4" descr="Free Vector | Flat people with question marks background">
-            <a:extLst>
-              <a:ext uri="{FF2B5EF4-FFF2-40B4-BE49-F238E27FC236}">
-                <a16:creationId xmlns:a16="http://schemas.microsoft.com/office/drawing/2014/main" id="{E158EC70-4769-4E41-A278-C90EC4E480C7}"/>
-              </a:ext>
-            </a:extLst>
-          </p:cNvPr>
-          <p:cNvPicPr>
-            <a:picLocks noChangeAspect="1" noChangeArrowheads="1"/>
-          </p:cNvPicPr>
-          <p:nvPr/>
-        </p:nvPicPr>
-        <p:blipFill rotWithShape="1">
-          <a:blip r:embed="rId2">
-            <a:extLst>
-              <a:ext uri="{28A0092B-C50C-407E-A947-70E740481C1C}">
-                <a14:useLocalDpi xmlns:a14="http://schemas.microsoft.com/office/drawing/2010/main" val="0"/>
-              </a:ext>
-            </a:extLst>
-          </a:blip>
-          <a:srcRect t="1" b="22246"/>
-          <a:stretch/>
-        </p:blipFill>
-        <p:spPr bwMode="auto">
-          <a:xfrm>
-            <a:off x="1848418" y="639706"/>
-            <a:ext cx="7599507" cy="5908876"/>
-          </a:xfrm>
-          <a:prstGeom prst="rect">
-            <a:avLst/>
-          </a:prstGeom>
-          <a:noFill/>
-          <a:extLst>
-            <a:ext uri="{909E8E84-426E-40DD-AFC4-6F175D3DCCD1}">
-              <a14:hiddenFill xmlns:a14="http://schemas.microsoft.com/office/drawing/2010/main">
-                <a:solidFill>
-                  <a:srgbClr val="FFFFFF"/>
-                </a:solidFill>
-              </a14:hiddenFill>
-            </a:ext>
-          </a:extLst>
-        </p:spPr>
-      </p:pic>
-      <p:sp>
-        <p:nvSpPr>
-          <p:cNvPr id="2" name="TextBox 1">
-            <a:extLst>
-              <a:ext uri="{FF2B5EF4-FFF2-40B4-BE49-F238E27FC236}">
-                <a16:creationId xmlns:a16="http://schemas.microsoft.com/office/drawing/2014/main" id="{994C3DB2-D47E-4B94-804B-87AF1FDEF86E}"/>
-              </a:ext>
-            </a:extLst>
-          </p:cNvPr>
-          <p:cNvSpPr txBox="1"/>
-          <p:nvPr/>
-        </p:nvSpPr>
-        <p:spPr>
-          <a:xfrm>
-            <a:off x="4535055" y="1052946"/>
-            <a:ext cx="5588000" cy="769441"/>
-          </a:xfrm>
-          <a:prstGeom prst="rect">
-            <a:avLst/>
-          </a:prstGeom>
-          <a:noFill/>
-        </p:spPr>
-        <p:txBody>
-          <a:bodyPr wrap="square" rtlCol="0">
-            <a:spAutoFit/>
-          </a:bodyPr>
-          <a:lstStyle/>
-          <a:p>
-            <a:r>
-              <a:rPr lang="en-US" sz="4400" b="1" dirty="0"/>
-              <a:t>Questions</a:t>
-            </a:r>
-          </a:p>
-        </p:txBody>
-      </p:sp>
-    </p:spTree>
-    <p:extLst>
-      <p:ext uri="{BB962C8B-B14F-4D97-AF65-F5344CB8AC3E}">
-        <p14:creationId xmlns:p14="http://schemas.microsoft.com/office/powerpoint/2010/main" val="1308118299"/>
-      </p:ext>
-    </p:extLst>
-  </p:cSld>
-  <p:clrMapOvr>
-    <a:masterClrMapping/>
-  </p:clrMapOvr>
-</p:sld>
-</file>
-
-<file path=ppt/slides/slide12.xml><?xml version="1.0" encoding="utf-8"?>
-<p:sld xmlns:a="http://schemas.openxmlformats.org/drawingml/2006/main" xmlns:r="http://schemas.openxmlformats.org/officeDocument/2006/relationships" xmlns:p="http://schemas.openxmlformats.org/presentationml/2006/main">
-  <p:cSld>
-    <p:bg>
-      <p:bgPr>
-        <a:solidFill>
-          <a:schemeClr val="bg1">
-            <a:lumMod val="95000"/>
-          </a:schemeClr>
-        </a:solidFill>
-        <a:effectLst/>
-      </p:bgPr>
-    </p:bg>
-    <p:spTree>
-      <p:nvGrpSpPr>
-        <p:cNvPr id="1" name=""/>
-        <p:cNvGrpSpPr/>
-        <p:nvPr/>
-      </p:nvGrpSpPr>
-      <p:grpSpPr>
-        <a:xfrm>
-          <a:off x="0" y="0"/>
-          <a:ext cx="0" cy="0"/>
-          <a:chOff x="0" y="0"/>
-          <a:chExt cx="0" cy="0"/>
-        </a:xfrm>
-      </p:grpSpPr>
-      <p:pic>
-        <p:nvPicPr>
-          <p:cNvPr id="2052" name="Picture 4" descr="Ski Jumping Arena - Free Presentation Templates">
-            <a:extLst>
-              <a:ext uri="{FF2B5EF4-FFF2-40B4-BE49-F238E27FC236}">
-                <a16:creationId xmlns:a16="http://schemas.microsoft.com/office/drawing/2014/main" id="{B0D7E6A1-F72A-4F69-B4FB-A4ED7A0C6CED}"/>
-              </a:ext>
-            </a:extLst>
-          </p:cNvPr>
-          <p:cNvPicPr>
-            <a:picLocks noChangeAspect="1" noChangeArrowheads="1"/>
-          </p:cNvPicPr>
-          <p:nvPr/>
-        </p:nvPicPr>
-        <p:blipFill rotWithShape="1">
-          <a:blip r:embed="rId3">
-            <a:extLst>
-              <a:ext uri="{28A0092B-C50C-407E-A947-70E740481C1C}">
-                <a14:useLocalDpi xmlns:a14="http://schemas.microsoft.com/office/drawing/2010/main" val="0"/>
-              </a:ext>
-            </a:extLst>
-          </a:blip>
-          <a:srcRect r="2246" b="2246"/>
-          <a:stretch/>
-        </p:blipFill>
-        <p:spPr bwMode="auto">
-          <a:xfrm>
-            <a:off x="0" y="0"/>
-            <a:ext cx="12192000" cy="6858000"/>
-          </a:xfrm>
-          <a:prstGeom prst="rect">
-            <a:avLst/>
-          </a:prstGeom>
-          <a:noFill/>
-          <a:extLst>
-            <a:ext uri="{909E8E84-426E-40DD-AFC4-6F175D3DCCD1}">
-              <a14:hiddenFill xmlns:a14="http://schemas.microsoft.com/office/drawing/2010/main">
-                <a:solidFill>
-                  <a:srgbClr val="FFFFFF"/>
-                </a:solidFill>
-              </a14:hiddenFill>
-            </a:ext>
-          </a:extLst>
-        </p:spPr>
-      </p:pic>
-      <p:sp>
-        <p:nvSpPr>
-          <p:cNvPr id="5" name="TextBox 4"/>
-          <p:cNvSpPr txBox="1"/>
-          <p:nvPr/>
-        </p:nvSpPr>
-        <p:spPr>
-          <a:xfrm>
-            <a:off x="1910833" y="3429000"/>
-            <a:ext cx="6629399" cy="1200329"/>
-          </a:xfrm>
-          <a:prstGeom prst="rect">
-            <a:avLst/>
-          </a:prstGeom>
-          <a:noFill/>
-        </p:spPr>
-        <p:txBody>
-          <a:bodyPr wrap="square" rtlCol="0">
-            <a:spAutoFit/>
-          </a:bodyPr>
-          <a:lstStyle/>
-          <a:p>
-            <a:pPr marL="0" marR="0" lvl="0" indent="0" algn="l" defTabSz="914400" rtl="0" eaLnBrk="1" fontAlgn="auto" latinLnBrk="0" hangingPunct="1">
-              <a:lnSpc>
-                <a:spcPct val="100000"/>
-              </a:lnSpc>
-              <a:spcBef>
-                <a:spcPts val="0"/>
-              </a:spcBef>
-              <a:spcAft>
-                <a:spcPts val="0"/>
-              </a:spcAft>
-              <a:buClrTx/>
-              <a:buSzTx/>
-              <a:buFontTx/>
-              <a:buNone/>
-              <a:tabLst/>
-              <a:defRPr/>
-            </a:pPr>
-            <a:r>
-              <a:rPr kumimoji="0" lang="en-US" sz="3600" b="0" i="0" u="none" strike="noStrike" kern="1200" cap="none" spc="-150" normalizeH="0" baseline="0" noProof="0" dirty="0">
-                <a:ln>
-                  <a:noFill/>
-                </a:ln>
-                <a:solidFill>
-                  <a:prstClr val="white"/>
-                </a:solidFill>
-                <a:effectLst/>
-                <a:uLnTx/>
-                <a:uFillTx/>
-                <a:latin typeface="Calibri" panose="020F0502020204030204"/>
-                <a:ea typeface="+mn-ea"/>
-                <a:cs typeface="+mn-cs"/>
-              </a:rPr>
-              <a:t>Anurag Bajaj</a:t>
-            </a:r>
-          </a:p>
-          <a:p>
-            <a:pPr marL="0" marR="0" lvl="0" indent="0" algn="l" defTabSz="914400" rtl="0" eaLnBrk="1" fontAlgn="auto" latinLnBrk="0" hangingPunct="1">
-              <a:lnSpc>
-                <a:spcPct val="100000"/>
-              </a:lnSpc>
-              <a:spcBef>
-                <a:spcPts val="0"/>
-              </a:spcBef>
-              <a:spcAft>
-                <a:spcPts val="0"/>
-              </a:spcAft>
-              <a:buClrTx/>
-              <a:buSzTx/>
-              <a:buFontTx/>
-              <a:buNone/>
-              <a:tabLst/>
-              <a:defRPr/>
-            </a:pPr>
-            <a:r>
-              <a:rPr lang="en-US" sz="3600" spc="-150" dirty="0">
-                <a:solidFill>
-                  <a:prstClr val="white"/>
-                </a:solidFill>
-                <a:latin typeface="Calibri" panose="020F0502020204030204"/>
-              </a:rPr>
-              <a:t>anurag.bajaj02@gmail.com</a:t>
-            </a:r>
-            <a:endParaRPr kumimoji="0" lang="en-US" sz="3600" b="0" i="0" u="none" strike="noStrike" kern="1200" cap="none" spc="-150" normalizeH="0" baseline="0" noProof="0" dirty="0">
-              <a:ln>
-                <a:noFill/>
-              </a:ln>
-              <a:solidFill>
-                <a:prstClr val="white"/>
-              </a:solidFill>
-              <a:effectLst/>
-              <a:uLnTx/>
-              <a:uFillTx/>
-              <a:latin typeface="Calibri" panose="020F0502020204030204"/>
-              <a:ea typeface="+mn-ea"/>
-              <a:cs typeface="+mn-cs"/>
-            </a:endParaRPr>
-          </a:p>
-        </p:txBody>
-      </p:sp>
-    </p:spTree>
-    <p:extLst>
-      <p:ext uri="{BB962C8B-B14F-4D97-AF65-F5344CB8AC3E}">
-        <p14:creationId xmlns:p14="http://schemas.microsoft.com/office/powerpoint/2010/main" val="132008300"/>
-      </p:ext>
-    </p:extLst>
-  </p:cSld>
-  <p:clrMapOvr>
-    <a:masterClrMapping/>
-  </p:clrMapOvr>
-  <mc:AlternateContent xmlns:mc="http://schemas.openxmlformats.org/markup-compatibility/2006" xmlns:p14="http://schemas.microsoft.com/office/powerpoint/2010/main">
-    <mc:Choice Requires="p14">
-      <p:transition spd="med" p14:dur="700">
-        <p:fade/>
-      </p:transition>
-    </mc:Choice>
-    <mc:Fallback xmlns="">
-      <p:transition spd="med">
-        <p:fade/>
-      </p:transition>
-    </mc:Fallback>
-  </mc:AlternateContent>
-</p:sld>
-</file>
-
-<file path=ppt/slides/slide2.xml><?xml version="1.0" encoding="utf-8"?>
-<p:sld xmlns:a="http://schemas.openxmlformats.org/drawingml/2006/main" xmlns:r="http://schemas.openxmlformats.org/officeDocument/2006/relationships" xmlns:p="http://schemas.openxmlformats.org/presentationml/2006/main">
-  <p:cSld>
-    <p:spTree>
-      <p:nvGrpSpPr>
-        <p:cNvPr id="1" name=""/>
-        <p:cNvGrpSpPr/>
-        <p:nvPr/>
-      </p:nvGrpSpPr>
-      <p:grpSpPr>
-        <a:xfrm>
-          <a:off x="0" y="0"/>
-          <a:ext cx="0" cy="0"/>
-          <a:chOff x="0" y="0"/>
-          <a:chExt cx="0" cy="0"/>
-        </a:xfrm>
-      </p:grpSpPr>
-      <p:sp>
-        <p:nvSpPr>
-          <p:cNvPr id="2" name="Title 3">
-            <a:extLst>
-              <a:ext uri="{FF2B5EF4-FFF2-40B4-BE49-F238E27FC236}">
-                <a16:creationId xmlns:a16="http://schemas.microsoft.com/office/drawing/2014/main" id="{F07FC580-E2AB-4C55-8C95-D5E077A1D127}"/>
-              </a:ext>
-            </a:extLst>
-          </p:cNvPr>
-          <p:cNvSpPr txBox="1">
-            <a:spLocks/>
-          </p:cNvSpPr>
-          <p:nvPr/>
-        </p:nvSpPr>
-        <p:spPr>
-          <a:xfrm>
-            <a:off x="261764" y="188640"/>
-            <a:ext cx="11292008" cy="711081"/>
-          </a:xfrm>
-          <a:prstGeom prst="rect">
-            <a:avLst/>
-          </a:prstGeom>
-        </p:spPr>
-        <p:txBody>
-          <a:bodyPr/>
-          <a:lstStyle>
-            <a:lvl1pPr algn="l" defTabSz="914400" rtl="0" eaLnBrk="1" latinLnBrk="0" hangingPunct="1">
-              <a:lnSpc>
-                <a:spcPct val="90000"/>
-              </a:lnSpc>
-              <a:spcBef>
-                <a:spcPct val="0"/>
-              </a:spcBef>
-              <a:buNone/>
-              <a:defRPr sz="4400" kern="1200">
-                <a:solidFill>
-                  <a:schemeClr val="tx1"/>
-                </a:solidFill>
-                <a:latin typeface="+mj-lt"/>
-                <a:ea typeface="+mj-ea"/>
-                <a:cs typeface="+mj-cs"/>
-              </a:defRPr>
-            </a:lvl1pPr>
-          </a:lstStyle>
-          <a:p>
-            <a:pPr marL="0" marR="0" lvl="0" indent="0" algn="l" defTabSz="914400" rtl="0" eaLnBrk="1" fontAlgn="auto" latinLnBrk="0" hangingPunct="1">
-              <a:lnSpc>
-                <a:spcPct val="90000"/>
-              </a:lnSpc>
-              <a:spcBef>
-                <a:spcPct val="0"/>
-              </a:spcBef>
-              <a:spcAft>
-                <a:spcPts val="0"/>
-              </a:spcAft>
-              <a:buClrTx/>
-              <a:buSzTx/>
-              <a:buFontTx/>
-              <a:buNone/>
-              <a:tabLst/>
-              <a:defRPr/>
-            </a:pPr>
-            <a:r>
-              <a:rPr kumimoji="0" lang="en-US" sz="4400" b="1" i="0" u="none" strike="noStrike" kern="1200" cap="none" spc="0" normalizeH="0" baseline="0" noProof="0" dirty="0">
-                <a:ln>
-                  <a:noFill/>
-                </a:ln>
-                <a:solidFill>
-                  <a:prstClr val="black"/>
-                </a:solidFill>
-                <a:effectLst/>
-                <a:uLnTx/>
-                <a:uFillTx/>
-                <a:latin typeface="Calibri Light" panose="020F0302020204030204"/>
-                <a:ea typeface="+mj-ea"/>
-                <a:cs typeface="+mj-cs"/>
-              </a:rPr>
-              <a:t>Agenda – Day 4</a:t>
-            </a:r>
-          </a:p>
-        </p:txBody>
-      </p:sp>
-      <p:sp>
-        <p:nvSpPr>
-          <p:cNvPr id="4" name="Footer Placeholder 45">
-            <a:extLst>
-              <a:ext uri="{FF2B5EF4-FFF2-40B4-BE49-F238E27FC236}">
-                <a16:creationId xmlns:a16="http://schemas.microsoft.com/office/drawing/2014/main" id="{90E33047-DFF5-4690-8905-31E4C115EFDC}"/>
-              </a:ext>
-            </a:extLst>
-          </p:cNvPr>
-          <p:cNvSpPr>
-            <a:spLocks noGrp="1"/>
-          </p:cNvSpPr>
-          <p:nvPr>
-            <p:ph type="ftr" sz="quarter" idx="11"/>
-          </p:nvPr>
-        </p:nvSpPr>
-        <p:spPr>
-          <a:xfrm>
-            <a:off x="10123055" y="6548582"/>
-            <a:ext cx="2225295" cy="203620"/>
-          </a:xfrm>
-        </p:spPr>
-        <p:txBody>
-          <a:bodyPr/>
-          <a:lstStyle/>
-          <a:p>
-            <a:pPr marL="0" marR="0" lvl="0" indent="0" algn="ctr" defTabSz="914400" rtl="0" eaLnBrk="1" fontAlgn="auto" latinLnBrk="0" hangingPunct="1">
-              <a:lnSpc>
-                <a:spcPct val="100000"/>
-              </a:lnSpc>
-              <a:spcBef>
-                <a:spcPts val="0"/>
-              </a:spcBef>
-              <a:spcAft>
-                <a:spcPts val="0"/>
-              </a:spcAft>
-              <a:buClrTx/>
-              <a:buSzTx/>
-              <a:buFontTx/>
-              <a:buNone/>
-              <a:tabLst/>
-              <a:defRPr/>
-            </a:pPr>
-            <a:r>
-              <a:rPr kumimoji="0" lang="en-US" sz="1200" b="1" i="0" u="none" strike="noStrike" kern="1200" cap="none" spc="0" normalizeH="0" baseline="0" noProof="0" dirty="0">
-                <a:ln>
-                  <a:noFill/>
-                </a:ln>
-                <a:solidFill>
-                  <a:prstClr val="black"/>
-                </a:solidFill>
-                <a:effectLst/>
-                <a:uLnTx/>
-                <a:uFillTx/>
-                <a:latin typeface="Calibri" panose="020F0502020204030204"/>
-                <a:ea typeface="+mn-ea"/>
-                <a:cs typeface="+mn-cs"/>
-              </a:rPr>
-              <a:t>Anubhav trainings</a:t>
-            </a:r>
-          </a:p>
-        </p:txBody>
-      </p:sp>
-      <p:sp>
-        <p:nvSpPr>
-          <p:cNvPr id="5" name="TextBox 4">
-            <a:extLst>
-              <a:ext uri="{FF2B5EF4-FFF2-40B4-BE49-F238E27FC236}">
-                <a16:creationId xmlns:a16="http://schemas.microsoft.com/office/drawing/2014/main" id="{27E5B41D-1DDF-48C9-A5AF-075F84492B68}"/>
-              </a:ext>
-            </a:extLst>
-          </p:cNvPr>
-          <p:cNvSpPr txBox="1"/>
-          <p:nvPr/>
-        </p:nvSpPr>
-        <p:spPr>
-          <a:xfrm>
-            <a:off x="247878" y="982353"/>
-            <a:ext cx="11696243" cy="5262979"/>
-          </a:xfrm>
-          <a:prstGeom prst="rect">
-            <a:avLst/>
-          </a:prstGeom>
-          <a:noFill/>
-        </p:spPr>
-        <p:txBody>
-          <a:bodyPr wrap="square" rtlCol="0">
-            <a:spAutoFit/>
-          </a:bodyPr>
-          <a:lstStyle/>
-          <a:p>
-            <a:pPr marL="0" marR="0" lvl="0" indent="0" algn="l" defTabSz="914400" rtl="0" eaLnBrk="1" fontAlgn="auto" latinLnBrk="0" hangingPunct="1">
-              <a:lnSpc>
-                <a:spcPct val="100000"/>
-              </a:lnSpc>
-              <a:spcBef>
-                <a:spcPts val="0"/>
-              </a:spcBef>
-              <a:spcAft>
-                <a:spcPts val="0"/>
-              </a:spcAft>
-              <a:buClrTx/>
-              <a:buSzTx/>
-              <a:buFontTx/>
-              <a:buNone/>
-              <a:tabLst/>
-              <a:defRPr/>
-            </a:pPr>
-            <a:r>
-              <a:rPr kumimoji="0" lang="en-US" sz="1600" b="1" i="0" u="none" strike="noStrike" kern="1200" cap="none" spc="0" normalizeH="0" baseline="0" noProof="0" dirty="0">
-                <a:ln>
-                  <a:noFill/>
-                </a:ln>
-                <a:solidFill>
-                  <a:prstClr val="black"/>
-                </a:solidFill>
-                <a:effectLst/>
-                <a:uLnTx/>
-                <a:uFillTx/>
-                <a:latin typeface="Calibri" panose="020F0502020204030204"/>
-                <a:ea typeface="+mn-ea"/>
-                <a:cs typeface="+mn-cs"/>
-              </a:rPr>
-              <a:t>Working with Geo maps and Account Dimension</a:t>
-            </a:r>
-          </a:p>
-          <a:p>
-            <a:pPr marL="0" marR="0" lvl="0" indent="0" algn="l" defTabSz="914400" rtl="0" eaLnBrk="1" fontAlgn="auto" latinLnBrk="0" hangingPunct="1">
-              <a:lnSpc>
-                <a:spcPct val="100000"/>
-              </a:lnSpc>
-              <a:spcBef>
-                <a:spcPts val="0"/>
-              </a:spcBef>
-              <a:spcAft>
-                <a:spcPts val="0"/>
-              </a:spcAft>
-              <a:buClrTx/>
-              <a:buSzTx/>
-              <a:buFontTx/>
-              <a:buNone/>
-              <a:tabLst/>
-              <a:defRPr/>
-            </a:pPr>
-            <a:r>
-              <a:rPr kumimoji="0" lang="en-US" sz="1600" b="0" i="0" u="none" strike="noStrike" kern="1200" cap="none" spc="0" normalizeH="0" baseline="0" noProof="0" dirty="0">
-                <a:ln>
-                  <a:noFill/>
-                </a:ln>
-                <a:solidFill>
-                  <a:prstClr val="black"/>
-                </a:solidFill>
-                <a:effectLst/>
-                <a:uLnTx/>
-                <a:uFillTx/>
-                <a:latin typeface="Calibri" panose="020F0502020204030204"/>
-                <a:ea typeface="+mn-ea"/>
-                <a:cs typeface="+mn-cs"/>
-              </a:rPr>
-              <a:t>	- Understanding Exception Aggregation</a:t>
-            </a:r>
-          </a:p>
-          <a:p>
-            <a:pPr>
-              <a:defRPr/>
-            </a:pPr>
-            <a:r>
-              <a:rPr lang="en-US" sz="1600" dirty="0">
-                <a:solidFill>
-                  <a:prstClr val="black"/>
-                </a:solidFill>
-                <a:latin typeface="Calibri" panose="020F0502020204030204"/>
-              </a:rPr>
-              <a:t>	</a:t>
-            </a:r>
-            <a:r>
-              <a:rPr kumimoji="0" lang="en-US" sz="1600" b="0" i="0" u="none" strike="noStrike" kern="1200" cap="none" spc="0" normalizeH="0" baseline="0" noProof="0" dirty="0">
-                <a:ln>
-                  <a:noFill/>
-                </a:ln>
-                <a:solidFill>
-                  <a:prstClr val="black"/>
-                </a:solidFill>
-                <a:effectLst/>
-                <a:uLnTx/>
-                <a:uFillTx/>
-                <a:latin typeface="Calibri" panose="020F0502020204030204"/>
-                <a:ea typeface="+mn-ea"/>
-                <a:cs typeface="+mn-cs"/>
-              </a:rPr>
-              <a:t>- Working with GEO Maps</a:t>
-            </a:r>
-          </a:p>
-          <a:p>
-            <a:pPr>
-              <a:defRPr/>
-            </a:pPr>
-            <a:r>
-              <a:rPr lang="en-US" sz="1600" dirty="0">
-                <a:solidFill>
-                  <a:prstClr val="black"/>
-                </a:solidFill>
-                <a:latin typeface="Calibri" panose="020F0502020204030204"/>
-              </a:rPr>
-              <a:t>	</a:t>
-            </a:r>
-            <a:r>
-              <a:rPr kumimoji="0" lang="en-US" sz="1600" b="0" i="0" u="none" strike="noStrike" kern="1200" cap="none" spc="0" normalizeH="0" baseline="0" noProof="0" dirty="0">
-                <a:ln>
-                  <a:noFill/>
-                </a:ln>
-                <a:solidFill>
-                  <a:prstClr val="black"/>
-                </a:solidFill>
-                <a:effectLst/>
-                <a:uLnTx/>
-                <a:uFillTx/>
-                <a:latin typeface="Calibri" panose="020F0502020204030204"/>
-                <a:ea typeface="+mn-ea"/>
-                <a:cs typeface="+mn-cs"/>
-              </a:rPr>
-              <a:t>- Point of interest Layer using Direct file</a:t>
-            </a:r>
-          </a:p>
-          <a:p>
-            <a:pPr>
-              <a:defRPr/>
-            </a:pPr>
-            <a:r>
-              <a:rPr lang="en-US" sz="1600" dirty="0">
-                <a:solidFill>
-                  <a:prstClr val="black"/>
-                </a:solidFill>
-                <a:latin typeface="Calibri" panose="020F0502020204030204"/>
-              </a:rPr>
-              <a:t>	</a:t>
-            </a:r>
-            <a:r>
-              <a:rPr kumimoji="0" lang="en-US" sz="1600" b="0" i="0" u="none" strike="noStrike" kern="1200" cap="none" spc="0" normalizeH="0" baseline="0" noProof="0" dirty="0">
-                <a:ln>
-                  <a:noFill/>
-                </a:ln>
-                <a:solidFill>
-                  <a:prstClr val="black"/>
-                </a:solidFill>
-                <a:effectLst/>
-                <a:uLnTx/>
-                <a:uFillTx/>
-                <a:latin typeface="Calibri" panose="020F0502020204030204"/>
-                <a:ea typeface="+mn-ea"/>
-                <a:cs typeface="+mn-cs"/>
-              </a:rPr>
-              <a:t>- POI using shape file</a:t>
-            </a:r>
-          </a:p>
-          <a:p>
-            <a:pPr>
-              <a:defRPr/>
-            </a:pPr>
-            <a:r>
-              <a:rPr lang="en-US" sz="1600" dirty="0">
-                <a:solidFill>
-                  <a:prstClr val="black"/>
-                </a:solidFill>
-                <a:latin typeface="Calibri" panose="020F0502020204030204"/>
-              </a:rPr>
-              <a:t>	</a:t>
-            </a:r>
-            <a:r>
-              <a:rPr kumimoji="0" lang="en-US" sz="1600" b="0" i="0" u="none" strike="noStrike" kern="1200" cap="none" spc="0" normalizeH="0" baseline="0" noProof="0" dirty="0">
-                <a:ln>
-                  <a:noFill/>
-                </a:ln>
-                <a:solidFill>
-                  <a:prstClr val="black"/>
-                </a:solidFill>
-                <a:effectLst/>
-                <a:uLnTx/>
-                <a:uFillTx/>
-                <a:latin typeface="Calibri" panose="020F0502020204030204"/>
-                <a:ea typeface="+mn-ea"/>
-                <a:cs typeface="+mn-cs"/>
-              </a:rPr>
-              <a:t>- POI using data model</a:t>
-            </a:r>
-          </a:p>
-          <a:p>
-            <a:pPr>
-              <a:defRPr/>
-            </a:pPr>
-            <a:r>
-              <a:rPr lang="en-US" sz="1600" dirty="0">
-                <a:solidFill>
-                  <a:prstClr val="black"/>
-                </a:solidFill>
-                <a:latin typeface="Calibri" panose="020F0502020204030204"/>
-              </a:rPr>
-              <a:t>	</a:t>
-            </a:r>
-            <a:r>
-              <a:rPr kumimoji="0" lang="en-US" sz="1600" b="0" i="0" u="none" strike="noStrike" kern="1200" cap="none" spc="0" normalizeH="0" baseline="0" noProof="0" dirty="0">
-                <a:ln>
-                  <a:noFill/>
-                </a:ln>
-                <a:solidFill>
-                  <a:prstClr val="black"/>
-                </a:solidFill>
-                <a:effectLst/>
-                <a:uLnTx/>
-                <a:uFillTx/>
-                <a:latin typeface="Calibri" panose="020F0502020204030204"/>
-                <a:ea typeface="+mn-ea"/>
-                <a:cs typeface="+mn-cs"/>
-              </a:rPr>
-              <a:t>- Introduction to advance scenario</a:t>
-            </a:r>
-          </a:p>
-          <a:p>
-            <a:pPr marL="0" marR="0" lvl="0" indent="0" algn="l" defTabSz="914400" rtl="0" eaLnBrk="1" fontAlgn="auto" latinLnBrk="0" hangingPunct="1">
-              <a:lnSpc>
-                <a:spcPct val="100000"/>
-              </a:lnSpc>
-              <a:spcBef>
-                <a:spcPts val="0"/>
-              </a:spcBef>
-              <a:spcAft>
-                <a:spcPts val="0"/>
-              </a:spcAft>
-              <a:buClrTx/>
-              <a:buSzTx/>
-              <a:buFontTx/>
-              <a:buNone/>
-              <a:tabLst/>
-              <a:defRPr/>
-            </a:pPr>
-            <a:endParaRPr kumimoji="0" lang="en-US" sz="1600" b="0" i="0" u="none" strike="noStrike" kern="1200" cap="none" spc="0" normalizeH="0" baseline="0" noProof="0" dirty="0">
-              <a:ln>
-                <a:noFill/>
-              </a:ln>
-              <a:solidFill>
-                <a:prstClr val="black"/>
-              </a:solidFill>
-              <a:effectLst/>
-              <a:uLnTx/>
-              <a:uFillTx/>
-              <a:latin typeface="Calibri" panose="020F0502020204030204"/>
-              <a:ea typeface="+mn-ea"/>
-              <a:cs typeface="+mn-cs"/>
-            </a:endParaRPr>
-          </a:p>
-          <a:p>
-            <a:pPr marL="0" marR="0" lvl="0" indent="0" algn="l" defTabSz="914400" rtl="0" eaLnBrk="1" fontAlgn="auto" latinLnBrk="0" hangingPunct="1">
-              <a:lnSpc>
-                <a:spcPct val="100000"/>
-              </a:lnSpc>
-              <a:spcBef>
-                <a:spcPts val="0"/>
-              </a:spcBef>
-              <a:spcAft>
-                <a:spcPts val="0"/>
-              </a:spcAft>
-              <a:buClrTx/>
-              <a:buSzTx/>
-              <a:buFontTx/>
-              <a:buNone/>
-              <a:tabLst/>
-              <a:defRPr/>
-            </a:pPr>
-            <a:r>
-              <a:rPr kumimoji="0" lang="en-US" sz="1600" b="0" i="0" u="none" strike="noStrike" kern="1200" cap="none" spc="0" normalizeH="0" baseline="0" noProof="0" dirty="0">
-                <a:ln>
-                  <a:noFill/>
-                </a:ln>
-                <a:solidFill>
-                  <a:prstClr val="black"/>
-                </a:solidFill>
-                <a:effectLst/>
-                <a:uLnTx/>
-                <a:uFillTx/>
-                <a:latin typeface="Calibri" panose="020F0502020204030204"/>
-                <a:ea typeface="+mn-ea"/>
-                <a:cs typeface="+mn-cs"/>
-              </a:rPr>
-              <a:t>---Break---</a:t>
-            </a:r>
-          </a:p>
-          <a:p>
-            <a:pPr marL="0" marR="0" lvl="0" indent="0" algn="l" defTabSz="914400" rtl="0" eaLnBrk="1" fontAlgn="auto" latinLnBrk="0" hangingPunct="1">
-              <a:lnSpc>
-                <a:spcPct val="100000"/>
-              </a:lnSpc>
-              <a:spcBef>
-                <a:spcPts val="0"/>
-              </a:spcBef>
-              <a:spcAft>
-                <a:spcPts val="0"/>
-              </a:spcAft>
-              <a:buClrTx/>
-              <a:buSzTx/>
-              <a:buFontTx/>
-              <a:buNone/>
-              <a:tabLst/>
-              <a:defRPr/>
-            </a:pPr>
-            <a:endParaRPr kumimoji="0" lang="en-US" sz="1600" b="1" i="0" u="none" strike="noStrike" kern="1200" cap="none" spc="0" normalizeH="0" baseline="0" noProof="0" dirty="0">
-              <a:ln>
-                <a:noFill/>
-              </a:ln>
-              <a:solidFill>
-                <a:prstClr val="black"/>
-              </a:solidFill>
-              <a:effectLst/>
-              <a:uLnTx/>
-              <a:uFillTx/>
-              <a:latin typeface="Calibri" panose="020F0502020204030204"/>
-              <a:ea typeface="+mn-ea"/>
-              <a:cs typeface="+mn-cs"/>
-            </a:endParaRPr>
-          </a:p>
-          <a:p>
-            <a:pPr marL="0" marR="0" lvl="0" indent="0" algn="l" defTabSz="914400" rtl="0" eaLnBrk="1" fontAlgn="auto" latinLnBrk="0" hangingPunct="1">
-              <a:lnSpc>
-                <a:spcPct val="100000"/>
-              </a:lnSpc>
-              <a:spcBef>
-                <a:spcPts val="0"/>
-              </a:spcBef>
-              <a:spcAft>
-                <a:spcPts val="0"/>
-              </a:spcAft>
-              <a:buClrTx/>
-              <a:buSzTx/>
-              <a:buFontTx/>
-              <a:buNone/>
-              <a:tabLst/>
-              <a:defRPr/>
-            </a:pPr>
-            <a:r>
-              <a:rPr kumimoji="0" lang="en-US" sz="1600" b="1" i="0" u="none" strike="noStrike" kern="1200" cap="none" spc="0" normalizeH="0" baseline="0" noProof="0" dirty="0">
-                <a:ln>
-                  <a:noFill/>
-                </a:ln>
-                <a:solidFill>
-                  <a:prstClr val="black"/>
-                </a:solidFill>
-                <a:effectLst/>
-                <a:uLnTx/>
-                <a:uFillTx/>
-                <a:latin typeface="Calibri" panose="020F0502020204030204"/>
-                <a:ea typeface="+mn-ea"/>
-                <a:cs typeface="+mn-cs"/>
-              </a:rPr>
-              <a:t>Advance BI Scenario</a:t>
-            </a:r>
-          </a:p>
-          <a:p>
-            <a:pPr marL="0" marR="0" lvl="0" indent="0" algn="l" defTabSz="914400" rtl="0" eaLnBrk="1" fontAlgn="auto" latinLnBrk="0" hangingPunct="1">
-              <a:lnSpc>
-                <a:spcPct val="100000"/>
-              </a:lnSpc>
-              <a:spcBef>
-                <a:spcPts val="0"/>
-              </a:spcBef>
-              <a:spcAft>
-                <a:spcPts val="0"/>
-              </a:spcAft>
-              <a:buClrTx/>
-              <a:buSzTx/>
-              <a:buFontTx/>
-              <a:buNone/>
-              <a:tabLst/>
-              <a:defRPr/>
-            </a:pPr>
-            <a:r>
-              <a:rPr kumimoji="0" lang="en-US" sz="1600" b="0" i="0" u="none" strike="noStrike" kern="1200" cap="none" spc="0" normalizeH="0" baseline="0" noProof="0" dirty="0">
-                <a:ln>
-                  <a:noFill/>
-                </a:ln>
-                <a:solidFill>
-                  <a:prstClr val="black"/>
-                </a:solidFill>
-                <a:effectLst/>
-                <a:uLnTx/>
-                <a:uFillTx/>
-                <a:latin typeface="Calibri" panose="020F0502020204030204"/>
-                <a:ea typeface="+mn-ea"/>
-                <a:cs typeface="+mn-cs"/>
-              </a:rPr>
-              <a:t>                    - Variance Concept</a:t>
-            </a:r>
-          </a:p>
-          <a:p>
-            <a:pPr marL="0" marR="0" lvl="0" indent="0" algn="l" defTabSz="914400" rtl="0" eaLnBrk="1" fontAlgn="auto" latinLnBrk="0" hangingPunct="1">
-              <a:lnSpc>
-                <a:spcPct val="100000"/>
-              </a:lnSpc>
-              <a:spcBef>
-                <a:spcPts val="0"/>
-              </a:spcBef>
-              <a:spcAft>
-                <a:spcPts val="0"/>
-              </a:spcAft>
-              <a:buClrTx/>
-              <a:buSzTx/>
-              <a:buFontTx/>
-              <a:buNone/>
-              <a:tabLst/>
-              <a:defRPr/>
-            </a:pPr>
-            <a:r>
-              <a:rPr kumimoji="0" lang="en-US" sz="1600" b="0" i="0" u="none" strike="noStrike" kern="1200" cap="none" spc="0" normalizeH="0" baseline="0" noProof="0" dirty="0">
-                <a:ln>
-                  <a:noFill/>
-                </a:ln>
-                <a:solidFill>
-                  <a:prstClr val="black"/>
-                </a:solidFill>
-                <a:effectLst/>
-                <a:uLnTx/>
-                <a:uFillTx/>
-                <a:latin typeface="Calibri" panose="020F0502020204030204"/>
-                <a:ea typeface="+mn-ea"/>
-                <a:cs typeface="+mn-cs"/>
-              </a:rPr>
-              <a:t>	- </a:t>
-            </a:r>
-            <a:r>
-              <a:rPr lang="en-US" sz="1600" dirty="0">
-                <a:solidFill>
-                  <a:prstClr val="black"/>
-                </a:solidFill>
-                <a:latin typeface="Calibri" panose="020F0502020204030204"/>
-              </a:rPr>
-              <a:t>Smart Assist Scenario</a:t>
-            </a:r>
-            <a:endParaRPr kumimoji="0" lang="en-US" sz="1600" b="0" i="0" u="none" strike="noStrike" kern="1200" cap="none" spc="0" normalizeH="0" baseline="0" noProof="0" dirty="0">
-              <a:ln>
-                <a:noFill/>
-              </a:ln>
-              <a:solidFill>
-                <a:prstClr val="black"/>
-              </a:solidFill>
-              <a:effectLst/>
-              <a:uLnTx/>
-              <a:uFillTx/>
-              <a:latin typeface="Calibri" panose="020F0502020204030204"/>
-              <a:ea typeface="+mn-ea"/>
-              <a:cs typeface="+mn-cs"/>
-            </a:endParaRPr>
-          </a:p>
-          <a:p>
-            <a:pPr marL="0" marR="0" lvl="0" indent="0" algn="l" defTabSz="914400" rtl="0" eaLnBrk="1" fontAlgn="auto" latinLnBrk="0" hangingPunct="1">
-              <a:lnSpc>
-                <a:spcPct val="100000"/>
-              </a:lnSpc>
-              <a:spcBef>
-                <a:spcPts val="0"/>
-              </a:spcBef>
-              <a:spcAft>
-                <a:spcPts val="0"/>
-              </a:spcAft>
-              <a:buClrTx/>
-              <a:buSzTx/>
-              <a:buFontTx/>
-              <a:buNone/>
-              <a:tabLst/>
-              <a:defRPr/>
-            </a:pPr>
-            <a:r>
-              <a:rPr kumimoji="0" lang="en-US" sz="1600" b="0" i="0" u="none" strike="noStrike" kern="1200" cap="none" spc="0" normalizeH="0" baseline="0" noProof="0" dirty="0">
-                <a:ln>
-                  <a:noFill/>
-                </a:ln>
-                <a:solidFill>
-                  <a:prstClr val="black"/>
-                </a:solidFill>
-                <a:effectLst/>
-                <a:uLnTx/>
-                <a:uFillTx/>
-                <a:latin typeface="Calibri" panose="020F0502020204030204"/>
-                <a:ea typeface="+mn-ea"/>
-                <a:cs typeface="+mn-cs"/>
-              </a:rPr>
-              <a:t>	- Augmented Analytics</a:t>
-            </a:r>
-          </a:p>
-          <a:p>
-            <a:pPr marL="0" marR="0" lvl="0" indent="0" algn="l" defTabSz="914400" rtl="0" eaLnBrk="1" fontAlgn="auto" latinLnBrk="0" hangingPunct="1">
-              <a:lnSpc>
-                <a:spcPct val="100000"/>
-              </a:lnSpc>
-              <a:spcBef>
-                <a:spcPts val="0"/>
-              </a:spcBef>
-              <a:spcAft>
-                <a:spcPts val="0"/>
-              </a:spcAft>
-              <a:buClrTx/>
-              <a:buSzTx/>
-              <a:buFontTx/>
-              <a:buNone/>
-              <a:tabLst/>
-              <a:defRPr/>
-            </a:pPr>
-            <a:r>
-              <a:rPr kumimoji="0" lang="en-US" sz="1600" b="0" i="0" u="none" strike="noStrike" kern="1200" cap="none" spc="0" normalizeH="0" baseline="0" noProof="0" dirty="0">
-                <a:ln>
-                  <a:noFill/>
-                </a:ln>
-                <a:solidFill>
-                  <a:prstClr val="black"/>
-                </a:solidFill>
-                <a:effectLst/>
-                <a:uLnTx/>
-                <a:uFillTx/>
-                <a:latin typeface="Calibri" panose="020F0502020204030204"/>
-                <a:ea typeface="+mn-ea"/>
-                <a:cs typeface="+mn-cs"/>
-              </a:rPr>
-              <a:t>	- Smart Predict Forecast</a:t>
-            </a:r>
-          </a:p>
-          <a:p>
-            <a:pPr marL="0" marR="0" lvl="0" indent="0" algn="l" defTabSz="914400" rtl="0" eaLnBrk="1" fontAlgn="auto" latinLnBrk="0" hangingPunct="1">
-              <a:lnSpc>
-                <a:spcPct val="100000"/>
-              </a:lnSpc>
-              <a:spcBef>
-                <a:spcPts val="0"/>
-              </a:spcBef>
-              <a:spcAft>
-                <a:spcPts val="0"/>
-              </a:spcAft>
-              <a:buClrTx/>
-              <a:buSzTx/>
-              <a:buFontTx/>
-              <a:buNone/>
-              <a:tabLst/>
-              <a:defRPr/>
-            </a:pPr>
-            <a:r>
-              <a:rPr lang="en-US" sz="1600" dirty="0">
-                <a:solidFill>
-                  <a:prstClr val="black"/>
-                </a:solidFill>
-                <a:latin typeface="Calibri" panose="020F0502020204030204"/>
-              </a:rPr>
-              <a:t>	- Smart Insight</a:t>
-            </a:r>
-          </a:p>
-          <a:p>
-            <a:pPr marL="0" marR="0" lvl="0" indent="0" algn="l" defTabSz="914400" rtl="0" eaLnBrk="1" fontAlgn="auto" latinLnBrk="0" hangingPunct="1">
-              <a:lnSpc>
-                <a:spcPct val="100000"/>
-              </a:lnSpc>
-              <a:spcBef>
-                <a:spcPts val="0"/>
-              </a:spcBef>
-              <a:spcAft>
-                <a:spcPts val="0"/>
-              </a:spcAft>
-              <a:buClrTx/>
-              <a:buSzTx/>
-              <a:buFontTx/>
-              <a:buNone/>
-              <a:tabLst/>
-              <a:defRPr/>
-            </a:pPr>
-            <a:r>
-              <a:rPr kumimoji="0" lang="en-US" sz="1600" b="0" i="0" u="none" strike="noStrike" kern="1200" cap="none" spc="0" normalizeH="0" baseline="0" noProof="0" dirty="0">
-                <a:ln>
-                  <a:noFill/>
-                </a:ln>
-                <a:solidFill>
-                  <a:prstClr val="black"/>
-                </a:solidFill>
-                <a:effectLst/>
-                <a:uLnTx/>
-                <a:uFillTx/>
-                <a:latin typeface="Calibri" panose="020F0502020204030204"/>
-                <a:ea typeface="+mn-ea"/>
-                <a:cs typeface="+mn-cs"/>
-              </a:rPr>
-              <a:t>	- Smart Discovery</a:t>
-            </a:r>
-          </a:p>
-          <a:p>
-            <a:pPr>
-              <a:defRPr/>
-            </a:pPr>
-            <a:r>
-              <a:rPr kumimoji="0" lang="en-US" sz="1600" b="0" i="0" u="none" strike="noStrike" kern="1200" cap="none" spc="0" normalizeH="0" baseline="0" noProof="0" dirty="0">
-                <a:ln>
-                  <a:noFill/>
-                </a:ln>
-                <a:solidFill>
-                  <a:prstClr val="black"/>
-                </a:solidFill>
-                <a:effectLst/>
-                <a:uLnTx/>
-                <a:uFillTx/>
-                <a:latin typeface="Calibri" panose="020F0502020204030204"/>
-                <a:ea typeface="+mn-ea"/>
-                <a:cs typeface="+mn-cs"/>
-              </a:rPr>
-              <a:t>	- Smart Grouping</a:t>
-            </a:r>
-          </a:p>
-          <a:p>
-            <a:pPr>
-              <a:defRPr/>
-            </a:pPr>
-            <a:r>
-              <a:rPr kumimoji="0" lang="en-US" sz="1600" b="0" i="0" u="none" strike="noStrike" kern="1200" cap="none" spc="0" normalizeH="0" baseline="0" noProof="0" dirty="0">
-                <a:ln>
-                  <a:noFill/>
-                </a:ln>
-                <a:solidFill>
-                  <a:prstClr val="black"/>
-                </a:solidFill>
-                <a:effectLst/>
-                <a:uLnTx/>
-                <a:uFillTx/>
-                <a:latin typeface="Calibri" panose="020F0502020204030204"/>
-                <a:ea typeface="+mn-ea"/>
-                <a:cs typeface="+mn-cs"/>
-              </a:rPr>
-              <a:t>	- Roadmap and Support </a:t>
-            </a:r>
-          </a:p>
-          <a:p>
-            <a:pPr>
-              <a:defRPr/>
-            </a:pPr>
-            <a:r>
-              <a:rPr lang="en-US" sz="1600" dirty="0">
-                <a:solidFill>
-                  <a:prstClr val="black"/>
-                </a:solidFill>
-                <a:latin typeface="Calibri" panose="020F0502020204030204"/>
-              </a:rPr>
-              <a:t>	</a:t>
-            </a:r>
-            <a:endParaRPr kumimoji="0" lang="en-US" sz="1600" b="0" i="0" u="none" strike="noStrike" kern="1200" cap="none" spc="0" normalizeH="0" baseline="0" noProof="0" dirty="0">
-              <a:ln>
-                <a:noFill/>
-              </a:ln>
-              <a:solidFill>
-                <a:prstClr val="black"/>
-              </a:solidFill>
-              <a:effectLst/>
-              <a:uLnTx/>
-              <a:uFillTx/>
-              <a:latin typeface="Calibri" panose="020F0502020204030204"/>
-              <a:ea typeface="+mn-ea"/>
-              <a:cs typeface="+mn-cs"/>
-            </a:endParaRPr>
-          </a:p>
-          <a:p>
-            <a:pPr marL="0" marR="0" lvl="0" indent="0" algn="l" defTabSz="914400" rtl="0" eaLnBrk="1" fontAlgn="auto" latinLnBrk="0" hangingPunct="1">
-              <a:lnSpc>
-                <a:spcPct val="100000"/>
-              </a:lnSpc>
-              <a:spcBef>
-                <a:spcPts val="0"/>
-              </a:spcBef>
-              <a:spcAft>
-                <a:spcPts val="0"/>
-              </a:spcAft>
-              <a:buClrTx/>
-              <a:buSzTx/>
-              <a:buFontTx/>
-              <a:buNone/>
-              <a:tabLst/>
-              <a:defRPr/>
-            </a:pPr>
-            <a:r>
-              <a:rPr lang="en-US" sz="1600" dirty="0">
-                <a:solidFill>
-                  <a:prstClr val="black"/>
-                </a:solidFill>
-                <a:latin typeface="Calibri" panose="020F0502020204030204"/>
-              </a:rPr>
-              <a:t>	</a:t>
-            </a:r>
-            <a:endParaRPr kumimoji="0" lang="en-US" sz="1600" b="0" i="0" u="none" strike="noStrike" kern="1200" cap="none" spc="0" normalizeH="0" baseline="0" noProof="0" dirty="0">
-              <a:ln>
-                <a:noFill/>
-              </a:ln>
-              <a:solidFill>
-                <a:prstClr val="black"/>
-              </a:solidFill>
-              <a:effectLst/>
-              <a:uLnTx/>
-              <a:uFillTx/>
-              <a:latin typeface="Calibri" panose="020F0502020204030204"/>
-              <a:ea typeface="+mn-ea"/>
-              <a:cs typeface="+mn-cs"/>
-            </a:endParaRPr>
-          </a:p>
-        </p:txBody>
-      </p:sp>
-    </p:spTree>
-    <p:extLst>
-      <p:ext uri="{BB962C8B-B14F-4D97-AF65-F5344CB8AC3E}">
-        <p14:creationId xmlns:p14="http://schemas.microsoft.com/office/powerpoint/2010/main" val="2321857352"/>
-      </p:ext>
-    </p:extLst>
-  </p:cSld>
-  <p:clrMapOvr>
-    <a:masterClrMapping/>
-  </p:clrMapOvr>
-</p:sld>
-</file>
-
-<file path=ppt/slides/slide3.xml><?xml version="1.0" encoding="utf-8"?>
-<p:sld xmlns:a="http://schemas.openxmlformats.org/drawingml/2006/main" xmlns:r="http://schemas.openxmlformats.org/officeDocument/2006/relationships" xmlns:p="http://schemas.openxmlformats.org/presentationml/2006/main">
-  <p:cSld>
-    <p:spTree>
-      <p:nvGrpSpPr>
-        <p:cNvPr id="1" name=""/>
-        <p:cNvGrpSpPr/>
-        <p:nvPr/>
-      </p:nvGrpSpPr>
-      <p:grpSpPr>
-        <a:xfrm>
-          <a:off x="0" y="0"/>
-          <a:ext cx="0" cy="0"/>
-          <a:chOff x="0" y="0"/>
-          <a:chExt cx="0" cy="0"/>
-        </a:xfrm>
-      </p:grpSpPr>
-      <p:sp>
-        <p:nvSpPr>
           <p:cNvPr id="11" name="Title 10"/>
           <p:cNvSpPr>
             <a:spLocks noGrp="1"/>
@@ -10075,7 +8725,7 @@
                 </a:solidFill>
                 <a:latin typeface="Patua One" pitchFamily="2" charset="0"/>
               </a:rPr>
-              <a:t>Point of interest</a:t>
+              <a:t>Smart Assist	</a:t>
             </a:r>
           </a:p>
         </p:txBody>
@@ -10210,7 +8860,7 @@
           <p:cNvPr id="2" name="TextBox 1">
             <a:extLst>
               <a:ext uri="{FF2B5EF4-FFF2-40B4-BE49-F238E27FC236}">
-                <a16:creationId xmlns:a16="http://schemas.microsoft.com/office/drawing/2014/main" id="{325F36DD-F600-441C-B874-CB9077882A5A}"/>
+                <a16:creationId xmlns:a16="http://schemas.microsoft.com/office/drawing/2014/main" id="{5BDA29A0-9F03-4703-BF07-08CD1D51080B}"/>
               </a:ext>
             </a:extLst>
           </p:cNvPr>
@@ -10219,8 +8869,8 @@
         </p:nvSpPr>
         <p:spPr>
           <a:xfrm>
-            <a:off x="152401" y="990600"/>
-            <a:ext cx="11807195" cy="3785652"/>
+            <a:off x="152401" y="933559"/>
+            <a:ext cx="11730995" cy="4524315"/>
           </a:xfrm>
           <a:prstGeom prst="rect">
             <a:avLst/>
@@ -10241,7 +8891,7 @@
                 </a:solidFill>
                 <a:latin typeface="Calibri"/>
               </a:rPr>
-              <a:t>A point of interest layer indicates data points on a geo map like schools, hospitals, office locations etc. We can directly enrich our GEO map with either a model coordinates or from POI.</a:t>
+              <a:t>4. Time Series Forecasting</a:t>
             </a:r>
           </a:p>
           <a:p>
@@ -10253,14 +8903,17 @@
                 </a:solidFill>
                 <a:latin typeface="Calibri"/>
               </a:rPr>
-              <a:t>There are 3 ways we can create point of interest</a:t>
-            </a:r>
-          </a:p>
-          <a:p>
-            <a:pPr marL="457200" indent="-457200" defTabSz="1218987">
-              <a:buFontTx/>
-              <a:buAutoNum type="arabicPeriod"/>
-            </a:pPr>
+              <a:t>Depending on past data of a measure </a:t>
+            </a:r>
+            <a:r>
+              <a:rPr lang="en-US" sz="2400" b="1" dirty="0">
+                <a:solidFill>
+                  <a:prstClr val="black"/>
+                </a:solidFill>
+                <a:latin typeface="Calibri"/>
+              </a:rPr>
+              <a:t>based on time</a:t>
+            </a:r>
             <a:r>
               <a:rPr lang="en-US" sz="2400" dirty="0">
                 <a:solidFill>
@@ -10268,7 +8921,7 @@
                 </a:solidFill>
                 <a:latin typeface="Calibri"/>
               </a:rPr>
-              <a:t>Model based</a:t>
+              <a:t> (dimension) we can find the expected value of a measure w.r.t time and deviation. SAC usage 2 in-built algorithms to predict forecast </a:t>
             </a:r>
           </a:p>
           <a:p>
@@ -10283,24 +8936,8 @@
                 </a:solidFill>
                 <a:latin typeface="Calibri"/>
               </a:rPr>
-              <a:t>File Based - </a:t>
-            </a:r>
-            <a:r>
-              <a:rPr lang="en-US" sz="2400" dirty="0">
-                <a:solidFill>
-                  <a:prstClr val="black"/>
-                </a:solidFill>
-                <a:latin typeface="Calibri"/>
-                <a:hlinkClick r:id="rId3"/>
-              </a:rPr>
-              <a:t>dataset</a:t>
-            </a:r>
-            <a:endParaRPr lang="en-US" sz="2400" dirty="0">
-              <a:solidFill>
-                <a:prstClr val="black"/>
-              </a:solidFill>
-              <a:latin typeface="Calibri"/>
-            </a:endParaRPr>
+              <a:t>Triple Smoothing</a:t>
+            </a:r>
           </a:p>
           <a:p>
             <a:pPr marL="457200" indent="-457200" defTabSz="1218987">
@@ -10314,51 +8951,8 @@
                 </a:solidFill>
                 <a:latin typeface="Calibri"/>
               </a:rPr>
-              <a:t>Dbf and </a:t>
-            </a:r>
-            <a:r>
-              <a:rPr lang="en-US" sz="2400" dirty="0" err="1" smtClean="0">
-                <a:solidFill>
-                  <a:prstClr val="black"/>
-                </a:solidFill>
-                <a:latin typeface="Calibri"/>
-              </a:rPr>
-              <a:t>shp</a:t>
-            </a:r>
-            <a:r>
-              <a:rPr lang="en-US" sz="2400" dirty="0" smtClean="0">
-                <a:solidFill>
-                  <a:prstClr val="black"/>
-                </a:solidFill>
-                <a:latin typeface="Calibri"/>
-              </a:rPr>
-              <a:t> </a:t>
-            </a:r>
-            <a:r>
-              <a:rPr lang="en-US" sz="2400" dirty="0">
-                <a:solidFill>
-                  <a:prstClr val="black"/>
-                </a:solidFill>
-                <a:latin typeface="Calibri"/>
-              </a:rPr>
-              <a:t>file based (shape file) – </a:t>
-            </a:r>
-            <a:r>
-              <a:rPr lang="en-US" sz="2400" dirty="0">
-                <a:solidFill>
-                  <a:prstClr val="black"/>
-                </a:solidFill>
-                <a:latin typeface="Calibri"/>
-                <a:hlinkClick r:id="rId4"/>
-              </a:rPr>
-              <a:t>dataset</a:t>
-            </a:r>
-            <a:endParaRPr lang="en-US" sz="2400" dirty="0">
-              <a:solidFill>
-                <a:prstClr val="black"/>
-              </a:solidFill>
-              <a:latin typeface="Calibri"/>
-            </a:endParaRPr>
+              <a:t>Linear Forecast</a:t>
+            </a:r>
           </a:p>
           <a:p>
             <a:pPr marL="457200" indent="-457200" defTabSz="1218987">
@@ -10373,6 +8967,18 @@
             </a:endParaRPr>
           </a:p>
           <a:p>
+            <a:pPr marL="457200" indent="-457200" defTabSz="1218987">
+              <a:buFontTx/>
+              <a:buAutoNum type="arabicPeriod"/>
+            </a:pPr>
+            <a:endParaRPr lang="en-US" sz="2400" dirty="0">
+              <a:solidFill>
+                <a:prstClr val="black"/>
+              </a:solidFill>
+              <a:latin typeface="Calibri"/>
+            </a:endParaRPr>
+          </a:p>
+          <a:p>
             <a:pPr defTabSz="1218987"/>
             <a:r>
               <a:rPr lang="en-US" sz="2400" dirty="0">
@@ -10381,7 +8987,19 @@
                 </a:solidFill>
                 <a:latin typeface="Calibri"/>
               </a:rPr>
-              <a:t>https://www.igismap.com/download-india-boundary-shapefile-free-states-boundary-assembly-constituencies-village-boundaries/</a:t>
+              <a:t>5. Smart Grouping</a:t>
+            </a:r>
+          </a:p>
+          <a:p>
+            <a:pPr defTabSz="1218987"/>
+            <a:r>
+              <a:rPr lang="en-US" sz="2400" dirty="0">
+                <a:solidFill>
+                  <a:prstClr val="black"/>
+                </a:solidFill>
+                <a:latin typeface="Calibri"/>
+              </a:rPr>
+              <a:t>Allows us to CLUSTER data depending in groups we choose, suppose we want to segmentize the data points in multiple groups. E.g. group customers based on their ability to pay the pending bills, group students of a class in merit, demerit and mediocre. </a:t>
             </a:r>
           </a:p>
         </p:txBody>
@@ -10389,7 +9007,7 @@
     </p:spTree>
     <p:extLst>
       <p:ext uri="{BB962C8B-B14F-4D97-AF65-F5344CB8AC3E}">
-        <p14:creationId xmlns:p14="http://schemas.microsoft.com/office/powerpoint/2010/main" val="2317432871"/>
+        <p14:creationId xmlns:p14="http://schemas.microsoft.com/office/powerpoint/2010/main" val="3438104487"/>
       </p:ext>
     </p:extLst>
   </p:cSld>
@@ -10402,7 +9020,7 @@
 </p:sld>
 </file>
 
-<file path=ppt/slides/slide4.xml><?xml version="1.0" encoding="utf-8"?>
+<file path=ppt/slides/slide11.xml><?xml version="1.0" encoding="utf-8"?>
 <p:sld xmlns:a="http://schemas.openxmlformats.org/drawingml/2006/main" xmlns:r="http://schemas.openxmlformats.org/officeDocument/2006/relationships" xmlns:p="http://schemas.openxmlformats.org/presentationml/2006/main">
   <p:cSld>
     <p:spTree>
@@ -10421,99 +9039,6 @@
       </p:grpSpPr>
       <p:sp>
         <p:nvSpPr>
-          <p:cNvPr id="2" name="Title 1">
-            <a:extLst>
-              <a:ext uri="{FF2B5EF4-FFF2-40B4-BE49-F238E27FC236}">
-                <a16:creationId xmlns:a16="http://schemas.microsoft.com/office/drawing/2014/main" id="{E230B051-BAA0-46ED-9C8C-30CCC7C917CF}"/>
-              </a:ext>
-            </a:extLst>
-          </p:cNvPr>
-          <p:cNvSpPr>
-            <a:spLocks noGrp="1"/>
-          </p:cNvSpPr>
-          <p:nvPr>
-            <p:ph type="title"/>
-          </p:nvPr>
-        </p:nvSpPr>
-        <p:spPr/>
-        <p:txBody>
-          <a:bodyPr/>
-          <a:lstStyle/>
-          <a:p>
-            <a:r>
-              <a:rPr lang="en-US" dirty="0"/>
-              <a:t>Advance BI Scenario</a:t>
-            </a:r>
-          </a:p>
-        </p:txBody>
-      </p:sp>
-      <p:sp>
-        <p:nvSpPr>
-          <p:cNvPr id="3" name="Content Placeholder 2">
-            <a:extLst>
-              <a:ext uri="{FF2B5EF4-FFF2-40B4-BE49-F238E27FC236}">
-                <a16:creationId xmlns:a16="http://schemas.microsoft.com/office/drawing/2014/main" id="{A72CB540-3CBE-4C28-A8AD-15C3147A229E}"/>
-              </a:ext>
-            </a:extLst>
-          </p:cNvPr>
-          <p:cNvSpPr>
-            <a:spLocks noGrp="1"/>
-          </p:cNvSpPr>
-          <p:nvPr>
-            <p:ph sz="quarter" idx="13"/>
-          </p:nvPr>
-        </p:nvSpPr>
-        <p:spPr/>
-        <p:txBody>
-          <a:bodyPr/>
-          <a:lstStyle/>
-          <a:p>
-            <a:r>
-              <a:rPr lang="en-US" dirty="0"/>
-              <a:t>Advance BI Scenario with variance </a:t>
-            </a:r>
-            <a:r>
-              <a:rPr lang="en-US" dirty="0">
-                <a:hlinkClick r:id="rId2"/>
-              </a:rPr>
-              <a:t>click here</a:t>
-            </a:r>
-            <a:endParaRPr lang="en-US" dirty="0"/>
-          </a:p>
-        </p:txBody>
-      </p:sp>
-    </p:spTree>
-    <p:extLst>
-      <p:ext uri="{BB962C8B-B14F-4D97-AF65-F5344CB8AC3E}">
-        <p14:creationId xmlns:p14="http://schemas.microsoft.com/office/powerpoint/2010/main" val="1716169486"/>
-      </p:ext>
-    </p:extLst>
-  </p:cSld>
-  <p:clrMapOvr>
-    <a:masterClrMapping/>
-  </p:clrMapOvr>
-</p:sld>
-</file>
-
-<file path=ppt/slides/slide5.xml><?xml version="1.0" encoding="utf-8"?>
-<p:sld xmlns:a="http://schemas.openxmlformats.org/drawingml/2006/main" xmlns:r="http://schemas.openxmlformats.org/officeDocument/2006/relationships" xmlns:p="http://schemas.openxmlformats.org/presentationml/2006/main">
-  <p:cSld>
-    <p:spTree>
-      <p:nvGrpSpPr>
-        <p:cNvPr id="1" name=""/>
-        <p:cNvGrpSpPr/>
-        <p:nvPr/>
-      </p:nvGrpSpPr>
-      <p:grpSpPr>
-        <a:xfrm>
-          <a:off x="0" y="0"/>
-          <a:ext cx="0" cy="0"/>
-          <a:chOff x="0" y="0"/>
-          <a:chExt cx="0" cy="0"/>
-        </a:xfrm>
-      </p:grpSpPr>
-      <p:sp>
-        <p:nvSpPr>
           <p:cNvPr id="11" name="Title 10"/>
           <p:cNvSpPr>
             <a:spLocks noGrp="1"/>
@@ -10544,7 +9069,7 @@
                 </a:solidFill>
                 <a:latin typeface="Patua One" pitchFamily="2" charset="0"/>
               </a:rPr>
-              <a:t>Exception Aggregation</a:t>
+              <a:t>Smart Feature Support Matrix</a:t>
             </a:r>
           </a:p>
         </p:txBody>
@@ -10674,6 +9199,2995 @@
           </a:fontRef>
         </p:style>
       </p:cxnSp>
+      <p:pic>
+        <p:nvPicPr>
+          <p:cNvPr id="2" name="Picture 1">
+            <a:extLst>
+              <a:ext uri="{FF2B5EF4-FFF2-40B4-BE49-F238E27FC236}">
+                <a16:creationId xmlns:a16="http://schemas.microsoft.com/office/drawing/2014/main" id="{30AA622A-1614-4C9C-9193-301E34666FDE}"/>
+              </a:ext>
+            </a:extLst>
+          </p:cNvPr>
+          <p:cNvPicPr>
+            <a:picLocks noChangeAspect="1"/>
+          </p:cNvPicPr>
+          <p:nvPr/>
+        </p:nvPicPr>
+        <p:blipFill>
+          <a:blip r:embed="rId3"/>
+          <a:stretch>
+            <a:fillRect/>
+          </a:stretch>
+        </p:blipFill>
+        <p:spPr>
+          <a:xfrm>
+            <a:off x="407368" y="1182969"/>
+            <a:ext cx="11449272" cy="5290298"/>
+          </a:xfrm>
+          <a:prstGeom prst="rect">
+            <a:avLst/>
+          </a:prstGeom>
+        </p:spPr>
+      </p:pic>
+    </p:spTree>
+    <p:extLst>
+      <p:ext uri="{BB962C8B-B14F-4D97-AF65-F5344CB8AC3E}">
+        <p14:creationId xmlns:p14="http://schemas.microsoft.com/office/powerpoint/2010/main" val="1977926479"/>
+      </p:ext>
+    </p:extLst>
+  </p:cSld>
+  <p:clrMapOvr>
+    <a:masterClrMapping/>
+  </p:clrMapOvr>
+  <p:transition spd="slow">
+    <p:push dir="u"/>
+  </p:transition>
+</p:sld>
+</file>
+
+<file path=ppt/slides/slide12.xml><?xml version="1.0" encoding="utf-8"?>
+<p:sld xmlns:a="http://schemas.openxmlformats.org/drawingml/2006/main" xmlns:r="http://schemas.openxmlformats.org/officeDocument/2006/relationships" xmlns:p="http://schemas.openxmlformats.org/presentationml/2006/main">
+  <p:cSld>
+    <p:spTree>
+      <p:nvGrpSpPr>
+        <p:cNvPr id="1" name=""/>
+        <p:cNvGrpSpPr/>
+        <p:nvPr/>
+      </p:nvGrpSpPr>
+      <p:grpSpPr>
+        <a:xfrm>
+          <a:off x="0" y="0"/>
+          <a:ext cx="0" cy="0"/>
+          <a:chOff x="0" y="0"/>
+          <a:chExt cx="0" cy="0"/>
+        </a:xfrm>
+      </p:grpSpPr>
+      <p:sp>
+        <p:nvSpPr>
+          <p:cNvPr id="2" name="Title 3">
+            <a:extLst>
+              <a:ext uri="{FF2B5EF4-FFF2-40B4-BE49-F238E27FC236}">
+                <a16:creationId xmlns:a16="http://schemas.microsoft.com/office/drawing/2014/main" id="{F07FC580-E2AB-4C55-8C95-D5E077A1D127}"/>
+              </a:ext>
+            </a:extLst>
+          </p:cNvPr>
+          <p:cNvSpPr txBox="1">
+            <a:spLocks/>
+          </p:cNvSpPr>
+          <p:nvPr/>
+        </p:nvSpPr>
+        <p:spPr>
+          <a:xfrm>
+            <a:off x="261764" y="188640"/>
+            <a:ext cx="11292008" cy="711081"/>
+          </a:xfrm>
+          <a:prstGeom prst="rect">
+            <a:avLst/>
+          </a:prstGeom>
+        </p:spPr>
+        <p:txBody>
+          <a:bodyPr/>
+          <a:lstStyle>
+            <a:lvl1pPr algn="l" defTabSz="914400" rtl="0" eaLnBrk="1" latinLnBrk="0" hangingPunct="1">
+              <a:lnSpc>
+                <a:spcPct val="90000"/>
+              </a:lnSpc>
+              <a:spcBef>
+                <a:spcPct val="0"/>
+              </a:spcBef>
+              <a:buNone/>
+              <a:defRPr sz="4400" kern="1200">
+                <a:solidFill>
+                  <a:schemeClr val="tx1"/>
+                </a:solidFill>
+                <a:latin typeface="+mj-lt"/>
+                <a:ea typeface="+mj-ea"/>
+                <a:cs typeface="+mj-cs"/>
+              </a:defRPr>
+            </a:lvl1pPr>
+          </a:lstStyle>
+          <a:p>
+            <a:endParaRPr lang="en-US" b="1" dirty="0"/>
+          </a:p>
+        </p:txBody>
+      </p:sp>
+      <p:sp>
+        <p:nvSpPr>
+          <p:cNvPr id="7" name="TextBox 6">
+            <a:extLst>
+              <a:ext uri="{FF2B5EF4-FFF2-40B4-BE49-F238E27FC236}">
+                <a16:creationId xmlns:a16="http://schemas.microsoft.com/office/drawing/2014/main" id="{17EB74BE-8011-4153-8F37-3BEF9C1F4CC0}"/>
+              </a:ext>
+            </a:extLst>
+          </p:cNvPr>
+          <p:cNvSpPr txBox="1"/>
+          <p:nvPr/>
+        </p:nvSpPr>
+        <p:spPr>
+          <a:xfrm>
+            <a:off x="3512128" y="2507734"/>
+            <a:ext cx="6174508" cy="1323439"/>
+          </a:xfrm>
+          <a:prstGeom prst="rect">
+            <a:avLst/>
+          </a:prstGeom>
+          <a:noFill/>
+        </p:spPr>
+        <p:txBody>
+          <a:bodyPr wrap="square">
+            <a:spAutoFit/>
+          </a:bodyPr>
+          <a:lstStyle/>
+          <a:p>
+            <a:r>
+              <a:rPr lang="en-US" sz="8000" b="1" dirty="0"/>
+              <a:t>End of Day 4</a:t>
+            </a:r>
+          </a:p>
+        </p:txBody>
+      </p:sp>
+    </p:spTree>
+    <p:extLst>
+      <p:ext uri="{BB962C8B-B14F-4D97-AF65-F5344CB8AC3E}">
+        <p14:creationId xmlns:p14="http://schemas.microsoft.com/office/powerpoint/2010/main" val="3867772902"/>
+      </p:ext>
+    </p:extLst>
+  </p:cSld>
+  <p:clrMapOvr>
+    <a:masterClrMapping/>
+  </p:clrMapOvr>
+</p:sld>
+</file>
+
+<file path=ppt/slides/slide13.xml><?xml version="1.0" encoding="utf-8"?>
+<p:sld xmlns:a="http://schemas.openxmlformats.org/drawingml/2006/main" xmlns:r="http://schemas.openxmlformats.org/officeDocument/2006/relationships" xmlns:p="http://schemas.openxmlformats.org/presentationml/2006/main">
+  <p:cSld>
+    <p:spTree>
+      <p:nvGrpSpPr>
+        <p:cNvPr id="1" name=""/>
+        <p:cNvGrpSpPr/>
+        <p:nvPr/>
+      </p:nvGrpSpPr>
+      <p:grpSpPr>
+        <a:xfrm>
+          <a:off x="0" y="0"/>
+          <a:ext cx="0" cy="0"/>
+          <a:chOff x="0" y="0"/>
+          <a:chExt cx="0" cy="0"/>
+        </a:xfrm>
+      </p:grpSpPr>
+      <p:pic>
+        <p:nvPicPr>
+          <p:cNvPr id="1028" name="Picture 4" descr="Free Vector | Flat people with question marks background">
+            <a:extLst>
+              <a:ext uri="{FF2B5EF4-FFF2-40B4-BE49-F238E27FC236}">
+                <a16:creationId xmlns:a16="http://schemas.microsoft.com/office/drawing/2014/main" id="{E158EC70-4769-4E41-A278-C90EC4E480C7}"/>
+              </a:ext>
+            </a:extLst>
+          </p:cNvPr>
+          <p:cNvPicPr>
+            <a:picLocks noChangeAspect="1" noChangeArrowheads="1"/>
+          </p:cNvPicPr>
+          <p:nvPr/>
+        </p:nvPicPr>
+        <p:blipFill rotWithShape="1">
+          <a:blip r:embed="rId2">
+            <a:extLst>
+              <a:ext uri="{28A0092B-C50C-407E-A947-70E740481C1C}">
+                <a14:useLocalDpi xmlns:a14="http://schemas.microsoft.com/office/drawing/2010/main" val="0"/>
+              </a:ext>
+            </a:extLst>
+          </a:blip>
+          <a:srcRect t="1" b="22246"/>
+          <a:stretch/>
+        </p:blipFill>
+        <p:spPr bwMode="auto">
+          <a:xfrm>
+            <a:off x="1848418" y="639706"/>
+            <a:ext cx="7599507" cy="5908876"/>
+          </a:xfrm>
+          <a:prstGeom prst="rect">
+            <a:avLst/>
+          </a:prstGeom>
+          <a:noFill/>
+          <a:extLst>
+            <a:ext uri="{909E8E84-426E-40DD-AFC4-6F175D3DCCD1}">
+              <a14:hiddenFill xmlns:a14="http://schemas.microsoft.com/office/drawing/2010/main">
+                <a:solidFill>
+                  <a:srgbClr val="FFFFFF"/>
+                </a:solidFill>
+              </a14:hiddenFill>
+            </a:ext>
+          </a:extLst>
+        </p:spPr>
+      </p:pic>
+      <p:sp>
+        <p:nvSpPr>
+          <p:cNvPr id="2" name="TextBox 1">
+            <a:extLst>
+              <a:ext uri="{FF2B5EF4-FFF2-40B4-BE49-F238E27FC236}">
+                <a16:creationId xmlns:a16="http://schemas.microsoft.com/office/drawing/2014/main" id="{994C3DB2-D47E-4B94-804B-87AF1FDEF86E}"/>
+              </a:ext>
+            </a:extLst>
+          </p:cNvPr>
+          <p:cNvSpPr txBox="1"/>
+          <p:nvPr/>
+        </p:nvSpPr>
+        <p:spPr>
+          <a:xfrm>
+            <a:off x="4535055" y="1052946"/>
+            <a:ext cx="5588000" cy="769441"/>
+          </a:xfrm>
+          <a:prstGeom prst="rect">
+            <a:avLst/>
+          </a:prstGeom>
+          <a:noFill/>
+        </p:spPr>
+        <p:txBody>
+          <a:bodyPr wrap="square" rtlCol="0">
+            <a:spAutoFit/>
+          </a:bodyPr>
+          <a:lstStyle/>
+          <a:p>
+            <a:r>
+              <a:rPr lang="en-US" sz="4400" b="1" dirty="0"/>
+              <a:t>Questions</a:t>
+            </a:r>
+          </a:p>
+        </p:txBody>
+      </p:sp>
+    </p:spTree>
+    <p:extLst>
+      <p:ext uri="{BB962C8B-B14F-4D97-AF65-F5344CB8AC3E}">
+        <p14:creationId xmlns:p14="http://schemas.microsoft.com/office/powerpoint/2010/main" val="1308118299"/>
+      </p:ext>
+    </p:extLst>
+  </p:cSld>
+  <p:clrMapOvr>
+    <a:masterClrMapping/>
+  </p:clrMapOvr>
+</p:sld>
+</file>
+
+<file path=ppt/slides/slide14.xml><?xml version="1.0" encoding="utf-8"?>
+<p:sld xmlns:a="http://schemas.openxmlformats.org/drawingml/2006/main" xmlns:r="http://schemas.openxmlformats.org/officeDocument/2006/relationships" xmlns:p="http://schemas.openxmlformats.org/presentationml/2006/main">
+  <p:cSld>
+    <p:bg>
+      <p:bgPr>
+        <a:solidFill>
+          <a:schemeClr val="bg1">
+            <a:lumMod val="95000"/>
+          </a:schemeClr>
+        </a:solidFill>
+        <a:effectLst/>
+      </p:bgPr>
+    </p:bg>
+    <p:spTree>
+      <p:nvGrpSpPr>
+        <p:cNvPr id="1" name=""/>
+        <p:cNvGrpSpPr/>
+        <p:nvPr/>
+      </p:nvGrpSpPr>
+      <p:grpSpPr>
+        <a:xfrm>
+          <a:off x="0" y="0"/>
+          <a:ext cx="0" cy="0"/>
+          <a:chOff x="0" y="0"/>
+          <a:chExt cx="0" cy="0"/>
+        </a:xfrm>
+      </p:grpSpPr>
+      <p:pic>
+        <p:nvPicPr>
+          <p:cNvPr id="2052" name="Picture 4" descr="Ski Jumping Arena - Free Presentation Templates">
+            <a:extLst>
+              <a:ext uri="{FF2B5EF4-FFF2-40B4-BE49-F238E27FC236}">
+                <a16:creationId xmlns:a16="http://schemas.microsoft.com/office/drawing/2014/main" id="{B0D7E6A1-F72A-4F69-B4FB-A4ED7A0C6CED}"/>
+              </a:ext>
+            </a:extLst>
+          </p:cNvPr>
+          <p:cNvPicPr>
+            <a:picLocks noChangeAspect="1" noChangeArrowheads="1"/>
+          </p:cNvPicPr>
+          <p:nvPr/>
+        </p:nvPicPr>
+        <p:blipFill rotWithShape="1">
+          <a:blip r:embed="rId3">
+            <a:extLst>
+              <a:ext uri="{28A0092B-C50C-407E-A947-70E740481C1C}">
+                <a14:useLocalDpi xmlns:a14="http://schemas.microsoft.com/office/drawing/2010/main" val="0"/>
+              </a:ext>
+            </a:extLst>
+          </a:blip>
+          <a:srcRect r="2246" b="2246"/>
+          <a:stretch/>
+        </p:blipFill>
+        <p:spPr bwMode="auto">
+          <a:xfrm>
+            <a:off x="0" y="0"/>
+            <a:ext cx="12192000" cy="6858000"/>
+          </a:xfrm>
+          <a:prstGeom prst="rect">
+            <a:avLst/>
+          </a:prstGeom>
+          <a:noFill/>
+          <a:extLst>
+            <a:ext uri="{909E8E84-426E-40DD-AFC4-6F175D3DCCD1}">
+              <a14:hiddenFill xmlns:a14="http://schemas.microsoft.com/office/drawing/2010/main">
+                <a:solidFill>
+                  <a:srgbClr val="FFFFFF"/>
+                </a:solidFill>
+              </a14:hiddenFill>
+            </a:ext>
+          </a:extLst>
+        </p:spPr>
+      </p:pic>
+      <p:sp>
+        <p:nvSpPr>
+          <p:cNvPr id="5" name="TextBox 4"/>
+          <p:cNvSpPr txBox="1"/>
+          <p:nvPr/>
+        </p:nvSpPr>
+        <p:spPr>
+          <a:xfrm>
+            <a:off x="1910833" y="3429000"/>
+            <a:ext cx="6629399" cy="1200329"/>
+          </a:xfrm>
+          <a:prstGeom prst="rect">
+            <a:avLst/>
+          </a:prstGeom>
+          <a:noFill/>
+        </p:spPr>
+        <p:txBody>
+          <a:bodyPr wrap="square" rtlCol="0">
+            <a:spAutoFit/>
+          </a:bodyPr>
+          <a:lstStyle/>
+          <a:p>
+            <a:pPr marL="0" marR="0" lvl="0" indent="0" algn="l" defTabSz="914400" rtl="0" eaLnBrk="1" fontAlgn="auto" latinLnBrk="0" hangingPunct="1">
+              <a:lnSpc>
+                <a:spcPct val="100000"/>
+              </a:lnSpc>
+              <a:spcBef>
+                <a:spcPts val="0"/>
+              </a:spcBef>
+              <a:spcAft>
+                <a:spcPts val="0"/>
+              </a:spcAft>
+              <a:buClrTx/>
+              <a:buSzTx/>
+              <a:buFontTx/>
+              <a:buNone/>
+              <a:tabLst/>
+              <a:defRPr/>
+            </a:pPr>
+            <a:r>
+              <a:rPr kumimoji="0" lang="en-US" sz="3600" b="0" i="0" u="none" strike="noStrike" kern="1200" cap="none" spc="-150" normalizeH="0" baseline="0" noProof="0" dirty="0">
+                <a:ln>
+                  <a:noFill/>
+                </a:ln>
+                <a:solidFill>
+                  <a:prstClr val="white"/>
+                </a:solidFill>
+                <a:effectLst/>
+                <a:uLnTx/>
+                <a:uFillTx/>
+                <a:latin typeface="Calibri" panose="020F0502020204030204"/>
+                <a:ea typeface="+mn-ea"/>
+                <a:cs typeface="+mn-cs"/>
+              </a:rPr>
+              <a:t>Anurag Bajaj</a:t>
+            </a:r>
+          </a:p>
+          <a:p>
+            <a:pPr marL="0" marR="0" lvl="0" indent="0" algn="l" defTabSz="914400" rtl="0" eaLnBrk="1" fontAlgn="auto" latinLnBrk="0" hangingPunct="1">
+              <a:lnSpc>
+                <a:spcPct val="100000"/>
+              </a:lnSpc>
+              <a:spcBef>
+                <a:spcPts val="0"/>
+              </a:spcBef>
+              <a:spcAft>
+                <a:spcPts val="0"/>
+              </a:spcAft>
+              <a:buClrTx/>
+              <a:buSzTx/>
+              <a:buFontTx/>
+              <a:buNone/>
+              <a:tabLst/>
+              <a:defRPr/>
+            </a:pPr>
+            <a:r>
+              <a:rPr lang="en-US" sz="3600" spc="-150" dirty="0">
+                <a:solidFill>
+                  <a:prstClr val="white"/>
+                </a:solidFill>
+                <a:latin typeface="Calibri" panose="020F0502020204030204"/>
+              </a:rPr>
+              <a:t>anurag.bajaj02@gmail.com</a:t>
+            </a:r>
+            <a:endParaRPr kumimoji="0" lang="en-US" sz="3600" b="0" i="0" u="none" strike="noStrike" kern="1200" cap="none" spc="-150" normalizeH="0" baseline="0" noProof="0" dirty="0">
+              <a:ln>
+                <a:noFill/>
+              </a:ln>
+              <a:solidFill>
+                <a:prstClr val="white"/>
+              </a:solidFill>
+              <a:effectLst/>
+              <a:uLnTx/>
+              <a:uFillTx/>
+              <a:latin typeface="Calibri" panose="020F0502020204030204"/>
+              <a:ea typeface="+mn-ea"/>
+              <a:cs typeface="+mn-cs"/>
+            </a:endParaRPr>
+          </a:p>
+        </p:txBody>
+      </p:sp>
+    </p:spTree>
+    <p:extLst>
+      <p:ext uri="{BB962C8B-B14F-4D97-AF65-F5344CB8AC3E}">
+        <p14:creationId xmlns:p14="http://schemas.microsoft.com/office/powerpoint/2010/main" val="132008300"/>
+      </p:ext>
+    </p:extLst>
+  </p:cSld>
+  <p:clrMapOvr>
+    <a:masterClrMapping/>
+  </p:clrMapOvr>
+  <mc:AlternateContent xmlns:mc="http://schemas.openxmlformats.org/markup-compatibility/2006" xmlns:p14="http://schemas.microsoft.com/office/powerpoint/2010/main">
+    <mc:Choice Requires="p14">
+      <p:transition spd="med" p14:dur="700">
+        <p:fade/>
+      </p:transition>
+    </mc:Choice>
+    <mc:Fallback xmlns="">
+      <p:transition spd="med">
+        <p:fade/>
+      </p:transition>
+    </mc:Fallback>
+  </mc:AlternateContent>
+</p:sld>
+</file>
+
+<file path=ppt/slides/slide2.xml><?xml version="1.0" encoding="utf-8"?>
+<p:sld xmlns:a="http://schemas.openxmlformats.org/drawingml/2006/main" xmlns:r="http://schemas.openxmlformats.org/officeDocument/2006/relationships" xmlns:p="http://schemas.openxmlformats.org/presentationml/2006/main">
+  <p:cSld>
+    <p:spTree>
+      <p:nvGrpSpPr>
+        <p:cNvPr id="1" name=""/>
+        <p:cNvGrpSpPr/>
+        <p:nvPr/>
+      </p:nvGrpSpPr>
+      <p:grpSpPr>
+        <a:xfrm>
+          <a:off x="0" y="0"/>
+          <a:ext cx="0" cy="0"/>
+          <a:chOff x="0" y="0"/>
+          <a:chExt cx="0" cy="0"/>
+        </a:xfrm>
+      </p:grpSpPr>
+      <p:sp>
+        <p:nvSpPr>
+          <p:cNvPr id="2" name="Title 3">
+            <a:extLst>
+              <a:ext uri="{FF2B5EF4-FFF2-40B4-BE49-F238E27FC236}">
+                <a16:creationId xmlns:a16="http://schemas.microsoft.com/office/drawing/2014/main" id="{F07FC580-E2AB-4C55-8C95-D5E077A1D127}"/>
+              </a:ext>
+            </a:extLst>
+          </p:cNvPr>
+          <p:cNvSpPr txBox="1">
+            <a:spLocks/>
+          </p:cNvSpPr>
+          <p:nvPr/>
+        </p:nvSpPr>
+        <p:spPr>
+          <a:xfrm>
+            <a:off x="261764" y="188640"/>
+            <a:ext cx="11292008" cy="711081"/>
+          </a:xfrm>
+          <a:prstGeom prst="rect">
+            <a:avLst/>
+          </a:prstGeom>
+        </p:spPr>
+        <p:txBody>
+          <a:bodyPr/>
+          <a:lstStyle>
+            <a:lvl1pPr algn="l" defTabSz="914400" rtl="0" eaLnBrk="1" latinLnBrk="0" hangingPunct="1">
+              <a:lnSpc>
+                <a:spcPct val="90000"/>
+              </a:lnSpc>
+              <a:spcBef>
+                <a:spcPct val="0"/>
+              </a:spcBef>
+              <a:buNone/>
+              <a:defRPr sz="4400" kern="1200">
+                <a:solidFill>
+                  <a:schemeClr val="tx1"/>
+                </a:solidFill>
+                <a:latin typeface="+mj-lt"/>
+                <a:ea typeface="+mj-ea"/>
+                <a:cs typeface="+mj-cs"/>
+              </a:defRPr>
+            </a:lvl1pPr>
+          </a:lstStyle>
+          <a:p>
+            <a:pPr marL="0" marR="0" lvl="0" indent="0" algn="l" defTabSz="914400" rtl="0" eaLnBrk="1" fontAlgn="auto" latinLnBrk="0" hangingPunct="1">
+              <a:lnSpc>
+                <a:spcPct val="90000"/>
+              </a:lnSpc>
+              <a:spcBef>
+                <a:spcPct val="0"/>
+              </a:spcBef>
+              <a:spcAft>
+                <a:spcPts val="0"/>
+              </a:spcAft>
+              <a:buClrTx/>
+              <a:buSzTx/>
+              <a:buFontTx/>
+              <a:buNone/>
+              <a:tabLst/>
+              <a:defRPr/>
+            </a:pPr>
+            <a:r>
+              <a:rPr kumimoji="0" lang="en-US" sz="4400" b="1" i="0" u="none" strike="noStrike" kern="1200" cap="none" spc="0" normalizeH="0" baseline="0" noProof="0" dirty="0">
+                <a:ln>
+                  <a:noFill/>
+                </a:ln>
+                <a:solidFill>
+                  <a:prstClr val="black"/>
+                </a:solidFill>
+                <a:effectLst/>
+                <a:uLnTx/>
+                <a:uFillTx/>
+                <a:latin typeface="Calibri Light" panose="020F0302020204030204"/>
+                <a:ea typeface="+mj-ea"/>
+                <a:cs typeface="+mj-cs"/>
+              </a:rPr>
+              <a:t>Agenda – Day 4</a:t>
+            </a:r>
+          </a:p>
+        </p:txBody>
+      </p:sp>
+      <p:sp>
+        <p:nvSpPr>
+          <p:cNvPr id="4" name="Footer Placeholder 45">
+            <a:extLst>
+              <a:ext uri="{FF2B5EF4-FFF2-40B4-BE49-F238E27FC236}">
+                <a16:creationId xmlns:a16="http://schemas.microsoft.com/office/drawing/2014/main" id="{90E33047-DFF5-4690-8905-31E4C115EFDC}"/>
+              </a:ext>
+            </a:extLst>
+          </p:cNvPr>
+          <p:cNvSpPr>
+            <a:spLocks noGrp="1"/>
+          </p:cNvSpPr>
+          <p:nvPr>
+            <p:ph type="ftr" sz="quarter" idx="11"/>
+          </p:nvPr>
+        </p:nvSpPr>
+        <p:spPr>
+          <a:xfrm>
+            <a:off x="10123055" y="6548582"/>
+            <a:ext cx="2225295" cy="203620"/>
+          </a:xfrm>
+        </p:spPr>
+        <p:txBody>
+          <a:bodyPr/>
+          <a:lstStyle/>
+          <a:p>
+            <a:pPr marL="0" marR="0" lvl="0" indent="0" algn="ctr" defTabSz="914400" rtl="0" eaLnBrk="1" fontAlgn="auto" latinLnBrk="0" hangingPunct="1">
+              <a:lnSpc>
+                <a:spcPct val="100000"/>
+              </a:lnSpc>
+              <a:spcBef>
+                <a:spcPts val="0"/>
+              </a:spcBef>
+              <a:spcAft>
+                <a:spcPts val="0"/>
+              </a:spcAft>
+              <a:buClrTx/>
+              <a:buSzTx/>
+              <a:buFontTx/>
+              <a:buNone/>
+              <a:tabLst/>
+              <a:defRPr/>
+            </a:pPr>
+            <a:r>
+              <a:rPr kumimoji="0" lang="en-US" sz="1200" b="1" i="0" u="none" strike="noStrike" kern="1200" cap="none" spc="0" normalizeH="0" baseline="0" noProof="0" dirty="0">
+                <a:ln>
+                  <a:noFill/>
+                </a:ln>
+                <a:solidFill>
+                  <a:prstClr val="black"/>
+                </a:solidFill>
+                <a:effectLst/>
+                <a:uLnTx/>
+                <a:uFillTx/>
+                <a:latin typeface="Calibri" panose="020F0502020204030204"/>
+                <a:ea typeface="+mn-ea"/>
+                <a:cs typeface="+mn-cs"/>
+              </a:rPr>
+              <a:t>Anubhav trainings</a:t>
+            </a:r>
+          </a:p>
+        </p:txBody>
+      </p:sp>
+      <p:sp>
+        <p:nvSpPr>
+          <p:cNvPr id="5" name="TextBox 4">
+            <a:extLst>
+              <a:ext uri="{FF2B5EF4-FFF2-40B4-BE49-F238E27FC236}">
+                <a16:creationId xmlns:a16="http://schemas.microsoft.com/office/drawing/2014/main" id="{27E5B41D-1DDF-48C9-A5AF-075F84492B68}"/>
+              </a:ext>
+            </a:extLst>
+          </p:cNvPr>
+          <p:cNvSpPr txBox="1"/>
+          <p:nvPr/>
+        </p:nvSpPr>
+        <p:spPr>
+          <a:xfrm>
+            <a:off x="247878" y="982353"/>
+            <a:ext cx="11696243" cy="5262979"/>
+          </a:xfrm>
+          <a:prstGeom prst="rect">
+            <a:avLst/>
+          </a:prstGeom>
+          <a:noFill/>
+        </p:spPr>
+        <p:txBody>
+          <a:bodyPr wrap="square" rtlCol="0">
+            <a:spAutoFit/>
+          </a:bodyPr>
+          <a:lstStyle/>
+          <a:p>
+            <a:pPr marL="0" marR="0" lvl="0" indent="0" algn="l" defTabSz="914400" rtl="0" eaLnBrk="1" fontAlgn="auto" latinLnBrk="0" hangingPunct="1">
+              <a:lnSpc>
+                <a:spcPct val="100000"/>
+              </a:lnSpc>
+              <a:spcBef>
+                <a:spcPts val="0"/>
+              </a:spcBef>
+              <a:spcAft>
+                <a:spcPts val="0"/>
+              </a:spcAft>
+              <a:buClrTx/>
+              <a:buSzTx/>
+              <a:buFontTx/>
+              <a:buNone/>
+              <a:tabLst/>
+              <a:defRPr/>
+            </a:pPr>
+            <a:r>
+              <a:rPr kumimoji="0" lang="en-US" sz="1600" b="1" i="0" u="none" strike="noStrike" kern="1200" cap="none" spc="0" normalizeH="0" baseline="0" noProof="0" dirty="0">
+                <a:ln>
+                  <a:noFill/>
+                </a:ln>
+                <a:solidFill>
+                  <a:prstClr val="black"/>
+                </a:solidFill>
+                <a:effectLst/>
+                <a:uLnTx/>
+                <a:uFillTx/>
+                <a:latin typeface="Calibri" panose="020F0502020204030204"/>
+                <a:ea typeface="+mn-ea"/>
+                <a:cs typeface="+mn-cs"/>
+              </a:rPr>
+              <a:t>Working with Geo maps and Account Dimension</a:t>
+            </a:r>
+          </a:p>
+          <a:p>
+            <a:pPr marL="0" marR="0" lvl="0" indent="0" algn="l" defTabSz="914400" rtl="0" eaLnBrk="1" fontAlgn="auto" latinLnBrk="0" hangingPunct="1">
+              <a:lnSpc>
+                <a:spcPct val="100000"/>
+              </a:lnSpc>
+              <a:spcBef>
+                <a:spcPts val="0"/>
+              </a:spcBef>
+              <a:spcAft>
+                <a:spcPts val="0"/>
+              </a:spcAft>
+              <a:buClrTx/>
+              <a:buSzTx/>
+              <a:buFontTx/>
+              <a:buNone/>
+              <a:tabLst/>
+              <a:defRPr/>
+            </a:pPr>
+            <a:r>
+              <a:rPr kumimoji="0" lang="en-US" sz="1600" b="0" i="0" u="none" strike="noStrike" kern="1200" cap="none" spc="0" normalizeH="0" baseline="0" noProof="0" dirty="0">
+                <a:ln>
+                  <a:noFill/>
+                </a:ln>
+                <a:solidFill>
+                  <a:prstClr val="black"/>
+                </a:solidFill>
+                <a:effectLst/>
+                <a:uLnTx/>
+                <a:uFillTx/>
+                <a:latin typeface="Calibri" panose="020F0502020204030204"/>
+                <a:ea typeface="+mn-ea"/>
+                <a:cs typeface="+mn-cs"/>
+              </a:rPr>
+              <a:t>	- Understanding Exception Aggregation</a:t>
+            </a:r>
+          </a:p>
+          <a:p>
+            <a:pPr>
+              <a:defRPr/>
+            </a:pPr>
+            <a:r>
+              <a:rPr lang="en-US" sz="1600" dirty="0">
+                <a:solidFill>
+                  <a:prstClr val="black"/>
+                </a:solidFill>
+                <a:latin typeface="Calibri" panose="020F0502020204030204"/>
+              </a:rPr>
+              <a:t>	</a:t>
+            </a:r>
+            <a:r>
+              <a:rPr kumimoji="0" lang="en-US" sz="1600" b="0" i="0" u="none" strike="noStrike" kern="1200" cap="none" spc="0" normalizeH="0" baseline="0" noProof="0" dirty="0">
+                <a:ln>
+                  <a:noFill/>
+                </a:ln>
+                <a:solidFill>
+                  <a:prstClr val="black"/>
+                </a:solidFill>
+                <a:effectLst/>
+                <a:uLnTx/>
+                <a:uFillTx/>
+                <a:latin typeface="Calibri" panose="020F0502020204030204"/>
+                <a:ea typeface="+mn-ea"/>
+                <a:cs typeface="+mn-cs"/>
+              </a:rPr>
+              <a:t>- Working with GEO Maps</a:t>
+            </a:r>
+          </a:p>
+          <a:p>
+            <a:pPr>
+              <a:defRPr/>
+            </a:pPr>
+            <a:r>
+              <a:rPr lang="en-US" sz="1600" dirty="0">
+                <a:solidFill>
+                  <a:prstClr val="black"/>
+                </a:solidFill>
+                <a:latin typeface="Calibri" panose="020F0502020204030204"/>
+              </a:rPr>
+              <a:t>	</a:t>
+            </a:r>
+            <a:r>
+              <a:rPr kumimoji="0" lang="en-US" sz="1600" b="0" i="0" u="none" strike="noStrike" kern="1200" cap="none" spc="0" normalizeH="0" baseline="0" noProof="0" dirty="0">
+                <a:ln>
+                  <a:noFill/>
+                </a:ln>
+                <a:solidFill>
+                  <a:prstClr val="black"/>
+                </a:solidFill>
+                <a:effectLst/>
+                <a:uLnTx/>
+                <a:uFillTx/>
+                <a:latin typeface="Calibri" panose="020F0502020204030204"/>
+                <a:ea typeface="+mn-ea"/>
+                <a:cs typeface="+mn-cs"/>
+              </a:rPr>
+              <a:t>- Point of interest Layer using Direct file</a:t>
+            </a:r>
+          </a:p>
+          <a:p>
+            <a:pPr>
+              <a:defRPr/>
+            </a:pPr>
+            <a:r>
+              <a:rPr lang="en-US" sz="1600" dirty="0">
+                <a:solidFill>
+                  <a:prstClr val="black"/>
+                </a:solidFill>
+                <a:latin typeface="Calibri" panose="020F0502020204030204"/>
+              </a:rPr>
+              <a:t>	</a:t>
+            </a:r>
+            <a:r>
+              <a:rPr kumimoji="0" lang="en-US" sz="1600" b="0" i="0" u="none" strike="noStrike" kern="1200" cap="none" spc="0" normalizeH="0" baseline="0" noProof="0" dirty="0">
+                <a:ln>
+                  <a:noFill/>
+                </a:ln>
+                <a:solidFill>
+                  <a:prstClr val="black"/>
+                </a:solidFill>
+                <a:effectLst/>
+                <a:uLnTx/>
+                <a:uFillTx/>
+                <a:latin typeface="Calibri" panose="020F0502020204030204"/>
+                <a:ea typeface="+mn-ea"/>
+                <a:cs typeface="+mn-cs"/>
+              </a:rPr>
+              <a:t>- POI using shape file</a:t>
+            </a:r>
+          </a:p>
+          <a:p>
+            <a:pPr>
+              <a:defRPr/>
+            </a:pPr>
+            <a:r>
+              <a:rPr lang="en-US" sz="1600" dirty="0">
+                <a:solidFill>
+                  <a:prstClr val="black"/>
+                </a:solidFill>
+                <a:latin typeface="Calibri" panose="020F0502020204030204"/>
+              </a:rPr>
+              <a:t>	</a:t>
+            </a:r>
+            <a:r>
+              <a:rPr kumimoji="0" lang="en-US" sz="1600" b="0" i="0" u="none" strike="noStrike" kern="1200" cap="none" spc="0" normalizeH="0" baseline="0" noProof="0" dirty="0">
+                <a:ln>
+                  <a:noFill/>
+                </a:ln>
+                <a:solidFill>
+                  <a:prstClr val="black"/>
+                </a:solidFill>
+                <a:effectLst/>
+                <a:uLnTx/>
+                <a:uFillTx/>
+                <a:latin typeface="Calibri" panose="020F0502020204030204"/>
+                <a:ea typeface="+mn-ea"/>
+                <a:cs typeface="+mn-cs"/>
+              </a:rPr>
+              <a:t>- POI using data model</a:t>
+            </a:r>
+          </a:p>
+          <a:p>
+            <a:pPr>
+              <a:defRPr/>
+            </a:pPr>
+            <a:r>
+              <a:rPr lang="en-US" sz="1600" dirty="0">
+                <a:solidFill>
+                  <a:prstClr val="black"/>
+                </a:solidFill>
+                <a:latin typeface="Calibri" panose="020F0502020204030204"/>
+              </a:rPr>
+              <a:t>	</a:t>
+            </a:r>
+            <a:r>
+              <a:rPr kumimoji="0" lang="en-US" sz="1600" b="0" i="0" u="none" strike="noStrike" kern="1200" cap="none" spc="0" normalizeH="0" baseline="0" noProof="0" dirty="0">
+                <a:ln>
+                  <a:noFill/>
+                </a:ln>
+                <a:solidFill>
+                  <a:prstClr val="black"/>
+                </a:solidFill>
+                <a:effectLst/>
+                <a:uLnTx/>
+                <a:uFillTx/>
+                <a:latin typeface="Calibri" panose="020F0502020204030204"/>
+                <a:ea typeface="+mn-ea"/>
+                <a:cs typeface="+mn-cs"/>
+              </a:rPr>
+              <a:t>- Introduction to advance scenario</a:t>
+            </a:r>
+          </a:p>
+          <a:p>
+            <a:pPr marL="0" marR="0" lvl="0" indent="0" algn="l" defTabSz="914400" rtl="0" eaLnBrk="1" fontAlgn="auto" latinLnBrk="0" hangingPunct="1">
+              <a:lnSpc>
+                <a:spcPct val="100000"/>
+              </a:lnSpc>
+              <a:spcBef>
+                <a:spcPts val="0"/>
+              </a:spcBef>
+              <a:spcAft>
+                <a:spcPts val="0"/>
+              </a:spcAft>
+              <a:buClrTx/>
+              <a:buSzTx/>
+              <a:buFontTx/>
+              <a:buNone/>
+              <a:tabLst/>
+              <a:defRPr/>
+            </a:pPr>
+            <a:endParaRPr kumimoji="0" lang="en-US" sz="1600" b="0" i="0" u="none" strike="noStrike" kern="1200" cap="none" spc="0" normalizeH="0" baseline="0" noProof="0" dirty="0">
+              <a:ln>
+                <a:noFill/>
+              </a:ln>
+              <a:solidFill>
+                <a:prstClr val="black"/>
+              </a:solidFill>
+              <a:effectLst/>
+              <a:uLnTx/>
+              <a:uFillTx/>
+              <a:latin typeface="Calibri" panose="020F0502020204030204"/>
+              <a:ea typeface="+mn-ea"/>
+              <a:cs typeface="+mn-cs"/>
+            </a:endParaRPr>
+          </a:p>
+          <a:p>
+            <a:pPr marL="0" marR="0" lvl="0" indent="0" algn="l" defTabSz="914400" rtl="0" eaLnBrk="1" fontAlgn="auto" latinLnBrk="0" hangingPunct="1">
+              <a:lnSpc>
+                <a:spcPct val="100000"/>
+              </a:lnSpc>
+              <a:spcBef>
+                <a:spcPts val="0"/>
+              </a:spcBef>
+              <a:spcAft>
+                <a:spcPts val="0"/>
+              </a:spcAft>
+              <a:buClrTx/>
+              <a:buSzTx/>
+              <a:buFontTx/>
+              <a:buNone/>
+              <a:tabLst/>
+              <a:defRPr/>
+            </a:pPr>
+            <a:r>
+              <a:rPr kumimoji="0" lang="en-US" sz="1600" b="0" i="0" u="none" strike="noStrike" kern="1200" cap="none" spc="0" normalizeH="0" baseline="0" noProof="0" dirty="0">
+                <a:ln>
+                  <a:noFill/>
+                </a:ln>
+                <a:solidFill>
+                  <a:prstClr val="black"/>
+                </a:solidFill>
+                <a:effectLst/>
+                <a:uLnTx/>
+                <a:uFillTx/>
+                <a:latin typeface="Calibri" panose="020F0502020204030204"/>
+                <a:ea typeface="+mn-ea"/>
+                <a:cs typeface="+mn-cs"/>
+              </a:rPr>
+              <a:t>---Break---</a:t>
+            </a:r>
+          </a:p>
+          <a:p>
+            <a:pPr marL="0" marR="0" lvl="0" indent="0" algn="l" defTabSz="914400" rtl="0" eaLnBrk="1" fontAlgn="auto" latinLnBrk="0" hangingPunct="1">
+              <a:lnSpc>
+                <a:spcPct val="100000"/>
+              </a:lnSpc>
+              <a:spcBef>
+                <a:spcPts val="0"/>
+              </a:spcBef>
+              <a:spcAft>
+                <a:spcPts val="0"/>
+              </a:spcAft>
+              <a:buClrTx/>
+              <a:buSzTx/>
+              <a:buFontTx/>
+              <a:buNone/>
+              <a:tabLst/>
+              <a:defRPr/>
+            </a:pPr>
+            <a:endParaRPr kumimoji="0" lang="en-US" sz="1600" b="1" i="0" u="none" strike="noStrike" kern="1200" cap="none" spc="0" normalizeH="0" baseline="0" noProof="0" dirty="0">
+              <a:ln>
+                <a:noFill/>
+              </a:ln>
+              <a:solidFill>
+                <a:prstClr val="black"/>
+              </a:solidFill>
+              <a:effectLst/>
+              <a:uLnTx/>
+              <a:uFillTx/>
+              <a:latin typeface="Calibri" panose="020F0502020204030204"/>
+              <a:ea typeface="+mn-ea"/>
+              <a:cs typeface="+mn-cs"/>
+            </a:endParaRPr>
+          </a:p>
+          <a:p>
+            <a:pPr marL="0" marR="0" lvl="0" indent="0" algn="l" defTabSz="914400" rtl="0" eaLnBrk="1" fontAlgn="auto" latinLnBrk="0" hangingPunct="1">
+              <a:lnSpc>
+                <a:spcPct val="100000"/>
+              </a:lnSpc>
+              <a:spcBef>
+                <a:spcPts val="0"/>
+              </a:spcBef>
+              <a:spcAft>
+                <a:spcPts val="0"/>
+              </a:spcAft>
+              <a:buClrTx/>
+              <a:buSzTx/>
+              <a:buFontTx/>
+              <a:buNone/>
+              <a:tabLst/>
+              <a:defRPr/>
+            </a:pPr>
+            <a:r>
+              <a:rPr kumimoji="0" lang="en-US" sz="1600" b="1" i="0" u="none" strike="noStrike" kern="1200" cap="none" spc="0" normalizeH="0" baseline="0" noProof="0" dirty="0">
+                <a:ln>
+                  <a:noFill/>
+                </a:ln>
+                <a:solidFill>
+                  <a:prstClr val="black"/>
+                </a:solidFill>
+                <a:effectLst/>
+                <a:uLnTx/>
+                <a:uFillTx/>
+                <a:latin typeface="Calibri" panose="020F0502020204030204"/>
+                <a:ea typeface="+mn-ea"/>
+                <a:cs typeface="+mn-cs"/>
+              </a:rPr>
+              <a:t>Advance BI Scenario</a:t>
+            </a:r>
+          </a:p>
+          <a:p>
+            <a:pPr marL="0" marR="0" lvl="0" indent="0" algn="l" defTabSz="914400" rtl="0" eaLnBrk="1" fontAlgn="auto" latinLnBrk="0" hangingPunct="1">
+              <a:lnSpc>
+                <a:spcPct val="100000"/>
+              </a:lnSpc>
+              <a:spcBef>
+                <a:spcPts val="0"/>
+              </a:spcBef>
+              <a:spcAft>
+                <a:spcPts val="0"/>
+              </a:spcAft>
+              <a:buClrTx/>
+              <a:buSzTx/>
+              <a:buFontTx/>
+              <a:buNone/>
+              <a:tabLst/>
+              <a:defRPr/>
+            </a:pPr>
+            <a:r>
+              <a:rPr kumimoji="0" lang="en-US" sz="1600" b="0" i="0" u="none" strike="noStrike" kern="1200" cap="none" spc="0" normalizeH="0" baseline="0" noProof="0" dirty="0">
+                <a:ln>
+                  <a:noFill/>
+                </a:ln>
+                <a:solidFill>
+                  <a:prstClr val="black"/>
+                </a:solidFill>
+                <a:effectLst/>
+                <a:uLnTx/>
+                <a:uFillTx/>
+                <a:latin typeface="Calibri" panose="020F0502020204030204"/>
+                <a:ea typeface="+mn-ea"/>
+                <a:cs typeface="+mn-cs"/>
+              </a:rPr>
+              <a:t>                    - Variance Concept</a:t>
+            </a:r>
+          </a:p>
+          <a:p>
+            <a:pPr marL="0" marR="0" lvl="0" indent="0" algn="l" defTabSz="914400" rtl="0" eaLnBrk="1" fontAlgn="auto" latinLnBrk="0" hangingPunct="1">
+              <a:lnSpc>
+                <a:spcPct val="100000"/>
+              </a:lnSpc>
+              <a:spcBef>
+                <a:spcPts val="0"/>
+              </a:spcBef>
+              <a:spcAft>
+                <a:spcPts val="0"/>
+              </a:spcAft>
+              <a:buClrTx/>
+              <a:buSzTx/>
+              <a:buFontTx/>
+              <a:buNone/>
+              <a:tabLst/>
+              <a:defRPr/>
+            </a:pPr>
+            <a:r>
+              <a:rPr kumimoji="0" lang="en-US" sz="1600" b="0" i="0" u="none" strike="noStrike" kern="1200" cap="none" spc="0" normalizeH="0" baseline="0" noProof="0" dirty="0">
+                <a:ln>
+                  <a:noFill/>
+                </a:ln>
+                <a:solidFill>
+                  <a:prstClr val="black"/>
+                </a:solidFill>
+                <a:effectLst/>
+                <a:uLnTx/>
+                <a:uFillTx/>
+                <a:latin typeface="Calibri" panose="020F0502020204030204"/>
+                <a:ea typeface="+mn-ea"/>
+                <a:cs typeface="+mn-cs"/>
+              </a:rPr>
+              <a:t>	- </a:t>
+            </a:r>
+            <a:r>
+              <a:rPr lang="en-US" sz="1600" dirty="0">
+                <a:solidFill>
+                  <a:prstClr val="black"/>
+                </a:solidFill>
+                <a:latin typeface="Calibri" panose="020F0502020204030204"/>
+              </a:rPr>
+              <a:t>Smart Assist Scenario</a:t>
+            </a:r>
+            <a:endParaRPr kumimoji="0" lang="en-US" sz="1600" b="0" i="0" u="none" strike="noStrike" kern="1200" cap="none" spc="0" normalizeH="0" baseline="0" noProof="0" dirty="0">
+              <a:ln>
+                <a:noFill/>
+              </a:ln>
+              <a:solidFill>
+                <a:prstClr val="black"/>
+              </a:solidFill>
+              <a:effectLst/>
+              <a:uLnTx/>
+              <a:uFillTx/>
+              <a:latin typeface="Calibri" panose="020F0502020204030204"/>
+              <a:ea typeface="+mn-ea"/>
+              <a:cs typeface="+mn-cs"/>
+            </a:endParaRPr>
+          </a:p>
+          <a:p>
+            <a:pPr marL="0" marR="0" lvl="0" indent="0" algn="l" defTabSz="914400" rtl="0" eaLnBrk="1" fontAlgn="auto" latinLnBrk="0" hangingPunct="1">
+              <a:lnSpc>
+                <a:spcPct val="100000"/>
+              </a:lnSpc>
+              <a:spcBef>
+                <a:spcPts val="0"/>
+              </a:spcBef>
+              <a:spcAft>
+                <a:spcPts val="0"/>
+              </a:spcAft>
+              <a:buClrTx/>
+              <a:buSzTx/>
+              <a:buFontTx/>
+              <a:buNone/>
+              <a:tabLst/>
+              <a:defRPr/>
+            </a:pPr>
+            <a:r>
+              <a:rPr kumimoji="0" lang="en-US" sz="1600" b="0" i="0" u="none" strike="noStrike" kern="1200" cap="none" spc="0" normalizeH="0" baseline="0" noProof="0" dirty="0">
+                <a:ln>
+                  <a:noFill/>
+                </a:ln>
+                <a:solidFill>
+                  <a:prstClr val="black"/>
+                </a:solidFill>
+                <a:effectLst/>
+                <a:uLnTx/>
+                <a:uFillTx/>
+                <a:latin typeface="Calibri" panose="020F0502020204030204"/>
+                <a:ea typeface="+mn-ea"/>
+                <a:cs typeface="+mn-cs"/>
+              </a:rPr>
+              <a:t>	- Augmented Analytics</a:t>
+            </a:r>
+          </a:p>
+          <a:p>
+            <a:pPr marL="0" marR="0" lvl="0" indent="0" algn="l" defTabSz="914400" rtl="0" eaLnBrk="1" fontAlgn="auto" latinLnBrk="0" hangingPunct="1">
+              <a:lnSpc>
+                <a:spcPct val="100000"/>
+              </a:lnSpc>
+              <a:spcBef>
+                <a:spcPts val="0"/>
+              </a:spcBef>
+              <a:spcAft>
+                <a:spcPts val="0"/>
+              </a:spcAft>
+              <a:buClrTx/>
+              <a:buSzTx/>
+              <a:buFontTx/>
+              <a:buNone/>
+              <a:tabLst/>
+              <a:defRPr/>
+            </a:pPr>
+            <a:r>
+              <a:rPr kumimoji="0" lang="en-US" sz="1600" b="0" i="0" u="none" strike="noStrike" kern="1200" cap="none" spc="0" normalizeH="0" baseline="0" noProof="0" dirty="0">
+                <a:ln>
+                  <a:noFill/>
+                </a:ln>
+                <a:solidFill>
+                  <a:prstClr val="black"/>
+                </a:solidFill>
+                <a:effectLst/>
+                <a:uLnTx/>
+                <a:uFillTx/>
+                <a:latin typeface="Calibri" panose="020F0502020204030204"/>
+                <a:ea typeface="+mn-ea"/>
+                <a:cs typeface="+mn-cs"/>
+              </a:rPr>
+              <a:t>	- Smart Predict Forecast</a:t>
+            </a:r>
+          </a:p>
+          <a:p>
+            <a:pPr marL="0" marR="0" lvl="0" indent="0" algn="l" defTabSz="914400" rtl="0" eaLnBrk="1" fontAlgn="auto" latinLnBrk="0" hangingPunct="1">
+              <a:lnSpc>
+                <a:spcPct val="100000"/>
+              </a:lnSpc>
+              <a:spcBef>
+                <a:spcPts val="0"/>
+              </a:spcBef>
+              <a:spcAft>
+                <a:spcPts val="0"/>
+              </a:spcAft>
+              <a:buClrTx/>
+              <a:buSzTx/>
+              <a:buFontTx/>
+              <a:buNone/>
+              <a:tabLst/>
+              <a:defRPr/>
+            </a:pPr>
+            <a:r>
+              <a:rPr lang="en-US" sz="1600" dirty="0">
+                <a:solidFill>
+                  <a:prstClr val="black"/>
+                </a:solidFill>
+                <a:latin typeface="Calibri" panose="020F0502020204030204"/>
+              </a:rPr>
+              <a:t>	- Smart Insight</a:t>
+            </a:r>
+          </a:p>
+          <a:p>
+            <a:pPr marL="0" marR="0" lvl="0" indent="0" algn="l" defTabSz="914400" rtl="0" eaLnBrk="1" fontAlgn="auto" latinLnBrk="0" hangingPunct="1">
+              <a:lnSpc>
+                <a:spcPct val="100000"/>
+              </a:lnSpc>
+              <a:spcBef>
+                <a:spcPts val="0"/>
+              </a:spcBef>
+              <a:spcAft>
+                <a:spcPts val="0"/>
+              </a:spcAft>
+              <a:buClrTx/>
+              <a:buSzTx/>
+              <a:buFontTx/>
+              <a:buNone/>
+              <a:tabLst/>
+              <a:defRPr/>
+            </a:pPr>
+            <a:r>
+              <a:rPr kumimoji="0" lang="en-US" sz="1600" b="0" i="0" u="none" strike="noStrike" kern="1200" cap="none" spc="0" normalizeH="0" baseline="0" noProof="0" dirty="0">
+                <a:ln>
+                  <a:noFill/>
+                </a:ln>
+                <a:solidFill>
+                  <a:prstClr val="black"/>
+                </a:solidFill>
+                <a:effectLst/>
+                <a:uLnTx/>
+                <a:uFillTx/>
+                <a:latin typeface="Calibri" panose="020F0502020204030204"/>
+                <a:ea typeface="+mn-ea"/>
+                <a:cs typeface="+mn-cs"/>
+              </a:rPr>
+              <a:t>	- Smart Discovery</a:t>
+            </a:r>
+          </a:p>
+          <a:p>
+            <a:pPr>
+              <a:defRPr/>
+            </a:pPr>
+            <a:r>
+              <a:rPr kumimoji="0" lang="en-US" sz="1600" b="0" i="0" u="none" strike="noStrike" kern="1200" cap="none" spc="0" normalizeH="0" baseline="0" noProof="0" dirty="0">
+                <a:ln>
+                  <a:noFill/>
+                </a:ln>
+                <a:solidFill>
+                  <a:prstClr val="black"/>
+                </a:solidFill>
+                <a:effectLst/>
+                <a:uLnTx/>
+                <a:uFillTx/>
+                <a:latin typeface="Calibri" panose="020F0502020204030204"/>
+                <a:ea typeface="+mn-ea"/>
+                <a:cs typeface="+mn-cs"/>
+              </a:rPr>
+              <a:t>	- Smart Grouping</a:t>
+            </a:r>
+          </a:p>
+          <a:p>
+            <a:pPr>
+              <a:defRPr/>
+            </a:pPr>
+            <a:r>
+              <a:rPr kumimoji="0" lang="en-US" sz="1600" b="0" i="0" u="none" strike="noStrike" kern="1200" cap="none" spc="0" normalizeH="0" baseline="0" noProof="0" dirty="0">
+                <a:ln>
+                  <a:noFill/>
+                </a:ln>
+                <a:solidFill>
+                  <a:prstClr val="black"/>
+                </a:solidFill>
+                <a:effectLst/>
+                <a:uLnTx/>
+                <a:uFillTx/>
+                <a:latin typeface="Calibri" panose="020F0502020204030204"/>
+                <a:ea typeface="+mn-ea"/>
+                <a:cs typeface="+mn-cs"/>
+              </a:rPr>
+              <a:t>	- Roadmap and Support </a:t>
+            </a:r>
+          </a:p>
+          <a:p>
+            <a:pPr>
+              <a:defRPr/>
+            </a:pPr>
+            <a:r>
+              <a:rPr lang="en-US" sz="1600" dirty="0">
+                <a:solidFill>
+                  <a:prstClr val="black"/>
+                </a:solidFill>
+                <a:latin typeface="Calibri" panose="020F0502020204030204"/>
+              </a:rPr>
+              <a:t>	</a:t>
+            </a:r>
+            <a:endParaRPr kumimoji="0" lang="en-US" sz="1600" b="0" i="0" u="none" strike="noStrike" kern="1200" cap="none" spc="0" normalizeH="0" baseline="0" noProof="0" dirty="0">
+              <a:ln>
+                <a:noFill/>
+              </a:ln>
+              <a:solidFill>
+                <a:prstClr val="black"/>
+              </a:solidFill>
+              <a:effectLst/>
+              <a:uLnTx/>
+              <a:uFillTx/>
+              <a:latin typeface="Calibri" panose="020F0502020204030204"/>
+              <a:ea typeface="+mn-ea"/>
+              <a:cs typeface="+mn-cs"/>
+            </a:endParaRPr>
+          </a:p>
+          <a:p>
+            <a:pPr marL="0" marR="0" lvl="0" indent="0" algn="l" defTabSz="914400" rtl="0" eaLnBrk="1" fontAlgn="auto" latinLnBrk="0" hangingPunct="1">
+              <a:lnSpc>
+                <a:spcPct val="100000"/>
+              </a:lnSpc>
+              <a:spcBef>
+                <a:spcPts val="0"/>
+              </a:spcBef>
+              <a:spcAft>
+                <a:spcPts val="0"/>
+              </a:spcAft>
+              <a:buClrTx/>
+              <a:buSzTx/>
+              <a:buFontTx/>
+              <a:buNone/>
+              <a:tabLst/>
+              <a:defRPr/>
+            </a:pPr>
+            <a:r>
+              <a:rPr lang="en-US" sz="1600" dirty="0">
+                <a:solidFill>
+                  <a:prstClr val="black"/>
+                </a:solidFill>
+                <a:latin typeface="Calibri" panose="020F0502020204030204"/>
+              </a:rPr>
+              <a:t>	</a:t>
+            </a:r>
+            <a:endParaRPr kumimoji="0" lang="en-US" sz="1600" b="0" i="0" u="none" strike="noStrike" kern="1200" cap="none" spc="0" normalizeH="0" baseline="0" noProof="0" dirty="0">
+              <a:ln>
+                <a:noFill/>
+              </a:ln>
+              <a:solidFill>
+                <a:prstClr val="black"/>
+              </a:solidFill>
+              <a:effectLst/>
+              <a:uLnTx/>
+              <a:uFillTx/>
+              <a:latin typeface="Calibri" panose="020F0502020204030204"/>
+              <a:ea typeface="+mn-ea"/>
+              <a:cs typeface="+mn-cs"/>
+            </a:endParaRPr>
+          </a:p>
+        </p:txBody>
+      </p:sp>
+    </p:spTree>
+    <p:extLst>
+      <p:ext uri="{BB962C8B-B14F-4D97-AF65-F5344CB8AC3E}">
+        <p14:creationId xmlns:p14="http://schemas.microsoft.com/office/powerpoint/2010/main" val="2321857352"/>
+      </p:ext>
+    </p:extLst>
+  </p:cSld>
+  <p:clrMapOvr>
+    <a:masterClrMapping/>
+  </p:clrMapOvr>
+</p:sld>
+</file>
+
+<file path=ppt/slides/slide3.xml><?xml version="1.0" encoding="utf-8"?>
+<p:sld xmlns:a="http://schemas.openxmlformats.org/drawingml/2006/main" xmlns:r="http://schemas.openxmlformats.org/officeDocument/2006/relationships" xmlns:p="http://schemas.openxmlformats.org/presentationml/2006/main">
+  <p:cSld>
+    <p:spTree>
+      <p:nvGrpSpPr>
+        <p:cNvPr id="1" name=""/>
+        <p:cNvGrpSpPr/>
+        <p:nvPr/>
+      </p:nvGrpSpPr>
+      <p:grpSpPr>
+        <a:xfrm>
+          <a:off x="0" y="0"/>
+          <a:ext cx="0" cy="0"/>
+          <a:chOff x="0" y="0"/>
+          <a:chExt cx="0" cy="0"/>
+        </a:xfrm>
+      </p:grpSpPr>
+      <p:sp>
+        <p:nvSpPr>
+          <p:cNvPr id="2" name="TextBox 1">
+            <a:extLst>
+              <a:ext uri="{FF2B5EF4-FFF2-40B4-BE49-F238E27FC236}">
+                <a16:creationId xmlns:a16="http://schemas.microsoft.com/office/drawing/2014/main" id="{1D726D31-62C7-498A-B704-04B15AACA549}"/>
+              </a:ext>
+            </a:extLst>
+          </p:cNvPr>
+          <p:cNvSpPr txBox="1"/>
+          <p:nvPr/>
+        </p:nvSpPr>
+        <p:spPr>
+          <a:xfrm>
+            <a:off x="238125" y="447675"/>
+            <a:ext cx="11506200" cy="646331"/>
+          </a:xfrm>
+          <a:prstGeom prst="rect">
+            <a:avLst/>
+          </a:prstGeom>
+          <a:noFill/>
+        </p:spPr>
+        <p:txBody>
+          <a:bodyPr wrap="square" rtlCol="0">
+            <a:spAutoFit/>
+          </a:bodyPr>
+          <a:lstStyle/>
+          <a:p>
+            <a:r>
+              <a:rPr lang="en-US" dirty="0"/>
+              <a:t>We are paying salaries to employees, with SAC by far you saw that we can aggregate the data (SUM, AVG, COUNT).</a:t>
+            </a:r>
+          </a:p>
+          <a:p>
+            <a:r>
+              <a:rPr lang="en-US" dirty="0"/>
+              <a:t>Is it possible to aggregate data by a dimension.</a:t>
+            </a:r>
+          </a:p>
+        </p:txBody>
+      </p:sp>
+      <p:graphicFrame>
+        <p:nvGraphicFramePr>
+          <p:cNvPr id="4" name="Table 3">
+            <a:extLst>
+              <a:ext uri="{FF2B5EF4-FFF2-40B4-BE49-F238E27FC236}">
+                <a16:creationId xmlns:a16="http://schemas.microsoft.com/office/drawing/2014/main" id="{55082E74-2330-4F43-9186-79B6DDB3EE19}"/>
+              </a:ext>
+            </a:extLst>
+          </p:cNvPr>
+          <p:cNvGraphicFramePr>
+            <a:graphicFrameLocks noGrp="1"/>
+          </p:cNvGraphicFramePr>
+          <p:nvPr>
+            <p:extLst>
+              <p:ext uri="{D42A27DB-BD31-4B8C-83A1-F6EECF244321}">
+                <p14:modId xmlns:p14="http://schemas.microsoft.com/office/powerpoint/2010/main" val="3270251805"/>
+              </p:ext>
+            </p:extLst>
+          </p:nvPr>
+        </p:nvGraphicFramePr>
+        <p:xfrm>
+          <a:off x="317500" y="1342713"/>
+          <a:ext cx="8128000" cy="2966720"/>
+        </p:xfrm>
+        <a:graphic>
+          <a:graphicData uri="http://schemas.openxmlformats.org/drawingml/2006/table">
+            <a:tbl>
+              <a:tblPr firstRow="1" bandRow="1">
+                <a:tableStyleId>{5C22544A-7EE6-4342-B048-85BDC9FD1C3A}</a:tableStyleId>
+              </a:tblPr>
+              <a:tblGrid>
+                <a:gridCol w="4064000">
+                  <a:extLst>
+                    <a:ext uri="{9D8B030D-6E8A-4147-A177-3AD203B41FA5}">
+                      <a16:colId xmlns:a16="http://schemas.microsoft.com/office/drawing/2014/main" val="4180493174"/>
+                    </a:ext>
+                  </a:extLst>
+                </a:gridCol>
+                <a:gridCol w="4064000">
+                  <a:extLst>
+                    <a:ext uri="{9D8B030D-6E8A-4147-A177-3AD203B41FA5}">
+                      <a16:colId xmlns:a16="http://schemas.microsoft.com/office/drawing/2014/main" val="807600534"/>
+                    </a:ext>
+                  </a:extLst>
+                </a:gridCol>
+              </a:tblGrid>
+              <a:tr h="370840">
+                <a:tc>
+                  <a:txBody>
+                    <a:bodyPr/>
+                    <a:lstStyle/>
+                    <a:p>
+                      <a:r>
+                        <a:rPr lang="en-US" dirty="0"/>
+                        <a:t>Country</a:t>
+                      </a:r>
+                    </a:p>
+                  </a:txBody>
+                  <a:tcPr/>
+                </a:tc>
+                <a:tc>
+                  <a:txBody>
+                    <a:bodyPr/>
+                    <a:lstStyle/>
+                    <a:p>
+                      <a:r>
+                        <a:rPr lang="en-US" dirty="0"/>
+                        <a:t>Sales</a:t>
+                      </a:r>
+                    </a:p>
+                  </a:txBody>
+                  <a:tcPr/>
+                </a:tc>
+                <a:extLst>
+                  <a:ext uri="{0D108BD9-81ED-4DB2-BD59-A6C34878D82A}">
+                    <a16:rowId xmlns:a16="http://schemas.microsoft.com/office/drawing/2014/main" val="4269271610"/>
+                  </a:ext>
+                </a:extLst>
+              </a:tr>
+              <a:tr h="370840">
+                <a:tc>
+                  <a:txBody>
+                    <a:bodyPr/>
+                    <a:lstStyle/>
+                    <a:p>
+                      <a:r>
+                        <a:rPr lang="en-US" dirty="0"/>
+                        <a:t>IN</a:t>
+                      </a:r>
+                    </a:p>
+                  </a:txBody>
+                  <a:tcPr/>
+                </a:tc>
+                <a:tc>
+                  <a:txBody>
+                    <a:bodyPr/>
+                    <a:lstStyle/>
+                    <a:p>
+                      <a:r>
+                        <a:rPr lang="en-US" dirty="0"/>
+                        <a:t>500</a:t>
+                      </a:r>
+                    </a:p>
+                  </a:txBody>
+                  <a:tcPr/>
+                </a:tc>
+                <a:extLst>
+                  <a:ext uri="{0D108BD9-81ED-4DB2-BD59-A6C34878D82A}">
+                    <a16:rowId xmlns:a16="http://schemas.microsoft.com/office/drawing/2014/main" val="1456595157"/>
+                  </a:ext>
+                </a:extLst>
+              </a:tr>
+              <a:tr h="370840">
+                <a:tc>
+                  <a:txBody>
+                    <a:bodyPr/>
+                    <a:lstStyle/>
+                    <a:p>
+                      <a:r>
+                        <a:rPr lang="en-US" dirty="0"/>
+                        <a:t>US</a:t>
+                      </a:r>
+                    </a:p>
+                  </a:txBody>
+                  <a:tcPr/>
+                </a:tc>
+                <a:tc>
+                  <a:txBody>
+                    <a:bodyPr/>
+                    <a:lstStyle/>
+                    <a:p>
+                      <a:r>
+                        <a:rPr lang="en-US" dirty="0"/>
+                        <a:t>600</a:t>
+                      </a:r>
+                    </a:p>
+                  </a:txBody>
+                  <a:tcPr/>
+                </a:tc>
+                <a:extLst>
+                  <a:ext uri="{0D108BD9-81ED-4DB2-BD59-A6C34878D82A}">
+                    <a16:rowId xmlns:a16="http://schemas.microsoft.com/office/drawing/2014/main" val="3213397785"/>
+                  </a:ext>
+                </a:extLst>
+              </a:tr>
+              <a:tr h="370840">
+                <a:tc>
+                  <a:txBody>
+                    <a:bodyPr/>
+                    <a:lstStyle/>
+                    <a:p>
+                      <a:r>
+                        <a:rPr lang="en-US" dirty="0"/>
+                        <a:t>IN</a:t>
+                      </a:r>
+                    </a:p>
+                  </a:txBody>
+                  <a:tcPr/>
+                </a:tc>
+                <a:tc>
+                  <a:txBody>
+                    <a:bodyPr/>
+                    <a:lstStyle/>
+                    <a:p>
+                      <a:r>
+                        <a:rPr lang="en-US" dirty="0"/>
+                        <a:t>900</a:t>
+                      </a:r>
+                    </a:p>
+                  </a:txBody>
+                  <a:tcPr/>
+                </a:tc>
+                <a:extLst>
+                  <a:ext uri="{0D108BD9-81ED-4DB2-BD59-A6C34878D82A}">
+                    <a16:rowId xmlns:a16="http://schemas.microsoft.com/office/drawing/2014/main" val="1014548199"/>
+                  </a:ext>
+                </a:extLst>
+              </a:tr>
+              <a:tr h="370840">
+                <a:tc>
+                  <a:txBody>
+                    <a:bodyPr/>
+                    <a:lstStyle/>
+                    <a:p>
+                      <a:r>
+                        <a:rPr lang="en-US" dirty="0"/>
+                        <a:t>US</a:t>
+                      </a:r>
+                    </a:p>
+                  </a:txBody>
+                  <a:tcPr/>
+                </a:tc>
+                <a:tc>
+                  <a:txBody>
+                    <a:bodyPr/>
+                    <a:lstStyle/>
+                    <a:p>
+                      <a:r>
+                        <a:rPr lang="en-US" dirty="0"/>
+                        <a:t>500</a:t>
+                      </a:r>
+                    </a:p>
+                  </a:txBody>
+                  <a:tcPr/>
+                </a:tc>
+                <a:extLst>
+                  <a:ext uri="{0D108BD9-81ED-4DB2-BD59-A6C34878D82A}">
+                    <a16:rowId xmlns:a16="http://schemas.microsoft.com/office/drawing/2014/main" val="1609094921"/>
+                  </a:ext>
+                </a:extLst>
+              </a:tr>
+              <a:tr h="370840">
+                <a:tc>
+                  <a:txBody>
+                    <a:bodyPr/>
+                    <a:lstStyle/>
+                    <a:p>
+                      <a:r>
+                        <a:rPr lang="en-US" dirty="0"/>
+                        <a:t>DE</a:t>
+                      </a:r>
+                    </a:p>
+                  </a:txBody>
+                  <a:tcPr/>
+                </a:tc>
+                <a:tc>
+                  <a:txBody>
+                    <a:bodyPr/>
+                    <a:lstStyle/>
+                    <a:p>
+                      <a:r>
+                        <a:rPr lang="en-US" dirty="0"/>
+                        <a:t>950</a:t>
+                      </a:r>
+                    </a:p>
+                  </a:txBody>
+                  <a:tcPr/>
+                </a:tc>
+                <a:extLst>
+                  <a:ext uri="{0D108BD9-81ED-4DB2-BD59-A6C34878D82A}">
+                    <a16:rowId xmlns:a16="http://schemas.microsoft.com/office/drawing/2014/main" val="3843066365"/>
+                  </a:ext>
+                </a:extLst>
+              </a:tr>
+              <a:tr h="370840">
+                <a:tc>
+                  <a:txBody>
+                    <a:bodyPr/>
+                    <a:lstStyle/>
+                    <a:p>
+                      <a:r>
+                        <a:rPr lang="en-US" dirty="0"/>
+                        <a:t>DE</a:t>
+                      </a:r>
+                    </a:p>
+                  </a:txBody>
+                  <a:tcPr/>
+                </a:tc>
+                <a:tc>
+                  <a:txBody>
+                    <a:bodyPr/>
+                    <a:lstStyle/>
+                    <a:p>
+                      <a:r>
+                        <a:rPr lang="en-US" dirty="0"/>
+                        <a:t>150</a:t>
+                      </a:r>
+                    </a:p>
+                  </a:txBody>
+                  <a:tcPr/>
+                </a:tc>
+                <a:extLst>
+                  <a:ext uri="{0D108BD9-81ED-4DB2-BD59-A6C34878D82A}">
+                    <a16:rowId xmlns:a16="http://schemas.microsoft.com/office/drawing/2014/main" val="70504284"/>
+                  </a:ext>
+                </a:extLst>
+              </a:tr>
+              <a:tr h="370840">
+                <a:tc>
+                  <a:txBody>
+                    <a:bodyPr/>
+                    <a:lstStyle/>
+                    <a:p>
+                      <a:r>
+                        <a:rPr lang="en-US" dirty="0"/>
+                        <a:t>IN</a:t>
+                      </a:r>
+                    </a:p>
+                  </a:txBody>
+                  <a:tcPr/>
+                </a:tc>
+                <a:tc>
+                  <a:txBody>
+                    <a:bodyPr/>
+                    <a:lstStyle/>
+                    <a:p>
+                      <a:r>
+                        <a:rPr lang="en-US" dirty="0"/>
+                        <a:t>1000</a:t>
+                      </a:r>
+                    </a:p>
+                  </a:txBody>
+                  <a:tcPr/>
+                </a:tc>
+                <a:extLst>
+                  <a:ext uri="{0D108BD9-81ED-4DB2-BD59-A6C34878D82A}">
+                    <a16:rowId xmlns:a16="http://schemas.microsoft.com/office/drawing/2014/main" val="3761993591"/>
+                  </a:ext>
+                </a:extLst>
+              </a:tr>
+            </a:tbl>
+          </a:graphicData>
+        </a:graphic>
+      </p:graphicFrame>
+      <p:sp>
+        <p:nvSpPr>
+          <p:cNvPr id="5" name="TextBox 4">
+            <a:extLst>
+              <a:ext uri="{FF2B5EF4-FFF2-40B4-BE49-F238E27FC236}">
+                <a16:creationId xmlns:a16="http://schemas.microsoft.com/office/drawing/2014/main" id="{D0B327FC-6B03-4A58-A494-05F5DC91DE29}"/>
+              </a:ext>
+            </a:extLst>
+          </p:cNvPr>
+          <p:cNvSpPr txBox="1"/>
+          <p:nvPr/>
+        </p:nvSpPr>
+        <p:spPr>
+          <a:xfrm>
+            <a:off x="317500" y="4533900"/>
+            <a:ext cx="10093325" cy="2031325"/>
+          </a:xfrm>
+          <a:prstGeom prst="rect">
+            <a:avLst/>
+          </a:prstGeom>
+          <a:noFill/>
+        </p:spPr>
+        <p:txBody>
+          <a:bodyPr wrap="square" rtlCol="0">
+            <a:spAutoFit/>
+          </a:bodyPr>
+          <a:lstStyle/>
+          <a:p>
+            <a:r>
+              <a:rPr lang="en-US" dirty="0"/>
+              <a:t>Total sales = 500+600+900+500+950+150+1000</a:t>
+            </a:r>
+          </a:p>
+          <a:p>
+            <a:r>
+              <a:rPr lang="en-US" dirty="0"/>
+              <a:t>Average sales per country</a:t>
+            </a:r>
+          </a:p>
+          <a:p>
+            <a:r>
+              <a:rPr lang="en-US" dirty="0"/>
+              <a:t>Count of country =  3</a:t>
+            </a:r>
+          </a:p>
+          <a:p>
+            <a:r>
+              <a:rPr lang="en-US" dirty="0"/>
+              <a:t>Total Sales = 4600</a:t>
+            </a:r>
+          </a:p>
+          <a:p>
+            <a:r>
+              <a:rPr lang="en-US" dirty="0"/>
+              <a:t>Average by Country = 4600 / 3 </a:t>
+            </a:r>
+            <a:r>
+              <a:rPr lang="en-US" dirty="0">
+                <a:sym typeface="Wingdings" panose="05000000000000000000" pitchFamily="2" charset="2"/>
+              </a:rPr>
+              <a:t> Exception Aggregation AVG – DIMENSION = Country</a:t>
+            </a:r>
+          </a:p>
+          <a:p>
+            <a:r>
+              <a:rPr lang="en-US" b="1" i="1" dirty="0">
+                <a:sym typeface="Wingdings" panose="05000000000000000000" pitchFamily="2" charset="2"/>
+              </a:rPr>
+              <a:t>SELECT AVG(salary) FROM </a:t>
+            </a:r>
+            <a:r>
+              <a:rPr lang="en-US" b="1" i="1" dirty="0" err="1">
+                <a:sym typeface="Wingdings" panose="05000000000000000000" pitchFamily="2" charset="2"/>
+              </a:rPr>
+              <a:t>dbtab</a:t>
+            </a:r>
+            <a:r>
+              <a:rPr lang="en-US" b="1" i="1" dirty="0">
+                <a:sym typeface="Wingdings" panose="05000000000000000000" pitchFamily="2" charset="2"/>
+              </a:rPr>
+              <a:t> GROUP BY country</a:t>
+            </a:r>
+            <a:endParaRPr lang="en-US" b="1" i="1" dirty="0"/>
+          </a:p>
+          <a:p>
+            <a:r>
+              <a:rPr lang="en-US" dirty="0"/>
+              <a:t>Simple Average = Total / Count = 4600 / 7</a:t>
+            </a:r>
+          </a:p>
+        </p:txBody>
+      </p:sp>
+    </p:spTree>
+    <p:extLst>
+      <p:ext uri="{BB962C8B-B14F-4D97-AF65-F5344CB8AC3E}">
+        <p14:creationId xmlns:p14="http://schemas.microsoft.com/office/powerpoint/2010/main" val="3577503306"/>
+      </p:ext>
+    </p:extLst>
+  </p:cSld>
+  <p:clrMapOvr>
+    <a:masterClrMapping/>
+  </p:clrMapOvr>
+</p:sld>
+</file>
+
+<file path=ppt/slides/slide4.xml><?xml version="1.0" encoding="utf-8"?>
+<p:sld xmlns:a="http://schemas.openxmlformats.org/drawingml/2006/main" xmlns:r="http://schemas.openxmlformats.org/officeDocument/2006/relationships" xmlns:p="http://schemas.openxmlformats.org/presentationml/2006/main">
+  <p:cSld>
+    <p:spTree>
+      <p:nvGrpSpPr>
+        <p:cNvPr id="1" name=""/>
+        <p:cNvGrpSpPr/>
+        <p:nvPr/>
+      </p:nvGrpSpPr>
+      <p:grpSpPr>
+        <a:xfrm>
+          <a:off x="0" y="0"/>
+          <a:ext cx="0" cy="0"/>
+          <a:chOff x="0" y="0"/>
+          <a:chExt cx="0" cy="0"/>
+        </a:xfrm>
+      </p:grpSpPr>
+      <p:sp>
+        <p:nvSpPr>
+          <p:cNvPr id="11" name="Title 10"/>
+          <p:cNvSpPr>
+            <a:spLocks noGrp="1"/>
+          </p:cNvSpPr>
+          <p:nvPr>
+            <p:ph type="title"/>
+          </p:nvPr>
+        </p:nvSpPr>
+        <p:spPr>
+          <a:xfrm>
+            <a:off x="-20279" y="41354"/>
+            <a:ext cx="10969943" cy="711081"/>
+          </a:xfrm>
+        </p:spPr>
+        <p:txBody>
+          <a:bodyPr>
+            <a:noAutofit/>
+          </a:bodyPr>
+          <a:lstStyle/>
+          <a:p>
+            <a:r>
+              <a:rPr lang="en-IN" dirty="0">
+                <a:solidFill>
+                  <a:schemeClr val="tx2">
+                    <a:lumMod val="60000"/>
+                    <a:lumOff val="40000"/>
+                  </a:schemeClr>
+                </a:solidFill>
+                <a:latin typeface="Patua One" pitchFamily="2" charset="0"/>
+              </a:rPr>
+              <a:t>Point of interest</a:t>
+            </a:r>
+          </a:p>
+        </p:txBody>
+      </p:sp>
+      <p:sp>
+        <p:nvSpPr>
+          <p:cNvPr id="37" name="TextBox 36">
+            <a:extLst>
+              <a:ext uri="{FF2B5EF4-FFF2-40B4-BE49-F238E27FC236}">
+                <a16:creationId xmlns:a16="http://schemas.microsoft.com/office/drawing/2014/main" id="{E8CAC22F-1542-4031-BC6C-A16989886504}"/>
+              </a:ext>
+            </a:extLst>
+          </p:cNvPr>
+          <p:cNvSpPr txBox="1"/>
+          <p:nvPr/>
+        </p:nvSpPr>
+        <p:spPr>
+          <a:xfrm>
+            <a:off x="4943872" y="6550224"/>
+            <a:ext cx="3456384" cy="307777"/>
+          </a:xfrm>
+          <a:prstGeom prst="rect">
+            <a:avLst/>
+          </a:prstGeom>
+          <a:noFill/>
+        </p:spPr>
+        <p:txBody>
+          <a:bodyPr wrap="square" rtlCol="0">
+            <a:spAutoFit/>
+          </a:bodyPr>
+          <a:lstStyle/>
+          <a:p>
+            <a:pPr defTabSz="1218987">
+              <a:defRPr/>
+            </a:pPr>
+            <a:r>
+              <a:rPr lang="en-US" sz="1400" b="1" dirty="0">
+                <a:solidFill>
+                  <a:prstClr val="black"/>
+                </a:solidFill>
+                <a:latin typeface="Arial Rounded MT Bold" panose="020F0704030504030204" pitchFamily="34" charset="0"/>
+                <a:ea typeface="Arial Unicode MS" panose="020B0604020202020204" pitchFamily="34" charset="-128"/>
+                <a:cs typeface="Arial Unicode MS" panose="020B0604020202020204" pitchFamily="34" charset="-128"/>
+              </a:rPr>
+              <a:t>www.anubhavtrainings.com</a:t>
+            </a:r>
+            <a:endParaRPr lang="en-IN" sz="1400" b="1" dirty="0">
+              <a:solidFill>
+                <a:prstClr val="black"/>
+              </a:solidFill>
+              <a:latin typeface="Arial Rounded MT Bold" panose="020F0704030504030204" pitchFamily="34" charset="0"/>
+              <a:ea typeface="Arial Unicode MS" panose="020B0604020202020204" pitchFamily="34" charset="-128"/>
+              <a:cs typeface="Arial Unicode MS" panose="020B0604020202020204" pitchFamily="34" charset="-128"/>
+            </a:endParaRPr>
+          </a:p>
+        </p:txBody>
+      </p:sp>
+      <p:pic>
+        <p:nvPicPr>
+          <p:cNvPr id="40" name="Picture 39">
+            <a:extLst>
+              <a:ext uri="{FF2B5EF4-FFF2-40B4-BE49-F238E27FC236}">
+                <a16:creationId xmlns:a16="http://schemas.microsoft.com/office/drawing/2014/main" id="{DA60E6FB-8C44-4FEB-B6E9-83DA908565CD}"/>
+              </a:ext>
+            </a:extLst>
+          </p:cNvPr>
+          <p:cNvPicPr>
+            <a:picLocks noChangeAspect="1"/>
+          </p:cNvPicPr>
+          <p:nvPr/>
+        </p:nvPicPr>
+        <p:blipFill>
+          <a:blip r:embed="rId2">
+            <a:extLst>
+              <a:ext uri="{28A0092B-C50C-407E-A947-70E740481C1C}">
+                <a14:useLocalDpi xmlns:a14="http://schemas.microsoft.com/office/drawing/2010/main" val="0"/>
+              </a:ext>
+            </a:extLst>
+          </a:blip>
+          <a:stretch>
+            <a:fillRect/>
+          </a:stretch>
+        </p:blipFill>
+        <p:spPr>
+          <a:xfrm>
+            <a:off x="9624393" y="106009"/>
+            <a:ext cx="2335203" cy="762895"/>
+          </a:xfrm>
+          <a:prstGeom prst="rect">
+            <a:avLst/>
+          </a:prstGeom>
+        </p:spPr>
+      </p:pic>
+      <p:cxnSp>
+        <p:nvCxnSpPr>
+          <p:cNvPr id="41" name="Straight Connector 40">
+            <a:extLst>
+              <a:ext uri="{FF2B5EF4-FFF2-40B4-BE49-F238E27FC236}">
+                <a16:creationId xmlns:a16="http://schemas.microsoft.com/office/drawing/2014/main" id="{3B3B7D73-CAE9-45AC-ACCE-FAEF4E505C7A}"/>
+              </a:ext>
+            </a:extLst>
+          </p:cNvPr>
+          <p:cNvCxnSpPr/>
+          <p:nvPr/>
+        </p:nvCxnSpPr>
+        <p:spPr>
+          <a:xfrm>
+            <a:off x="1588" y="764704"/>
+            <a:ext cx="6479584" cy="0"/>
+          </a:xfrm>
+          <a:prstGeom prst="line">
+            <a:avLst/>
+          </a:prstGeom>
+        </p:spPr>
+        <p:style>
+          <a:lnRef idx="2">
+            <a:schemeClr val="accent6"/>
+          </a:lnRef>
+          <a:fillRef idx="0">
+            <a:schemeClr val="accent6"/>
+          </a:fillRef>
+          <a:effectRef idx="1">
+            <a:schemeClr val="accent6"/>
+          </a:effectRef>
+          <a:fontRef idx="minor">
+            <a:schemeClr val="tx1"/>
+          </a:fontRef>
+        </p:style>
+      </p:cxnSp>
+      <p:sp>
+        <p:nvSpPr>
+          <p:cNvPr id="2" name="TextBox 1">
+            <a:extLst>
+              <a:ext uri="{FF2B5EF4-FFF2-40B4-BE49-F238E27FC236}">
+                <a16:creationId xmlns:a16="http://schemas.microsoft.com/office/drawing/2014/main" id="{325F36DD-F600-441C-B874-CB9077882A5A}"/>
+              </a:ext>
+            </a:extLst>
+          </p:cNvPr>
+          <p:cNvSpPr txBox="1"/>
+          <p:nvPr/>
+        </p:nvSpPr>
+        <p:spPr>
+          <a:xfrm>
+            <a:off x="152401" y="990600"/>
+            <a:ext cx="11807195" cy="3785652"/>
+          </a:xfrm>
+          <a:prstGeom prst="rect">
+            <a:avLst/>
+          </a:prstGeom>
+          <a:noFill/>
+        </p:spPr>
+        <p:txBody>
+          <a:bodyPr wrap="square" rtlCol="0">
+            <a:spAutoFit/>
+          </a:bodyPr>
+          <a:lstStyle/>
+          <a:p>
+            <a:pPr defTabSz="1218987"/>
+            <a:r>
+              <a:rPr lang="en-US" sz="2400" dirty="0">
+                <a:solidFill>
+                  <a:prstClr val="black"/>
+                </a:solidFill>
+                <a:latin typeface="Calibri"/>
+              </a:rPr>
+              <a:t>A point of interest layer indicates data points on a geo map like schools, hospitals, office locations etc. We can directly enrich our GEO map with either a model coordinates or from POI.</a:t>
+            </a:r>
+          </a:p>
+          <a:p>
+            <a:pPr defTabSz="1218987"/>
+            <a:r>
+              <a:rPr lang="en-US" sz="2400" dirty="0">
+                <a:solidFill>
+                  <a:prstClr val="black"/>
+                </a:solidFill>
+                <a:latin typeface="Calibri"/>
+              </a:rPr>
+              <a:t>There are 3 ways we can create point of interest</a:t>
+            </a:r>
+          </a:p>
+          <a:p>
+            <a:pPr marL="457200" indent="-457200" defTabSz="1218987">
+              <a:buFontTx/>
+              <a:buAutoNum type="arabicPeriod"/>
+            </a:pPr>
+            <a:r>
+              <a:rPr lang="en-US" sz="2400" dirty="0">
+                <a:solidFill>
+                  <a:prstClr val="black"/>
+                </a:solidFill>
+                <a:latin typeface="Calibri"/>
+              </a:rPr>
+              <a:t>Model based</a:t>
+            </a:r>
+          </a:p>
+          <a:p>
+            <a:pPr marL="457200" indent="-457200" defTabSz="1218987">
+              <a:buFontTx/>
+              <a:buAutoNum type="arabicPeriod"/>
+            </a:pPr>
+            <a:r>
+              <a:rPr lang="en-US" sz="2400" dirty="0">
+                <a:solidFill>
+                  <a:prstClr val="black"/>
+                </a:solidFill>
+                <a:latin typeface="Calibri"/>
+              </a:rPr>
+              <a:t>File Based - </a:t>
+            </a:r>
+            <a:r>
+              <a:rPr lang="en-US" sz="2400" dirty="0">
+                <a:solidFill>
+                  <a:prstClr val="black"/>
+                </a:solidFill>
+                <a:latin typeface="Calibri"/>
+                <a:hlinkClick r:id="rId3"/>
+              </a:rPr>
+              <a:t>dataset</a:t>
+            </a:r>
+            <a:endParaRPr lang="en-US" sz="2400" dirty="0">
+              <a:solidFill>
+                <a:prstClr val="black"/>
+              </a:solidFill>
+              <a:latin typeface="Calibri"/>
+            </a:endParaRPr>
+          </a:p>
+          <a:p>
+            <a:pPr marL="457200" indent="-457200" defTabSz="1218987">
+              <a:buFontTx/>
+              <a:buAutoNum type="arabicPeriod"/>
+            </a:pPr>
+            <a:r>
+              <a:rPr lang="en-US" sz="2400" dirty="0">
+                <a:solidFill>
+                  <a:prstClr val="black"/>
+                </a:solidFill>
+                <a:latin typeface="Calibri"/>
+              </a:rPr>
+              <a:t>Dbf and </a:t>
+            </a:r>
+            <a:r>
+              <a:rPr lang="en-US" sz="2400" dirty="0" err="1">
+                <a:solidFill>
+                  <a:prstClr val="black"/>
+                </a:solidFill>
+                <a:latin typeface="Calibri"/>
+              </a:rPr>
+              <a:t>shp</a:t>
+            </a:r>
+            <a:r>
+              <a:rPr lang="en-US" sz="2400" dirty="0">
+                <a:solidFill>
+                  <a:prstClr val="black"/>
+                </a:solidFill>
+                <a:latin typeface="Calibri"/>
+              </a:rPr>
+              <a:t> file based (shape file) – </a:t>
+            </a:r>
+            <a:r>
+              <a:rPr lang="en-US" sz="2400" dirty="0">
+                <a:solidFill>
+                  <a:prstClr val="black"/>
+                </a:solidFill>
+                <a:latin typeface="Calibri"/>
+                <a:hlinkClick r:id="rId4"/>
+              </a:rPr>
+              <a:t>dataset</a:t>
+            </a:r>
+            <a:endParaRPr lang="en-US" sz="2400" dirty="0">
+              <a:solidFill>
+                <a:prstClr val="black"/>
+              </a:solidFill>
+              <a:latin typeface="Calibri"/>
+            </a:endParaRPr>
+          </a:p>
+          <a:p>
+            <a:pPr marL="457200" indent="-457200" defTabSz="1218987">
+              <a:buFontTx/>
+              <a:buAutoNum type="arabicPeriod"/>
+            </a:pPr>
+            <a:endParaRPr lang="en-US" sz="2400" dirty="0">
+              <a:solidFill>
+                <a:prstClr val="black"/>
+              </a:solidFill>
+              <a:latin typeface="Calibri"/>
+            </a:endParaRPr>
+          </a:p>
+          <a:p>
+            <a:pPr defTabSz="1218987"/>
+            <a:r>
+              <a:rPr lang="en-US" sz="2400" dirty="0">
+                <a:solidFill>
+                  <a:prstClr val="black"/>
+                </a:solidFill>
+                <a:latin typeface="Calibri"/>
+              </a:rPr>
+              <a:t>https://www.igismap.com/download-india-boundary-shapefile-free-states-boundary-assembly-constituencies-village-boundaries/</a:t>
+            </a:r>
+          </a:p>
+        </p:txBody>
+      </p:sp>
+    </p:spTree>
+    <p:extLst>
+      <p:ext uri="{BB962C8B-B14F-4D97-AF65-F5344CB8AC3E}">
+        <p14:creationId xmlns:p14="http://schemas.microsoft.com/office/powerpoint/2010/main" val="2317432871"/>
+      </p:ext>
+    </p:extLst>
+  </p:cSld>
+  <p:clrMapOvr>
+    <a:masterClrMapping/>
+  </p:clrMapOvr>
+  <p:transition spd="slow">
+    <p:push dir="u"/>
+  </p:transition>
+</p:sld>
+</file>
+
+<file path=ppt/slides/slide5.xml><?xml version="1.0" encoding="utf-8"?>
+<p:sld xmlns:a="http://schemas.openxmlformats.org/drawingml/2006/main" xmlns:r="http://schemas.openxmlformats.org/officeDocument/2006/relationships" xmlns:p="http://schemas.openxmlformats.org/presentationml/2006/main">
+  <p:cSld>
+    <p:spTree>
+      <p:nvGrpSpPr>
+        <p:cNvPr id="1" name=""/>
+        <p:cNvGrpSpPr/>
+        <p:nvPr/>
+      </p:nvGrpSpPr>
+      <p:grpSpPr>
+        <a:xfrm>
+          <a:off x="0" y="0"/>
+          <a:ext cx="0" cy="0"/>
+          <a:chOff x="0" y="0"/>
+          <a:chExt cx="0" cy="0"/>
+        </a:xfrm>
+      </p:grpSpPr>
+      <p:sp>
+        <p:nvSpPr>
+          <p:cNvPr id="2" name="Title 1">
+            <a:extLst>
+              <a:ext uri="{FF2B5EF4-FFF2-40B4-BE49-F238E27FC236}">
+                <a16:creationId xmlns:a16="http://schemas.microsoft.com/office/drawing/2014/main" id="{2A0EB5A7-DE24-4EAE-AEE8-ABF4AA6F0FB6}"/>
+              </a:ext>
+            </a:extLst>
+          </p:cNvPr>
+          <p:cNvSpPr>
+            <a:spLocks noGrp="1"/>
+          </p:cNvSpPr>
+          <p:nvPr>
+            <p:ph type="title"/>
+          </p:nvPr>
+        </p:nvSpPr>
+        <p:spPr/>
+        <p:txBody>
+          <a:bodyPr/>
+          <a:lstStyle/>
+          <a:p>
+            <a:endParaRPr lang="en-US"/>
+          </a:p>
+        </p:txBody>
+      </p:sp>
+      <p:sp>
+        <p:nvSpPr>
+          <p:cNvPr id="3" name="Content Placeholder 2">
+            <a:extLst>
+              <a:ext uri="{FF2B5EF4-FFF2-40B4-BE49-F238E27FC236}">
+                <a16:creationId xmlns:a16="http://schemas.microsoft.com/office/drawing/2014/main" id="{0F90758C-34E9-4035-A06C-7355CCDADDF1}"/>
+              </a:ext>
+            </a:extLst>
+          </p:cNvPr>
+          <p:cNvSpPr>
+            <a:spLocks noGrp="1"/>
+          </p:cNvSpPr>
+          <p:nvPr>
+            <p:ph sz="quarter" idx="13"/>
+          </p:nvPr>
+        </p:nvSpPr>
+        <p:spPr>
+          <a:xfrm>
+            <a:off x="608170" y="932702"/>
+            <a:ext cx="10975658" cy="981823"/>
+          </a:xfrm>
+        </p:spPr>
+        <p:txBody>
+          <a:bodyPr/>
+          <a:lstStyle/>
+          <a:p>
+            <a:r>
+              <a:rPr lang="en-US" dirty="0"/>
+              <a:t>Why is that we added the exception aggregation (advance feature) in model, though the same calculation can be directly done in story like we did count, discount?</a:t>
+            </a:r>
+          </a:p>
+        </p:txBody>
+      </p:sp>
+      <p:sp>
+        <p:nvSpPr>
+          <p:cNvPr id="4" name="Rectangle 3">
+            <a:extLst>
+              <a:ext uri="{FF2B5EF4-FFF2-40B4-BE49-F238E27FC236}">
+                <a16:creationId xmlns:a16="http://schemas.microsoft.com/office/drawing/2014/main" id="{6DD03820-7F76-493A-B8FA-034E81473DAF}"/>
+              </a:ext>
+            </a:extLst>
+          </p:cNvPr>
+          <p:cNvSpPr/>
+          <p:nvPr/>
+        </p:nvSpPr>
+        <p:spPr>
+          <a:xfrm>
+            <a:off x="1076325" y="2238375"/>
+            <a:ext cx="2628900" cy="1190625"/>
+          </a:xfrm>
+          <a:prstGeom prst="rect">
+            <a:avLst/>
+          </a:prstGeom>
+        </p:spPr>
+        <p:style>
+          <a:lnRef idx="2">
+            <a:schemeClr val="accent1">
+              <a:shade val="50000"/>
+            </a:schemeClr>
+          </a:lnRef>
+          <a:fillRef idx="1">
+            <a:schemeClr val="accent1"/>
+          </a:fillRef>
+          <a:effectRef idx="0">
+            <a:schemeClr val="accent1"/>
+          </a:effectRef>
+          <a:fontRef idx="minor">
+            <a:schemeClr val="lt1"/>
+          </a:fontRef>
+        </p:style>
+        <p:txBody>
+          <a:bodyPr rtlCol="0" anchor="ctr"/>
+          <a:lstStyle/>
+          <a:p>
+            <a:pPr algn="ctr"/>
+            <a:r>
+              <a:rPr lang="en-US" dirty="0"/>
+              <a:t>Story</a:t>
+            </a:r>
+          </a:p>
+          <a:p>
+            <a:pPr algn="ctr"/>
+            <a:r>
+              <a:rPr lang="en-US" dirty="0"/>
+              <a:t>Avg Per country</a:t>
+            </a:r>
+          </a:p>
+        </p:txBody>
+      </p:sp>
+      <p:sp>
+        <p:nvSpPr>
+          <p:cNvPr id="6" name="Rectangle 5">
+            <a:extLst>
+              <a:ext uri="{FF2B5EF4-FFF2-40B4-BE49-F238E27FC236}">
+                <a16:creationId xmlns:a16="http://schemas.microsoft.com/office/drawing/2014/main" id="{C0AC37DD-BF64-48CC-A69E-BA18278B2689}"/>
+              </a:ext>
+            </a:extLst>
+          </p:cNvPr>
+          <p:cNvSpPr/>
+          <p:nvPr/>
+        </p:nvSpPr>
+        <p:spPr>
+          <a:xfrm>
+            <a:off x="1076325" y="3638550"/>
+            <a:ext cx="2628900" cy="1190625"/>
+          </a:xfrm>
+          <a:prstGeom prst="rect">
+            <a:avLst/>
+          </a:prstGeom>
+        </p:spPr>
+        <p:style>
+          <a:lnRef idx="2">
+            <a:schemeClr val="accent1">
+              <a:shade val="50000"/>
+            </a:schemeClr>
+          </a:lnRef>
+          <a:fillRef idx="1">
+            <a:schemeClr val="accent1"/>
+          </a:fillRef>
+          <a:effectRef idx="0">
+            <a:schemeClr val="accent1"/>
+          </a:effectRef>
+          <a:fontRef idx="minor">
+            <a:schemeClr val="lt1"/>
+          </a:fontRef>
+        </p:style>
+        <p:txBody>
+          <a:bodyPr rtlCol="0" anchor="ctr"/>
+          <a:lstStyle/>
+          <a:p>
+            <a:pPr algn="ctr"/>
+            <a:r>
+              <a:rPr lang="en-US" dirty="0"/>
+              <a:t>Story</a:t>
+            </a:r>
+          </a:p>
+          <a:p>
+            <a:pPr algn="ctr"/>
+            <a:r>
+              <a:rPr lang="en-US" dirty="0"/>
+              <a:t>Avg Per country</a:t>
+            </a:r>
+          </a:p>
+        </p:txBody>
+      </p:sp>
+      <p:sp>
+        <p:nvSpPr>
+          <p:cNvPr id="7" name="Rectangle 6">
+            <a:extLst>
+              <a:ext uri="{FF2B5EF4-FFF2-40B4-BE49-F238E27FC236}">
+                <a16:creationId xmlns:a16="http://schemas.microsoft.com/office/drawing/2014/main" id="{2351A643-0350-4878-85EC-554EE94C56B0}"/>
+              </a:ext>
+            </a:extLst>
+          </p:cNvPr>
+          <p:cNvSpPr/>
+          <p:nvPr/>
+        </p:nvSpPr>
+        <p:spPr>
+          <a:xfrm>
+            <a:off x="1076325" y="5133975"/>
+            <a:ext cx="2628900" cy="1190625"/>
+          </a:xfrm>
+          <a:prstGeom prst="rect">
+            <a:avLst/>
+          </a:prstGeom>
+        </p:spPr>
+        <p:style>
+          <a:lnRef idx="2">
+            <a:schemeClr val="accent1">
+              <a:shade val="50000"/>
+            </a:schemeClr>
+          </a:lnRef>
+          <a:fillRef idx="1">
+            <a:schemeClr val="accent1"/>
+          </a:fillRef>
+          <a:effectRef idx="0">
+            <a:schemeClr val="accent1"/>
+          </a:effectRef>
+          <a:fontRef idx="minor">
+            <a:schemeClr val="lt1"/>
+          </a:fontRef>
+        </p:style>
+        <p:txBody>
+          <a:bodyPr rtlCol="0" anchor="ctr"/>
+          <a:lstStyle/>
+          <a:p>
+            <a:pPr algn="ctr"/>
+            <a:r>
+              <a:rPr lang="en-US" dirty="0"/>
+              <a:t>Story</a:t>
+            </a:r>
+          </a:p>
+          <a:p>
+            <a:pPr algn="ctr"/>
+            <a:r>
+              <a:rPr lang="en-US" dirty="0"/>
+              <a:t>Avg Per country</a:t>
+            </a:r>
+          </a:p>
+        </p:txBody>
+      </p:sp>
+      <p:sp>
+        <p:nvSpPr>
+          <p:cNvPr id="10" name="Rectangle 9">
+            <a:extLst>
+              <a:ext uri="{FF2B5EF4-FFF2-40B4-BE49-F238E27FC236}">
+                <a16:creationId xmlns:a16="http://schemas.microsoft.com/office/drawing/2014/main" id="{96E7F42D-EE5F-4A54-8334-472F8D310B65}"/>
+              </a:ext>
+            </a:extLst>
+          </p:cNvPr>
+          <p:cNvSpPr/>
+          <p:nvPr/>
+        </p:nvSpPr>
+        <p:spPr>
+          <a:xfrm>
+            <a:off x="7724775" y="3120981"/>
+            <a:ext cx="2933700" cy="1443038"/>
+          </a:xfrm>
+          <a:prstGeom prst="rect">
+            <a:avLst/>
+          </a:prstGeom>
+        </p:spPr>
+        <p:style>
+          <a:lnRef idx="2">
+            <a:schemeClr val="accent1">
+              <a:shade val="50000"/>
+            </a:schemeClr>
+          </a:lnRef>
+          <a:fillRef idx="1">
+            <a:schemeClr val="accent1"/>
+          </a:fillRef>
+          <a:effectRef idx="0">
+            <a:schemeClr val="accent1"/>
+          </a:effectRef>
+          <a:fontRef idx="minor">
+            <a:schemeClr val="lt1"/>
+          </a:fontRef>
+        </p:style>
+        <p:txBody>
+          <a:bodyPr rtlCol="0" anchor="ctr"/>
+          <a:lstStyle/>
+          <a:p>
+            <a:pPr algn="ctr"/>
+            <a:r>
+              <a:rPr lang="en-US" dirty="0"/>
+              <a:t>Model</a:t>
+            </a:r>
+          </a:p>
+          <a:p>
+            <a:pPr algn="ctr"/>
+            <a:r>
+              <a:rPr lang="en-US" dirty="0"/>
+              <a:t>Reusable</a:t>
+            </a:r>
+          </a:p>
+        </p:txBody>
+      </p:sp>
+      <p:cxnSp>
+        <p:nvCxnSpPr>
+          <p:cNvPr id="12" name="Connector: Elbow 11">
+            <a:extLst>
+              <a:ext uri="{FF2B5EF4-FFF2-40B4-BE49-F238E27FC236}">
+                <a16:creationId xmlns:a16="http://schemas.microsoft.com/office/drawing/2014/main" id="{A925A3AE-39C1-4FC7-9560-63959CD19968}"/>
+              </a:ext>
+            </a:extLst>
+          </p:cNvPr>
+          <p:cNvCxnSpPr>
+            <a:stCxn id="10" idx="1"/>
+            <a:endCxn id="4" idx="3"/>
+          </p:cNvCxnSpPr>
+          <p:nvPr/>
+        </p:nvCxnSpPr>
+        <p:spPr>
+          <a:xfrm rot="10800000">
+            <a:off x="3705225" y="2833688"/>
+            <a:ext cx="4019550" cy="1008812"/>
+          </a:xfrm>
+          <a:prstGeom prst="bentConnector3">
+            <a:avLst/>
+          </a:prstGeom>
+          <a:ln>
+            <a:tailEnd type="triangle"/>
+          </a:ln>
+        </p:spPr>
+        <p:style>
+          <a:lnRef idx="1">
+            <a:schemeClr val="accent1"/>
+          </a:lnRef>
+          <a:fillRef idx="0">
+            <a:schemeClr val="accent1"/>
+          </a:fillRef>
+          <a:effectRef idx="0">
+            <a:schemeClr val="accent1"/>
+          </a:effectRef>
+          <a:fontRef idx="minor">
+            <a:schemeClr val="tx1"/>
+          </a:fontRef>
+        </p:style>
+      </p:cxnSp>
+      <p:cxnSp>
+        <p:nvCxnSpPr>
+          <p:cNvPr id="14" name="Connector: Elbow 13">
+            <a:extLst>
+              <a:ext uri="{FF2B5EF4-FFF2-40B4-BE49-F238E27FC236}">
+                <a16:creationId xmlns:a16="http://schemas.microsoft.com/office/drawing/2014/main" id="{427733A5-A4A5-4286-BDF8-E004F1CD73F6}"/>
+              </a:ext>
+            </a:extLst>
+          </p:cNvPr>
+          <p:cNvCxnSpPr>
+            <a:endCxn id="7" idx="3"/>
+          </p:cNvCxnSpPr>
+          <p:nvPr/>
+        </p:nvCxnSpPr>
+        <p:spPr>
+          <a:xfrm rot="10800000" flipV="1">
+            <a:off x="3705225" y="3842500"/>
+            <a:ext cx="4152902" cy="1886788"/>
+          </a:xfrm>
+          <a:prstGeom prst="bentConnector3">
+            <a:avLst>
+              <a:gd name="adj1" fmla="val 51606"/>
+            </a:avLst>
+          </a:prstGeom>
+          <a:ln>
+            <a:tailEnd type="triangle"/>
+          </a:ln>
+        </p:spPr>
+        <p:style>
+          <a:lnRef idx="1">
+            <a:schemeClr val="accent1"/>
+          </a:lnRef>
+          <a:fillRef idx="0">
+            <a:schemeClr val="accent1"/>
+          </a:fillRef>
+          <a:effectRef idx="0">
+            <a:schemeClr val="accent1"/>
+          </a:effectRef>
+          <a:fontRef idx="minor">
+            <a:schemeClr val="tx1"/>
+          </a:fontRef>
+        </p:style>
+      </p:cxnSp>
+      <p:cxnSp>
+        <p:nvCxnSpPr>
+          <p:cNvPr id="16" name="Connector: Elbow 15">
+            <a:extLst>
+              <a:ext uri="{FF2B5EF4-FFF2-40B4-BE49-F238E27FC236}">
+                <a16:creationId xmlns:a16="http://schemas.microsoft.com/office/drawing/2014/main" id="{3B235329-2EDD-4D2A-9D1D-83D5F973F73E}"/>
+              </a:ext>
+            </a:extLst>
+          </p:cNvPr>
+          <p:cNvCxnSpPr>
+            <a:stCxn id="10" idx="1"/>
+            <a:endCxn id="6" idx="3"/>
+          </p:cNvCxnSpPr>
+          <p:nvPr/>
+        </p:nvCxnSpPr>
+        <p:spPr>
+          <a:xfrm rot="10800000" flipV="1">
+            <a:off x="3705225" y="3842499"/>
+            <a:ext cx="4019550" cy="391363"/>
+          </a:xfrm>
+          <a:prstGeom prst="bentConnector3">
+            <a:avLst/>
+          </a:prstGeom>
+          <a:ln>
+            <a:tailEnd type="triangle"/>
+          </a:ln>
+        </p:spPr>
+        <p:style>
+          <a:lnRef idx="1">
+            <a:schemeClr val="accent1"/>
+          </a:lnRef>
+          <a:fillRef idx="0">
+            <a:schemeClr val="accent1"/>
+          </a:fillRef>
+          <a:effectRef idx="0">
+            <a:schemeClr val="accent1"/>
+          </a:effectRef>
+          <a:fontRef idx="minor">
+            <a:schemeClr val="tx1"/>
+          </a:fontRef>
+        </p:style>
+      </p:cxnSp>
+      <p:sp>
+        <p:nvSpPr>
+          <p:cNvPr id="9" name="Rectangle 8">
+            <a:extLst>
+              <a:ext uri="{FF2B5EF4-FFF2-40B4-BE49-F238E27FC236}">
+                <a16:creationId xmlns:a16="http://schemas.microsoft.com/office/drawing/2014/main" id="{B17A2609-2AB2-4173-B920-48AA8C046A33}"/>
+              </a:ext>
+            </a:extLst>
+          </p:cNvPr>
+          <p:cNvSpPr/>
+          <p:nvPr/>
+        </p:nvSpPr>
+        <p:spPr>
+          <a:xfrm>
+            <a:off x="10229851" y="3285288"/>
+            <a:ext cx="1352550" cy="238962"/>
+          </a:xfrm>
+          <a:prstGeom prst="rect">
+            <a:avLst/>
+          </a:prstGeom>
+          <a:solidFill>
+            <a:schemeClr val="accent6"/>
+          </a:solidFill>
+        </p:spPr>
+        <p:style>
+          <a:lnRef idx="2">
+            <a:schemeClr val="accent1">
+              <a:shade val="50000"/>
+            </a:schemeClr>
+          </a:lnRef>
+          <a:fillRef idx="1">
+            <a:schemeClr val="accent1"/>
+          </a:fillRef>
+          <a:effectRef idx="0">
+            <a:schemeClr val="accent1"/>
+          </a:effectRef>
+          <a:fontRef idx="minor">
+            <a:schemeClr val="lt1"/>
+          </a:fontRef>
+        </p:style>
+        <p:txBody>
+          <a:bodyPr rtlCol="0" anchor="ctr"/>
+          <a:lstStyle/>
+          <a:p>
+            <a:pPr algn="ctr"/>
+            <a:r>
+              <a:rPr lang="en-US" dirty="0"/>
+              <a:t>*</a:t>
+            </a:r>
+          </a:p>
+        </p:txBody>
+      </p:sp>
+    </p:spTree>
+    <p:extLst>
+      <p:ext uri="{BB962C8B-B14F-4D97-AF65-F5344CB8AC3E}">
+        <p14:creationId xmlns:p14="http://schemas.microsoft.com/office/powerpoint/2010/main" val="2084259448"/>
+      </p:ext>
+    </p:extLst>
+  </p:cSld>
+  <p:clrMapOvr>
+    <a:masterClrMapping/>
+  </p:clrMapOvr>
+</p:sld>
+</file>
+
+<file path=ppt/slides/slide6.xml><?xml version="1.0" encoding="utf-8"?>
+<p:sld xmlns:a="http://schemas.openxmlformats.org/drawingml/2006/main" xmlns:r="http://schemas.openxmlformats.org/officeDocument/2006/relationships" xmlns:p="http://schemas.openxmlformats.org/presentationml/2006/main">
+  <p:cSld>
+    <p:spTree>
+      <p:nvGrpSpPr>
+        <p:cNvPr id="1" name=""/>
+        <p:cNvGrpSpPr/>
+        <p:nvPr/>
+      </p:nvGrpSpPr>
+      <p:grpSpPr>
+        <a:xfrm>
+          <a:off x="0" y="0"/>
+          <a:ext cx="0" cy="0"/>
+          <a:chOff x="0" y="0"/>
+          <a:chExt cx="0" cy="0"/>
+        </a:xfrm>
+      </p:grpSpPr>
+      <p:sp>
+        <p:nvSpPr>
+          <p:cNvPr id="2" name="Title 1">
+            <a:extLst>
+              <a:ext uri="{FF2B5EF4-FFF2-40B4-BE49-F238E27FC236}">
+                <a16:creationId xmlns:a16="http://schemas.microsoft.com/office/drawing/2014/main" id="{E230B051-BAA0-46ED-9C8C-30CCC7C917CF}"/>
+              </a:ext>
+            </a:extLst>
+          </p:cNvPr>
+          <p:cNvSpPr>
+            <a:spLocks noGrp="1"/>
+          </p:cNvSpPr>
+          <p:nvPr>
+            <p:ph type="title"/>
+          </p:nvPr>
+        </p:nvSpPr>
+        <p:spPr/>
+        <p:txBody>
+          <a:bodyPr/>
+          <a:lstStyle/>
+          <a:p>
+            <a:r>
+              <a:rPr lang="en-US" dirty="0"/>
+              <a:t>Advance BI Scenario</a:t>
+            </a:r>
+          </a:p>
+        </p:txBody>
+      </p:sp>
+      <p:sp>
+        <p:nvSpPr>
+          <p:cNvPr id="3" name="Content Placeholder 2">
+            <a:extLst>
+              <a:ext uri="{FF2B5EF4-FFF2-40B4-BE49-F238E27FC236}">
+                <a16:creationId xmlns:a16="http://schemas.microsoft.com/office/drawing/2014/main" id="{A72CB540-3CBE-4C28-A8AD-15C3147A229E}"/>
+              </a:ext>
+            </a:extLst>
+          </p:cNvPr>
+          <p:cNvSpPr>
+            <a:spLocks noGrp="1"/>
+          </p:cNvSpPr>
+          <p:nvPr>
+            <p:ph sz="quarter" idx="13"/>
+          </p:nvPr>
+        </p:nvSpPr>
+        <p:spPr/>
+        <p:txBody>
+          <a:bodyPr/>
+          <a:lstStyle/>
+          <a:p>
+            <a:r>
+              <a:rPr lang="en-US" dirty="0"/>
+              <a:t>Advance BI Scenario with variance </a:t>
+            </a:r>
+            <a:r>
+              <a:rPr lang="en-US" dirty="0">
+                <a:hlinkClick r:id="rId2"/>
+              </a:rPr>
+              <a:t>click here</a:t>
+            </a:r>
+            <a:endParaRPr lang="en-US" dirty="0"/>
+          </a:p>
+        </p:txBody>
+      </p:sp>
+    </p:spTree>
+    <p:extLst>
+      <p:ext uri="{BB962C8B-B14F-4D97-AF65-F5344CB8AC3E}">
+        <p14:creationId xmlns:p14="http://schemas.microsoft.com/office/powerpoint/2010/main" val="1716169486"/>
+      </p:ext>
+    </p:extLst>
+  </p:cSld>
+  <p:clrMapOvr>
+    <a:masterClrMapping/>
+  </p:clrMapOvr>
+</p:sld>
+</file>
+
+<file path=ppt/slides/slide7.xml><?xml version="1.0" encoding="utf-8"?>
+<p:sld xmlns:a="http://schemas.openxmlformats.org/drawingml/2006/main" xmlns:r="http://schemas.openxmlformats.org/officeDocument/2006/relationships" xmlns:p="http://schemas.openxmlformats.org/presentationml/2006/main">
+  <p:cSld>
+    <p:spTree>
+      <p:nvGrpSpPr>
+        <p:cNvPr id="1" name=""/>
+        <p:cNvGrpSpPr/>
+        <p:nvPr/>
+      </p:nvGrpSpPr>
+      <p:grpSpPr>
+        <a:xfrm>
+          <a:off x="0" y="0"/>
+          <a:ext cx="0" cy="0"/>
+          <a:chOff x="0" y="0"/>
+          <a:chExt cx="0" cy="0"/>
+        </a:xfrm>
+      </p:grpSpPr>
+      <p:sp>
+        <p:nvSpPr>
+          <p:cNvPr id="11" name="Title 10"/>
+          <p:cNvSpPr>
+            <a:spLocks noGrp="1"/>
+          </p:cNvSpPr>
+          <p:nvPr>
+            <p:ph type="title"/>
+          </p:nvPr>
+        </p:nvSpPr>
+        <p:spPr>
+          <a:xfrm>
+            <a:off x="-20279" y="41354"/>
+            <a:ext cx="10969943" cy="711081"/>
+          </a:xfrm>
+        </p:spPr>
+        <p:txBody>
+          <a:bodyPr>
+            <a:noAutofit/>
+          </a:bodyPr>
+          <a:lstStyle/>
+          <a:p>
+            <a:r>
+              <a:rPr lang="en-IN" dirty="0">
+                <a:solidFill>
+                  <a:schemeClr val="tx2">
+                    <a:lumMod val="60000"/>
+                    <a:lumOff val="40000"/>
+                  </a:schemeClr>
+                </a:solidFill>
+                <a:latin typeface="Patua One" pitchFamily="2" charset="0"/>
+              </a:rPr>
+              <a:t>Exception Aggregation</a:t>
+            </a:r>
+          </a:p>
+        </p:txBody>
+      </p:sp>
+      <p:sp>
+        <p:nvSpPr>
+          <p:cNvPr id="37" name="TextBox 36">
+            <a:extLst>
+              <a:ext uri="{FF2B5EF4-FFF2-40B4-BE49-F238E27FC236}">
+                <a16:creationId xmlns:a16="http://schemas.microsoft.com/office/drawing/2014/main" id="{E8CAC22F-1542-4031-BC6C-A16989886504}"/>
+              </a:ext>
+            </a:extLst>
+          </p:cNvPr>
+          <p:cNvSpPr txBox="1"/>
+          <p:nvPr/>
+        </p:nvSpPr>
+        <p:spPr>
+          <a:xfrm>
+            <a:off x="4943872" y="6550224"/>
+            <a:ext cx="3456384" cy="307777"/>
+          </a:xfrm>
+          <a:prstGeom prst="rect">
+            <a:avLst/>
+          </a:prstGeom>
+          <a:noFill/>
+        </p:spPr>
+        <p:txBody>
+          <a:bodyPr wrap="square" rtlCol="0">
+            <a:spAutoFit/>
+          </a:bodyPr>
+          <a:lstStyle/>
+          <a:p>
+            <a:pPr defTabSz="1218987">
+              <a:defRPr/>
+            </a:pPr>
+            <a:r>
+              <a:rPr lang="en-US" sz="1400" b="1" dirty="0">
+                <a:solidFill>
+                  <a:prstClr val="black"/>
+                </a:solidFill>
+                <a:latin typeface="Arial Rounded MT Bold" panose="020F0704030504030204" pitchFamily="34" charset="0"/>
+                <a:ea typeface="Arial Unicode MS" panose="020B0604020202020204" pitchFamily="34" charset="-128"/>
+                <a:cs typeface="Arial Unicode MS" panose="020B0604020202020204" pitchFamily="34" charset="-128"/>
+              </a:rPr>
+              <a:t>www.anubhavtrainings.com</a:t>
+            </a:r>
+            <a:endParaRPr lang="en-IN" sz="1400" b="1" dirty="0">
+              <a:solidFill>
+                <a:prstClr val="black"/>
+              </a:solidFill>
+              <a:latin typeface="Arial Rounded MT Bold" panose="020F0704030504030204" pitchFamily="34" charset="0"/>
+              <a:ea typeface="Arial Unicode MS" panose="020B0604020202020204" pitchFamily="34" charset="-128"/>
+              <a:cs typeface="Arial Unicode MS" panose="020B0604020202020204" pitchFamily="34" charset="-128"/>
+            </a:endParaRPr>
+          </a:p>
+        </p:txBody>
+      </p:sp>
+      <p:pic>
+        <p:nvPicPr>
+          <p:cNvPr id="40" name="Picture 39">
+            <a:extLst>
+              <a:ext uri="{FF2B5EF4-FFF2-40B4-BE49-F238E27FC236}">
+                <a16:creationId xmlns:a16="http://schemas.microsoft.com/office/drawing/2014/main" id="{DA60E6FB-8C44-4FEB-B6E9-83DA908565CD}"/>
+              </a:ext>
+            </a:extLst>
+          </p:cNvPr>
+          <p:cNvPicPr>
+            <a:picLocks noChangeAspect="1"/>
+          </p:cNvPicPr>
+          <p:nvPr/>
+        </p:nvPicPr>
+        <p:blipFill>
+          <a:blip r:embed="rId2">
+            <a:extLst>
+              <a:ext uri="{28A0092B-C50C-407E-A947-70E740481C1C}">
+                <a14:useLocalDpi xmlns:a14="http://schemas.microsoft.com/office/drawing/2010/main" val="0"/>
+              </a:ext>
+            </a:extLst>
+          </a:blip>
+          <a:stretch>
+            <a:fillRect/>
+          </a:stretch>
+        </p:blipFill>
+        <p:spPr>
+          <a:xfrm>
+            <a:off x="9624393" y="106009"/>
+            <a:ext cx="2335203" cy="762895"/>
+          </a:xfrm>
+          <a:prstGeom prst="rect">
+            <a:avLst/>
+          </a:prstGeom>
+        </p:spPr>
+      </p:pic>
+      <p:cxnSp>
+        <p:nvCxnSpPr>
+          <p:cNvPr id="41" name="Straight Connector 40">
+            <a:extLst>
+              <a:ext uri="{FF2B5EF4-FFF2-40B4-BE49-F238E27FC236}">
+                <a16:creationId xmlns:a16="http://schemas.microsoft.com/office/drawing/2014/main" id="{3B3B7D73-CAE9-45AC-ACCE-FAEF4E505C7A}"/>
+              </a:ext>
+            </a:extLst>
+          </p:cNvPr>
+          <p:cNvCxnSpPr/>
+          <p:nvPr/>
+        </p:nvCxnSpPr>
+        <p:spPr>
+          <a:xfrm>
+            <a:off x="1588" y="764704"/>
+            <a:ext cx="6479584" cy="0"/>
+          </a:xfrm>
+          <a:prstGeom prst="line">
+            <a:avLst/>
+          </a:prstGeom>
+        </p:spPr>
+        <p:style>
+          <a:lnRef idx="2">
+            <a:schemeClr val="accent6"/>
+          </a:lnRef>
+          <a:fillRef idx="0">
+            <a:schemeClr val="accent6"/>
+          </a:fillRef>
+          <a:effectRef idx="1">
+            <a:schemeClr val="accent6"/>
+          </a:effectRef>
+          <a:fontRef idx="minor">
+            <a:schemeClr val="tx1"/>
+          </a:fontRef>
+        </p:style>
+      </p:cxnSp>
       <p:sp>
         <p:nvSpPr>
           <p:cNvPr id="2" name="TextBox 1">
@@ -10821,7 +12335,7 @@
 </p:sld>
 </file>
 
-<file path=ppt/slides/slide6.xml><?xml version="1.0" encoding="utf-8"?>
+<file path=ppt/slides/slide8.xml><?xml version="1.0" encoding="utf-8"?>
 <p:sld xmlns:a="http://schemas.openxmlformats.org/drawingml/2006/main" xmlns:r="http://schemas.openxmlformats.org/officeDocument/2006/relationships" xmlns:p="http://schemas.openxmlformats.org/presentationml/2006/main">
   <p:cSld>
     <p:spTree>
@@ -12038,7 +13552,7 @@
 </p:sld>
 </file>
 
-<file path=ppt/slides/slide7.xml><?xml version="1.0" encoding="utf-8"?>
+<file path=ppt/slides/slide9.xml><?xml version="1.0" encoding="utf-8"?>
 <p:sld xmlns:a="http://schemas.openxmlformats.org/drawingml/2006/main" xmlns:r="http://schemas.openxmlformats.org/officeDocument/2006/relationships" xmlns:p="http://schemas.openxmlformats.org/presentationml/2006/main">
   <p:cSld>
     <p:spTree>
@@ -12343,575 +13857,6 @@
     <p:extLst>
       <p:ext uri="{BB962C8B-B14F-4D97-AF65-F5344CB8AC3E}">
         <p14:creationId xmlns:p14="http://schemas.microsoft.com/office/powerpoint/2010/main" val="814002446"/>
-      </p:ext>
-    </p:extLst>
-  </p:cSld>
-  <p:clrMapOvr>
-    <a:masterClrMapping/>
-  </p:clrMapOvr>
-  <p:transition spd="slow">
-    <p:push dir="u"/>
-  </p:transition>
-</p:sld>
-</file>
-
-<file path=ppt/slides/slide8.xml><?xml version="1.0" encoding="utf-8"?>
-<p:sld xmlns:a="http://schemas.openxmlformats.org/drawingml/2006/main" xmlns:r="http://schemas.openxmlformats.org/officeDocument/2006/relationships" xmlns:p="http://schemas.openxmlformats.org/presentationml/2006/main">
-  <p:cSld>
-    <p:spTree>
-      <p:nvGrpSpPr>
-        <p:cNvPr id="1" name=""/>
-        <p:cNvGrpSpPr/>
-        <p:nvPr/>
-      </p:nvGrpSpPr>
-      <p:grpSpPr>
-        <a:xfrm>
-          <a:off x="0" y="0"/>
-          <a:ext cx="0" cy="0"/>
-          <a:chOff x="0" y="0"/>
-          <a:chExt cx="0" cy="0"/>
-        </a:xfrm>
-      </p:grpSpPr>
-      <p:sp>
-        <p:nvSpPr>
-          <p:cNvPr id="11" name="Title 10"/>
-          <p:cNvSpPr>
-            <a:spLocks noGrp="1"/>
-          </p:cNvSpPr>
-          <p:nvPr>
-            <p:ph type="title"/>
-          </p:nvPr>
-        </p:nvSpPr>
-        <p:spPr>
-          <a:xfrm>
-            <a:off x="-20279" y="41354"/>
-            <a:ext cx="10969943" cy="711081"/>
-          </a:xfrm>
-        </p:spPr>
-        <p:txBody>
-          <a:bodyPr>
-            <a:noAutofit/>
-          </a:bodyPr>
-          <a:lstStyle/>
-          <a:p>
-            <a:r>
-              <a:rPr lang="en-IN" dirty="0">
-                <a:solidFill>
-                  <a:schemeClr val="tx2">
-                    <a:lumMod val="60000"/>
-                    <a:lumOff val="40000"/>
-                  </a:schemeClr>
-                </a:solidFill>
-                <a:latin typeface="Patua One" pitchFamily="2" charset="0"/>
-              </a:rPr>
-              <a:t>Smart Assist	</a:t>
-            </a:r>
-          </a:p>
-        </p:txBody>
-      </p:sp>
-      <p:sp>
-        <p:nvSpPr>
-          <p:cNvPr id="37" name="TextBox 36">
-            <a:extLst>
-              <a:ext uri="{FF2B5EF4-FFF2-40B4-BE49-F238E27FC236}">
-                <a16:creationId xmlns:a16="http://schemas.microsoft.com/office/drawing/2014/main" id="{E8CAC22F-1542-4031-BC6C-A16989886504}"/>
-              </a:ext>
-            </a:extLst>
-          </p:cNvPr>
-          <p:cNvSpPr txBox="1"/>
-          <p:nvPr/>
-        </p:nvSpPr>
-        <p:spPr>
-          <a:xfrm>
-            <a:off x="4943872" y="6550224"/>
-            <a:ext cx="3456384" cy="307777"/>
-          </a:xfrm>
-          <a:prstGeom prst="rect">
-            <a:avLst/>
-          </a:prstGeom>
-          <a:noFill/>
-        </p:spPr>
-        <p:txBody>
-          <a:bodyPr wrap="square" rtlCol="0">
-            <a:spAutoFit/>
-          </a:bodyPr>
-          <a:lstStyle/>
-          <a:p>
-            <a:pPr defTabSz="1218987">
-              <a:defRPr/>
-            </a:pPr>
-            <a:r>
-              <a:rPr lang="en-US" sz="1400" b="1" dirty="0">
-                <a:solidFill>
-                  <a:prstClr val="black"/>
-                </a:solidFill>
-                <a:latin typeface="Arial Rounded MT Bold" panose="020F0704030504030204" pitchFamily="34" charset="0"/>
-                <a:ea typeface="Arial Unicode MS" panose="020B0604020202020204" pitchFamily="34" charset="-128"/>
-                <a:cs typeface="Arial Unicode MS" panose="020B0604020202020204" pitchFamily="34" charset="-128"/>
-              </a:rPr>
-              <a:t>www.anubhavtrainings.com</a:t>
-            </a:r>
-            <a:endParaRPr lang="en-IN" sz="1400" b="1" dirty="0">
-              <a:solidFill>
-                <a:prstClr val="black"/>
-              </a:solidFill>
-              <a:latin typeface="Arial Rounded MT Bold" panose="020F0704030504030204" pitchFamily="34" charset="0"/>
-              <a:ea typeface="Arial Unicode MS" panose="020B0604020202020204" pitchFamily="34" charset="-128"/>
-              <a:cs typeface="Arial Unicode MS" panose="020B0604020202020204" pitchFamily="34" charset="-128"/>
-            </a:endParaRPr>
-          </a:p>
-        </p:txBody>
-      </p:sp>
-      <p:pic>
-        <p:nvPicPr>
-          <p:cNvPr id="40" name="Picture 39">
-            <a:extLst>
-              <a:ext uri="{FF2B5EF4-FFF2-40B4-BE49-F238E27FC236}">
-                <a16:creationId xmlns:a16="http://schemas.microsoft.com/office/drawing/2014/main" id="{DA60E6FB-8C44-4FEB-B6E9-83DA908565CD}"/>
-              </a:ext>
-            </a:extLst>
-          </p:cNvPr>
-          <p:cNvPicPr>
-            <a:picLocks noChangeAspect="1"/>
-          </p:cNvPicPr>
-          <p:nvPr/>
-        </p:nvPicPr>
-        <p:blipFill>
-          <a:blip r:embed="rId2">
-            <a:extLst>
-              <a:ext uri="{28A0092B-C50C-407E-A947-70E740481C1C}">
-                <a14:useLocalDpi xmlns:a14="http://schemas.microsoft.com/office/drawing/2010/main" val="0"/>
-              </a:ext>
-            </a:extLst>
-          </a:blip>
-          <a:stretch>
-            <a:fillRect/>
-          </a:stretch>
-        </p:blipFill>
-        <p:spPr>
-          <a:xfrm>
-            <a:off x="9624393" y="106009"/>
-            <a:ext cx="2335203" cy="762895"/>
-          </a:xfrm>
-          <a:prstGeom prst="rect">
-            <a:avLst/>
-          </a:prstGeom>
-        </p:spPr>
-      </p:pic>
-      <p:cxnSp>
-        <p:nvCxnSpPr>
-          <p:cNvPr id="41" name="Straight Connector 40">
-            <a:extLst>
-              <a:ext uri="{FF2B5EF4-FFF2-40B4-BE49-F238E27FC236}">
-                <a16:creationId xmlns:a16="http://schemas.microsoft.com/office/drawing/2014/main" id="{3B3B7D73-CAE9-45AC-ACCE-FAEF4E505C7A}"/>
-              </a:ext>
-            </a:extLst>
-          </p:cNvPr>
-          <p:cNvCxnSpPr/>
-          <p:nvPr/>
-        </p:nvCxnSpPr>
-        <p:spPr>
-          <a:xfrm>
-            <a:off x="1588" y="764704"/>
-            <a:ext cx="6479584" cy="0"/>
-          </a:xfrm>
-          <a:prstGeom prst="line">
-            <a:avLst/>
-          </a:prstGeom>
-        </p:spPr>
-        <p:style>
-          <a:lnRef idx="2">
-            <a:schemeClr val="accent6"/>
-          </a:lnRef>
-          <a:fillRef idx="0">
-            <a:schemeClr val="accent6"/>
-          </a:fillRef>
-          <a:effectRef idx="1">
-            <a:schemeClr val="accent6"/>
-          </a:effectRef>
-          <a:fontRef idx="minor">
-            <a:schemeClr val="tx1"/>
-          </a:fontRef>
-        </p:style>
-      </p:cxnSp>
-      <p:sp>
-        <p:nvSpPr>
-          <p:cNvPr id="2" name="TextBox 1">
-            <a:extLst>
-              <a:ext uri="{FF2B5EF4-FFF2-40B4-BE49-F238E27FC236}">
-                <a16:creationId xmlns:a16="http://schemas.microsoft.com/office/drawing/2014/main" id="{5BDA29A0-9F03-4703-BF07-08CD1D51080B}"/>
-              </a:ext>
-            </a:extLst>
-          </p:cNvPr>
-          <p:cNvSpPr txBox="1"/>
-          <p:nvPr/>
-        </p:nvSpPr>
-        <p:spPr>
-          <a:xfrm>
-            <a:off x="152401" y="933559"/>
-            <a:ext cx="11730995" cy="4524315"/>
-          </a:xfrm>
-          <a:prstGeom prst="rect">
-            <a:avLst/>
-          </a:prstGeom>
-          <a:noFill/>
-        </p:spPr>
-        <p:txBody>
-          <a:bodyPr wrap="square" rtlCol="0">
-            <a:spAutoFit/>
-          </a:bodyPr>
-          <a:lstStyle/>
-          <a:p>
-            <a:pPr defTabSz="1218987"/>
-            <a:r>
-              <a:rPr lang="en-US" sz="2400" dirty="0">
-                <a:solidFill>
-                  <a:prstClr val="black"/>
-                </a:solidFill>
-                <a:latin typeface="Calibri"/>
-              </a:rPr>
-              <a:t>4. Time Series Forecasting</a:t>
-            </a:r>
-          </a:p>
-          <a:p>
-            <a:pPr defTabSz="1218987"/>
-            <a:r>
-              <a:rPr lang="en-US" sz="2400" dirty="0">
-                <a:solidFill>
-                  <a:prstClr val="black"/>
-                </a:solidFill>
-                <a:latin typeface="Calibri"/>
-              </a:rPr>
-              <a:t>Depending on past data of a measure </a:t>
-            </a:r>
-            <a:r>
-              <a:rPr lang="en-US" sz="2400" b="1" dirty="0">
-                <a:solidFill>
-                  <a:prstClr val="black"/>
-                </a:solidFill>
-                <a:latin typeface="Calibri"/>
-              </a:rPr>
-              <a:t>based on time</a:t>
-            </a:r>
-            <a:r>
-              <a:rPr lang="en-US" sz="2400" dirty="0">
-                <a:solidFill>
-                  <a:prstClr val="black"/>
-                </a:solidFill>
-                <a:latin typeface="Calibri"/>
-              </a:rPr>
-              <a:t> (dimension) we can find the expected value of a measure w.r.t time and deviation. SAC usage 2 in-built algorithms to predict forecast </a:t>
-            </a:r>
-          </a:p>
-          <a:p>
-            <a:pPr marL="457200" indent="-457200" defTabSz="1218987">
-              <a:buFontTx/>
-              <a:buAutoNum type="arabicPeriod"/>
-            </a:pPr>
-            <a:r>
-              <a:rPr lang="en-US" sz="2400" dirty="0">
-                <a:solidFill>
-                  <a:prstClr val="black"/>
-                </a:solidFill>
-                <a:latin typeface="Calibri"/>
-              </a:rPr>
-              <a:t>Triple Smoothing</a:t>
-            </a:r>
-          </a:p>
-          <a:p>
-            <a:pPr marL="457200" indent="-457200" defTabSz="1218987">
-              <a:buFontTx/>
-              <a:buAutoNum type="arabicPeriod"/>
-            </a:pPr>
-            <a:r>
-              <a:rPr lang="en-US" sz="2400" dirty="0">
-                <a:solidFill>
-                  <a:prstClr val="black"/>
-                </a:solidFill>
-                <a:latin typeface="Calibri"/>
-              </a:rPr>
-              <a:t>Linear Forecast</a:t>
-            </a:r>
-          </a:p>
-          <a:p>
-            <a:pPr marL="457200" indent="-457200" defTabSz="1218987">
-              <a:buFontTx/>
-              <a:buAutoNum type="arabicPeriod"/>
-            </a:pPr>
-            <a:endParaRPr lang="en-US" sz="2400" dirty="0">
-              <a:solidFill>
-                <a:prstClr val="black"/>
-              </a:solidFill>
-              <a:latin typeface="Calibri"/>
-            </a:endParaRPr>
-          </a:p>
-          <a:p>
-            <a:pPr marL="457200" indent="-457200" defTabSz="1218987">
-              <a:buFontTx/>
-              <a:buAutoNum type="arabicPeriod"/>
-            </a:pPr>
-            <a:endParaRPr lang="en-US" sz="2400" dirty="0">
-              <a:solidFill>
-                <a:prstClr val="black"/>
-              </a:solidFill>
-              <a:latin typeface="Calibri"/>
-            </a:endParaRPr>
-          </a:p>
-          <a:p>
-            <a:pPr defTabSz="1218987"/>
-            <a:r>
-              <a:rPr lang="en-US" sz="2400" dirty="0">
-                <a:solidFill>
-                  <a:prstClr val="black"/>
-                </a:solidFill>
-                <a:latin typeface="Calibri"/>
-              </a:rPr>
-              <a:t>5. Smart Grouping</a:t>
-            </a:r>
-          </a:p>
-          <a:p>
-            <a:pPr defTabSz="1218987"/>
-            <a:r>
-              <a:rPr lang="en-US" sz="2400" dirty="0">
-                <a:solidFill>
-                  <a:prstClr val="black"/>
-                </a:solidFill>
-                <a:latin typeface="Calibri"/>
-              </a:rPr>
-              <a:t>Allows us to CLUSTER data depending in groups we choose, suppose we want to segmentize the data points in multiple groups. E.g. group customers based on their ability to pay the pending bills, group students of a class in merit, demerit and mediocre. </a:t>
-            </a:r>
-          </a:p>
-        </p:txBody>
-      </p:sp>
-    </p:spTree>
-    <p:extLst>
-      <p:ext uri="{BB962C8B-B14F-4D97-AF65-F5344CB8AC3E}">
-        <p14:creationId xmlns:p14="http://schemas.microsoft.com/office/powerpoint/2010/main" val="3438104487"/>
-      </p:ext>
-    </p:extLst>
-  </p:cSld>
-  <p:clrMapOvr>
-    <a:masterClrMapping/>
-  </p:clrMapOvr>
-  <p:transition spd="slow">
-    <p:push dir="u"/>
-  </p:transition>
-</p:sld>
-</file>
-
-<file path=ppt/slides/slide9.xml><?xml version="1.0" encoding="utf-8"?>
-<p:sld xmlns:a="http://schemas.openxmlformats.org/drawingml/2006/main" xmlns:r="http://schemas.openxmlformats.org/officeDocument/2006/relationships" xmlns:p="http://schemas.openxmlformats.org/presentationml/2006/main">
-  <p:cSld>
-    <p:spTree>
-      <p:nvGrpSpPr>
-        <p:cNvPr id="1" name=""/>
-        <p:cNvGrpSpPr/>
-        <p:nvPr/>
-      </p:nvGrpSpPr>
-      <p:grpSpPr>
-        <a:xfrm>
-          <a:off x="0" y="0"/>
-          <a:ext cx="0" cy="0"/>
-          <a:chOff x="0" y="0"/>
-          <a:chExt cx="0" cy="0"/>
-        </a:xfrm>
-      </p:grpSpPr>
-      <p:sp>
-        <p:nvSpPr>
-          <p:cNvPr id="11" name="Title 10"/>
-          <p:cNvSpPr>
-            <a:spLocks noGrp="1"/>
-          </p:cNvSpPr>
-          <p:nvPr>
-            <p:ph type="title"/>
-          </p:nvPr>
-        </p:nvSpPr>
-        <p:spPr>
-          <a:xfrm>
-            <a:off x="-20279" y="41354"/>
-            <a:ext cx="10969943" cy="711081"/>
-          </a:xfrm>
-        </p:spPr>
-        <p:txBody>
-          <a:bodyPr>
-            <a:noAutofit/>
-          </a:bodyPr>
-          <a:lstStyle/>
-          <a:p>
-            <a:r>
-              <a:rPr lang="en-IN" dirty="0">
-                <a:solidFill>
-                  <a:schemeClr val="tx2">
-                    <a:lumMod val="60000"/>
-                    <a:lumOff val="40000"/>
-                  </a:schemeClr>
-                </a:solidFill>
-                <a:latin typeface="Patua One" pitchFamily="2" charset="0"/>
-              </a:rPr>
-              <a:t>Smart Feature Support Matrix</a:t>
-            </a:r>
-          </a:p>
-        </p:txBody>
-      </p:sp>
-      <p:sp>
-        <p:nvSpPr>
-          <p:cNvPr id="37" name="TextBox 36">
-            <a:extLst>
-              <a:ext uri="{FF2B5EF4-FFF2-40B4-BE49-F238E27FC236}">
-                <a16:creationId xmlns:a16="http://schemas.microsoft.com/office/drawing/2014/main" id="{E8CAC22F-1542-4031-BC6C-A16989886504}"/>
-              </a:ext>
-            </a:extLst>
-          </p:cNvPr>
-          <p:cNvSpPr txBox="1"/>
-          <p:nvPr/>
-        </p:nvSpPr>
-        <p:spPr>
-          <a:xfrm>
-            <a:off x="4943872" y="6550224"/>
-            <a:ext cx="3456384" cy="307777"/>
-          </a:xfrm>
-          <a:prstGeom prst="rect">
-            <a:avLst/>
-          </a:prstGeom>
-          <a:noFill/>
-        </p:spPr>
-        <p:txBody>
-          <a:bodyPr wrap="square" rtlCol="0">
-            <a:spAutoFit/>
-          </a:bodyPr>
-          <a:lstStyle/>
-          <a:p>
-            <a:pPr defTabSz="1218987">
-              <a:defRPr/>
-            </a:pPr>
-            <a:r>
-              <a:rPr lang="en-US" sz="1400" b="1" dirty="0">
-                <a:solidFill>
-                  <a:prstClr val="black"/>
-                </a:solidFill>
-                <a:latin typeface="Arial Rounded MT Bold" panose="020F0704030504030204" pitchFamily="34" charset="0"/>
-                <a:ea typeface="Arial Unicode MS" panose="020B0604020202020204" pitchFamily="34" charset="-128"/>
-                <a:cs typeface="Arial Unicode MS" panose="020B0604020202020204" pitchFamily="34" charset="-128"/>
-              </a:rPr>
-              <a:t>www.anubhavtrainings.com</a:t>
-            </a:r>
-            <a:endParaRPr lang="en-IN" sz="1400" b="1" dirty="0">
-              <a:solidFill>
-                <a:prstClr val="black"/>
-              </a:solidFill>
-              <a:latin typeface="Arial Rounded MT Bold" panose="020F0704030504030204" pitchFamily="34" charset="0"/>
-              <a:ea typeface="Arial Unicode MS" panose="020B0604020202020204" pitchFamily="34" charset="-128"/>
-              <a:cs typeface="Arial Unicode MS" panose="020B0604020202020204" pitchFamily="34" charset="-128"/>
-            </a:endParaRPr>
-          </a:p>
-        </p:txBody>
-      </p:sp>
-      <p:pic>
-        <p:nvPicPr>
-          <p:cNvPr id="40" name="Picture 39">
-            <a:extLst>
-              <a:ext uri="{FF2B5EF4-FFF2-40B4-BE49-F238E27FC236}">
-                <a16:creationId xmlns:a16="http://schemas.microsoft.com/office/drawing/2014/main" id="{DA60E6FB-8C44-4FEB-B6E9-83DA908565CD}"/>
-              </a:ext>
-            </a:extLst>
-          </p:cNvPr>
-          <p:cNvPicPr>
-            <a:picLocks noChangeAspect="1"/>
-          </p:cNvPicPr>
-          <p:nvPr/>
-        </p:nvPicPr>
-        <p:blipFill>
-          <a:blip r:embed="rId2">
-            <a:extLst>
-              <a:ext uri="{28A0092B-C50C-407E-A947-70E740481C1C}">
-                <a14:useLocalDpi xmlns:a14="http://schemas.microsoft.com/office/drawing/2010/main" val="0"/>
-              </a:ext>
-            </a:extLst>
-          </a:blip>
-          <a:stretch>
-            <a:fillRect/>
-          </a:stretch>
-        </p:blipFill>
-        <p:spPr>
-          <a:xfrm>
-            <a:off x="9624393" y="106009"/>
-            <a:ext cx="2335203" cy="762895"/>
-          </a:xfrm>
-          <a:prstGeom prst="rect">
-            <a:avLst/>
-          </a:prstGeom>
-        </p:spPr>
-      </p:pic>
-      <p:cxnSp>
-        <p:nvCxnSpPr>
-          <p:cNvPr id="41" name="Straight Connector 40">
-            <a:extLst>
-              <a:ext uri="{FF2B5EF4-FFF2-40B4-BE49-F238E27FC236}">
-                <a16:creationId xmlns:a16="http://schemas.microsoft.com/office/drawing/2014/main" id="{3B3B7D73-CAE9-45AC-ACCE-FAEF4E505C7A}"/>
-              </a:ext>
-            </a:extLst>
-          </p:cNvPr>
-          <p:cNvCxnSpPr/>
-          <p:nvPr/>
-        </p:nvCxnSpPr>
-        <p:spPr>
-          <a:xfrm>
-            <a:off x="1588" y="764704"/>
-            <a:ext cx="6479584" cy="0"/>
-          </a:xfrm>
-          <a:prstGeom prst="line">
-            <a:avLst/>
-          </a:prstGeom>
-        </p:spPr>
-        <p:style>
-          <a:lnRef idx="2">
-            <a:schemeClr val="accent6"/>
-          </a:lnRef>
-          <a:fillRef idx="0">
-            <a:schemeClr val="accent6"/>
-          </a:fillRef>
-          <a:effectRef idx="1">
-            <a:schemeClr val="accent6"/>
-          </a:effectRef>
-          <a:fontRef idx="minor">
-            <a:schemeClr val="tx1"/>
-          </a:fontRef>
-        </p:style>
-      </p:cxnSp>
-      <p:pic>
-        <p:nvPicPr>
-          <p:cNvPr id="2" name="Picture 1">
-            <a:extLst>
-              <a:ext uri="{FF2B5EF4-FFF2-40B4-BE49-F238E27FC236}">
-                <a16:creationId xmlns:a16="http://schemas.microsoft.com/office/drawing/2014/main" id="{30AA622A-1614-4C9C-9193-301E34666FDE}"/>
-              </a:ext>
-            </a:extLst>
-          </p:cNvPr>
-          <p:cNvPicPr>
-            <a:picLocks noChangeAspect="1"/>
-          </p:cNvPicPr>
-          <p:nvPr/>
-        </p:nvPicPr>
-        <p:blipFill>
-          <a:blip r:embed="rId3"/>
-          <a:stretch>
-            <a:fillRect/>
-          </a:stretch>
-        </p:blipFill>
-        <p:spPr>
-          <a:xfrm>
-            <a:off x="407368" y="1182969"/>
-            <a:ext cx="11449272" cy="5290298"/>
-          </a:xfrm>
-          <a:prstGeom prst="rect">
-            <a:avLst/>
-          </a:prstGeom>
-        </p:spPr>
-      </p:pic>
-    </p:spTree>
-    <p:extLst>
-      <p:ext uri="{BB962C8B-B14F-4D97-AF65-F5344CB8AC3E}">
-        <p14:creationId xmlns:p14="http://schemas.microsoft.com/office/powerpoint/2010/main" val="1977926479"/>
       </p:ext>
     </p:extLst>
   </p:cSld>
